--- a/projects/ERP Integration/Proposal for System Integraiton v1.0.pptx
+++ b/projects/ERP Integration/Proposal for System Integraiton v1.0.pptx
@@ -3460,7 +3460,7 @@
           <a:p>
             <a:fld id="{00209D9C-0F80-4B18-9111-18548047FFB3}" type="datetimeFigureOut">
               <a:rPr lang="zh-CN" altLang="en-US" smtClean="0"/>
-              <a:t>2018/11/15</a:t>
+              <a:t>2018/11/20</a:t>
             </a:fld>
             <a:endParaRPr lang="zh-CN" altLang="en-US"/>
           </a:p>
@@ -3625,7 +3625,7 @@
           <a:p>
             <a:fld id="{FE858351-3EB1-4F39-A2D0-CA5768308CE6}" type="datetimeFigureOut">
               <a:rPr lang="zh-CN" altLang="en-US" smtClean="0"/>
-              <a:t>2018/11/15</a:t>
+              <a:t>2018/11/20</a:t>
             </a:fld>
             <a:endParaRPr lang="zh-CN" altLang="en-US"/>
           </a:p>
@@ -16614,7 +16614,31 @@
                   <a:schemeClr val="tx1"/>
                 </a:solidFill>
               </a:rPr>
-              <a:t>The schedule job and security control functions are built in front server to support the flat file catching scenario.</a:t>
+              <a:t>The schedule job and security control functions are built in </a:t>
+            </a:r>
+            <a:r>
+              <a:rPr lang="en-US" altLang="zh-CN" sz="1200" dirty="0" smtClean="0">
+                <a:solidFill>
+                  <a:schemeClr val="tx1"/>
+                </a:solidFill>
+              </a:rPr>
+              <a:t>integration</a:t>
+            </a:r>
+            <a:r>
+              <a:rPr lang="en-US" altLang="zh-CN" sz="1200" dirty="0" smtClean="0">
+                <a:solidFill>
+                  <a:schemeClr val="tx1"/>
+                </a:solidFill>
+              </a:rPr>
+              <a:t> </a:t>
+            </a:r>
+            <a:r>
+              <a:rPr lang="en-US" altLang="zh-CN" sz="1200" dirty="0" smtClean="0">
+                <a:solidFill>
+                  <a:schemeClr val="tx1"/>
+                </a:solidFill>
+              </a:rPr>
+              <a:t>server to support the flat file catching scenario.</a:t>
             </a:r>
             <a:endParaRPr lang="zh-CN" altLang="en-US" sz="1200" dirty="0">
               <a:solidFill>
@@ -19771,7 +19795,23 @@
                   <a:schemeClr val="tx1"/>
                 </a:solidFill>
               </a:rPr>
-              <a:t>Security control, data cache and logs management are built in front server.</a:t>
+              <a:t>Security control, data cache and logs management are built in </a:t>
+            </a:r>
+            <a:r>
+              <a:rPr lang="en-US" altLang="zh-CN" sz="1200" dirty="0" smtClean="0">
+                <a:solidFill>
+                  <a:schemeClr val="tx1"/>
+                </a:solidFill>
+              </a:rPr>
+              <a:t>integration </a:t>
+            </a:r>
+            <a:r>
+              <a:rPr lang="en-US" altLang="zh-CN" sz="1200" dirty="0" smtClean="0">
+                <a:solidFill>
+                  <a:schemeClr val="tx1"/>
+                </a:solidFill>
+              </a:rPr>
+              <a:t>server.</a:t>
             </a:r>
           </a:p>
           <a:p>
@@ -29397,7 +29437,7 @@
         </p:nvSpPr>
         <p:spPr>
           <a:xfrm>
-            <a:off x="5149200" y="2197951"/>
+            <a:off x="5166931" y="2197951"/>
             <a:ext cx="216000" cy="144000"/>
           </a:xfrm>
           <a:prstGeom prst="wedgeRoundRectCallout">
@@ -30092,7 +30132,7 @@
                     </a:schemeClr>
                   </a:solidFill>
                 </a:rPr>
-                <a:t>2</a:t>
+                <a:t>4</a:t>
               </a:r>
               <a:endParaRPr lang="zh-CN" altLang="en-US" sz="800" dirty="0">
                 <a:solidFill>

--- a/projects/ERP Integration/Proposal for System Integraiton v1.0.pptx
+++ b/projects/ERP Integration/Proposal for System Integraiton v1.0.pptx
@@ -5,10 +5,10 @@
     <p:sldMasterId id="2147483768" r:id="rId1"/>
   </p:sldMasterIdLst>
   <p:notesMasterIdLst>
-    <p:notesMasterId r:id="rId21"/>
+    <p:notesMasterId r:id="rId24"/>
   </p:notesMasterIdLst>
   <p:handoutMasterIdLst>
-    <p:handoutMasterId r:id="rId22"/>
+    <p:handoutMasterId r:id="rId25"/>
   </p:handoutMasterIdLst>
   <p:sldIdLst>
     <p:sldId id="256" r:id="rId2"/>
@@ -30,6 +30,9 @@
     <p:sldId id="264" r:id="rId18"/>
     <p:sldId id="277" r:id="rId19"/>
     <p:sldId id="276" r:id="rId20"/>
+    <p:sldId id="279" r:id="rId21"/>
+    <p:sldId id="278" r:id="rId22"/>
+    <p:sldId id="280" r:id="rId23"/>
   </p:sldIdLst>
   <p:sldSz cx="9144000" cy="5143500" type="screen16x9"/>
   <p:notesSz cx="6858000" cy="9144000"/>
@@ -936,6 +939,1844 @@
 </dgm:colorsDef>
 </file>
 
+<file path=ppt/diagrams/colors2.xml><?xml version="1.0" encoding="utf-8"?>
+<dgm:colorsDef xmlns:dgm="http://schemas.openxmlformats.org/drawingml/2006/diagram" xmlns:a="http://schemas.openxmlformats.org/drawingml/2006/main" uniqueId="urn:microsoft.com/office/officeart/2005/8/colors/colorful1">
+  <dgm:title val=""/>
+  <dgm:desc val=""/>
+  <dgm:catLst>
+    <dgm:cat type="colorful" pri="10100"/>
+  </dgm:catLst>
+  <dgm:styleLbl name="node0">
+    <dgm:fillClrLst meth="repeat">
+      <a:schemeClr val="accent1"/>
+    </dgm:fillClrLst>
+    <dgm:linClrLst meth="repeat">
+      <a:schemeClr val="lt1"/>
+    </dgm:linClrLst>
+    <dgm:effectClrLst/>
+    <dgm:txLinClrLst/>
+    <dgm:txFillClrLst/>
+    <dgm:txEffectClrLst/>
+  </dgm:styleLbl>
+  <dgm:styleLbl name="node1">
+    <dgm:fillClrLst meth="repeat">
+      <a:schemeClr val="accent2"/>
+      <a:schemeClr val="accent3"/>
+      <a:schemeClr val="accent4"/>
+      <a:schemeClr val="accent5"/>
+      <a:schemeClr val="accent6"/>
+    </dgm:fillClrLst>
+    <dgm:linClrLst meth="repeat">
+      <a:schemeClr val="lt1"/>
+    </dgm:linClrLst>
+    <dgm:effectClrLst/>
+    <dgm:txLinClrLst/>
+    <dgm:txFillClrLst/>
+    <dgm:txEffectClrLst/>
+  </dgm:styleLbl>
+  <dgm:styleLbl name="alignNode1">
+    <dgm:fillClrLst meth="repeat">
+      <a:schemeClr val="accent2"/>
+      <a:schemeClr val="accent3"/>
+      <a:schemeClr val="accent4"/>
+      <a:schemeClr val="accent5"/>
+      <a:schemeClr val="accent6"/>
+    </dgm:fillClrLst>
+    <dgm:linClrLst meth="repeat">
+      <a:schemeClr val="accent2"/>
+      <a:schemeClr val="accent3"/>
+      <a:schemeClr val="accent4"/>
+      <a:schemeClr val="accent5"/>
+      <a:schemeClr val="accent6"/>
+    </dgm:linClrLst>
+    <dgm:effectClrLst/>
+    <dgm:txLinClrLst/>
+    <dgm:txFillClrLst/>
+    <dgm:txEffectClrLst/>
+  </dgm:styleLbl>
+  <dgm:styleLbl name="lnNode1">
+    <dgm:fillClrLst meth="repeat">
+      <a:schemeClr val="accent2"/>
+      <a:schemeClr val="accent3"/>
+      <a:schemeClr val="accent4"/>
+      <a:schemeClr val="accent5"/>
+      <a:schemeClr val="accent6"/>
+    </dgm:fillClrLst>
+    <dgm:linClrLst meth="repeat">
+      <a:schemeClr val="lt1"/>
+    </dgm:linClrLst>
+    <dgm:effectClrLst/>
+    <dgm:txLinClrLst/>
+    <dgm:txFillClrLst/>
+    <dgm:txEffectClrLst/>
+  </dgm:styleLbl>
+  <dgm:styleLbl name="vennNode1">
+    <dgm:fillClrLst meth="repeat">
+      <a:schemeClr val="accent2">
+        <a:alpha val="50000"/>
+      </a:schemeClr>
+      <a:schemeClr val="accent3">
+        <a:alpha val="50000"/>
+      </a:schemeClr>
+      <a:schemeClr val="accent4">
+        <a:alpha val="50000"/>
+      </a:schemeClr>
+      <a:schemeClr val="accent5">
+        <a:alpha val="50000"/>
+      </a:schemeClr>
+      <a:schemeClr val="accent6">
+        <a:alpha val="50000"/>
+      </a:schemeClr>
+    </dgm:fillClrLst>
+    <dgm:linClrLst meth="repeat">
+      <a:schemeClr val="lt1"/>
+    </dgm:linClrLst>
+    <dgm:effectClrLst/>
+    <dgm:txLinClrLst/>
+    <dgm:txFillClrLst/>
+    <dgm:txEffectClrLst/>
+  </dgm:styleLbl>
+  <dgm:styleLbl name="node2">
+    <dgm:fillClrLst>
+      <a:schemeClr val="accent2"/>
+    </dgm:fillClrLst>
+    <dgm:linClrLst meth="repeat">
+      <a:schemeClr val="lt1"/>
+    </dgm:linClrLst>
+    <dgm:effectClrLst/>
+    <dgm:txLinClrLst/>
+    <dgm:txFillClrLst/>
+    <dgm:txEffectClrLst/>
+  </dgm:styleLbl>
+  <dgm:styleLbl name="node3">
+    <dgm:fillClrLst>
+      <a:schemeClr val="accent3"/>
+    </dgm:fillClrLst>
+    <dgm:linClrLst meth="repeat">
+      <a:schemeClr val="lt1"/>
+    </dgm:linClrLst>
+    <dgm:effectClrLst/>
+    <dgm:txLinClrLst/>
+    <dgm:txFillClrLst/>
+    <dgm:txEffectClrLst/>
+  </dgm:styleLbl>
+  <dgm:styleLbl name="node4">
+    <dgm:fillClrLst>
+      <a:schemeClr val="accent4"/>
+    </dgm:fillClrLst>
+    <dgm:linClrLst meth="repeat">
+      <a:schemeClr val="lt1"/>
+    </dgm:linClrLst>
+    <dgm:effectClrLst/>
+    <dgm:txLinClrLst/>
+    <dgm:txFillClrLst/>
+    <dgm:txEffectClrLst/>
+  </dgm:styleLbl>
+  <dgm:styleLbl name="fgImgPlace1">
+    <dgm:fillClrLst meth="repeat">
+      <a:schemeClr val="accent2">
+        <a:tint val="50000"/>
+      </a:schemeClr>
+      <a:schemeClr val="accent3">
+        <a:tint val="50000"/>
+      </a:schemeClr>
+      <a:schemeClr val="accent4">
+        <a:tint val="50000"/>
+      </a:schemeClr>
+      <a:schemeClr val="accent5">
+        <a:tint val="50000"/>
+      </a:schemeClr>
+      <a:schemeClr val="accent6">
+        <a:tint val="50000"/>
+      </a:schemeClr>
+    </dgm:fillClrLst>
+    <dgm:linClrLst meth="repeat">
+      <a:schemeClr val="lt1"/>
+    </dgm:linClrLst>
+    <dgm:effectClrLst/>
+    <dgm:txLinClrLst/>
+    <dgm:txFillClrLst meth="repeat">
+      <a:schemeClr val="lt1"/>
+    </dgm:txFillClrLst>
+    <dgm:txEffectClrLst/>
+  </dgm:styleLbl>
+  <dgm:styleLbl name="alignImgPlace1">
+    <dgm:fillClrLst>
+      <a:schemeClr val="accent1">
+        <a:tint val="50000"/>
+      </a:schemeClr>
+      <a:schemeClr val="accent2">
+        <a:tint val="20000"/>
+      </a:schemeClr>
+    </dgm:fillClrLst>
+    <dgm:linClrLst meth="repeat">
+      <a:schemeClr val="lt1"/>
+    </dgm:linClrLst>
+    <dgm:effectClrLst/>
+    <dgm:txLinClrLst/>
+    <dgm:txFillClrLst meth="repeat">
+      <a:schemeClr val="lt1"/>
+    </dgm:txFillClrLst>
+    <dgm:txEffectClrLst/>
+  </dgm:styleLbl>
+  <dgm:styleLbl name="bgImgPlace1">
+    <dgm:fillClrLst>
+      <a:schemeClr val="accent1">
+        <a:tint val="50000"/>
+      </a:schemeClr>
+      <a:schemeClr val="accent2">
+        <a:tint val="20000"/>
+      </a:schemeClr>
+    </dgm:fillClrLst>
+    <dgm:linClrLst meth="repeat">
+      <a:schemeClr val="lt1"/>
+    </dgm:linClrLst>
+    <dgm:effectClrLst/>
+    <dgm:txLinClrLst/>
+    <dgm:txFillClrLst meth="repeat">
+      <a:schemeClr val="lt1"/>
+    </dgm:txFillClrLst>
+    <dgm:txEffectClrLst/>
+  </dgm:styleLbl>
+  <dgm:styleLbl name="sibTrans2D1">
+    <dgm:fillClrLst meth="repeat">
+      <a:schemeClr val="accent2"/>
+      <a:schemeClr val="accent3"/>
+      <a:schemeClr val="accent4"/>
+      <a:schemeClr val="accent5"/>
+      <a:schemeClr val="accent6"/>
+    </dgm:fillClrLst>
+    <dgm:linClrLst meth="cycle">
+      <a:schemeClr val="lt1"/>
+    </dgm:linClrLst>
+    <dgm:effectClrLst/>
+    <dgm:txLinClrLst/>
+    <dgm:txFillClrLst/>
+    <dgm:txEffectClrLst/>
+  </dgm:styleLbl>
+  <dgm:styleLbl name="fgSibTrans2D1">
+    <dgm:fillClrLst meth="repeat">
+      <a:schemeClr val="accent2"/>
+      <a:schemeClr val="accent3"/>
+      <a:schemeClr val="accent4"/>
+      <a:schemeClr val="accent5"/>
+      <a:schemeClr val="accent6"/>
+    </dgm:fillClrLst>
+    <dgm:linClrLst meth="cycle">
+      <a:schemeClr val="lt1"/>
+    </dgm:linClrLst>
+    <dgm:effectClrLst/>
+    <dgm:txLinClrLst/>
+    <dgm:txFillClrLst meth="repeat">
+      <a:schemeClr val="lt1"/>
+    </dgm:txFillClrLst>
+    <dgm:txEffectClrLst/>
+  </dgm:styleLbl>
+  <dgm:styleLbl name="bgSibTrans2D1">
+    <dgm:fillClrLst meth="repeat">
+      <a:schemeClr val="accent2"/>
+      <a:schemeClr val="accent3"/>
+      <a:schemeClr val="accent4"/>
+      <a:schemeClr val="accent5"/>
+      <a:schemeClr val="accent6"/>
+    </dgm:fillClrLst>
+    <dgm:linClrLst meth="cycle">
+      <a:schemeClr val="lt1"/>
+    </dgm:linClrLst>
+    <dgm:effectClrLst/>
+    <dgm:txLinClrLst/>
+    <dgm:txFillClrLst meth="repeat">
+      <a:schemeClr val="lt1"/>
+    </dgm:txFillClrLst>
+    <dgm:txEffectClrLst/>
+  </dgm:styleLbl>
+  <dgm:styleLbl name="sibTrans1D1">
+    <dgm:fillClrLst meth="repeat">
+      <a:schemeClr val="accent2"/>
+      <a:schemeClr val="accent3"/>
+      <a:schemeClr val="accent4"/>
+      <a:schemeClr val="accent5"/>
+      <a:schemeClr val="accent6"/>
+    </dgm:fillClrLst>
+    <dgm:linClrLst meth="repeat">
+      <a:schemeClr val="accent2"/>
+      <a:schemeClr val="accent3"/>
+      <a:schemeClr val="accent4"/>
+      <a:schemeClr val="accent5"/>
+      <a:schemeClr val="accent6"/>
+    </dgm:linClrLst>
+    <dgm:effectClrLst/>
+    <dgm:txLinClrLst/>
+    <dgm:txFillClrLst meth="repeat">
+      <a:schemeClr val="tx1"/>
+    </dgm:txFillClrLst>
+    <dgm:txEffectClrLst/>
+  </dgm:styleLbl>
+  <dgm:styleLbl name="callout">
+    <dgm:fillClrLst meth="repeat">
+      <a:schemeClr val="accent2"/>
+    </dgm:fillClrLst>
+    <dgm:linClrLst meth="repeat">
+      <a:schemeClr val="accent2">
+        <a:tint val="50000"/>
+      </a:schemeClr>
+    </dgm:linClrLst>
+    <dgm:effectClrLst/>
+    <dgm:txLinClrLst/>
+    <dgm:txFillClrLst meth="repeat">
+      <a:schemeClr val="tx1"/>
+    </dgm:txFillClrLst>
+    <dgm:txEffectClrLst/>
+  </dgm:styleLbl>
+  <dgm:styleLbl name="asst0">
+    <dgm:fillClrLst meth="repeat">
+      <a:schemeClr val="accent1"/>
+    </dgm:fillClrLst>
+    <dgm:linClrLst meth="repeat">
+      <a:schemeClr val="lt1"/>
+    </dgm:linClrLst>
+    <dgm:effectClrLst/>
+    <dgm:txLinClrLst/>
+    <dgm:txFillClrLst/>
+    <dgm:txEffectClrLst/>
+  </dgm:styleLbl>
+  <dgm:styleLbl name="asst1">
+    <dgm:fillClrLst meth="repeat">
+      <a:schemeClr val="accent2"/>
+    </dgm:fillClrLst>
+    <dgm:linClrLst meth="repeat">
+      <a:schemeClr val="lt1"/>
+    </dgm:linClrLst>
+    <dgm:effectClrLst/>
+    <dgm:txLinClrLst/>
+    <dgm:txFillClrLst/>
+    <dgm:txEffectClrLst/>
+  </dgm:styleLbl>
+  <dgm:styleLbl name="asst2">
+    <dgm:fillClrLst>
+      <a:schemeClr val="accent3"/>
+    </dgm:fillClrLst>
+    <dgm:linClrLst meth="repeat">
+      <a:schemeClr val="lt1"/>
+    </dgm:linClrLst>
+    <dgm:effectClrLst/>
+    <dgm:txLinClrLst/>
+    <dgm:txFillClrLst/>
+    <dgm:txEffectClrLst/>
+  </dgm:styleLbl>
+  <dgm:styleLbl name="asst3">
+    <dgm:fillClrLst>
+      <a:schemeClr val="accent4"/>
+    </dgm:fillClrLst>
+    <dgm:linClrLst meth="repeat">
+      <a:schemeClr val="lt1"/>
+    </dgm:linClrLst>
+    <dgm:effectClrLst/>
+    <dgm:txLinClrLst/>
+    <dgm:txFillClrLst/>
+    <dgm:txEffectClrLst/>
+  </dgm:styleLbl>
+  <dgm:styleLbl name="asst4">
+    <dgm:fillClrLst>
+      <a:schemeClr val="accent5"/>
+    </dgm:fillClrLst>
+    <dgm:linClrLst meth="repeat">
+      <a:schemeClr val="lt1"/>
+    </dgm:linClrLst>
+    <dgm:effectClrLst/>
+    <dgm:txLinClrLst/>
+    <dgm:txFillClrLst/>
+    <dgm:txEffectClrLst/>
+  </dgm:styleLbl>
+  <dgm:styleLbl name="parChTrans2D1">
+    <dgm:fillClrLst meth="repeat">
+      <a:schemeClr val="accent2"/>
+    </dgm:fillClrLst>
+    <dgm:linClrLst meth="repeat">
+      <a:schemeClr val="lt1"/>
+    </dgm:linClrLst>
+    <dgm:effectClrLst/>
+    <dgm:txLinClrLst/>
+    <dgm:txFillClrLst meth="repeat">
+      <a:schemeClr val="lt1"/>
+    </dgm:txFillClrLst>
+    <dgm:txEffectClrLst/>
+  </dgm:styleLbl>
+  <dgm:styleLbl name="parChTrans2D2">
+    <dgm:fillClrLst meth="repeat">
+      <a:schemeClr val="accent3"/>
+    </dgm:fillClrLst>
+    <dgm:linClrLst meth="repeat">
+      <a:schemeClr val="lt1"/>
+    </dgm:linClrLst>
+    <dgm:effectClrLst/>
+    <dgm:txLinClrLst/>
+    <dgm:txFillClrLst/>
+    <dgm:txEffectClrLst/>
+  </dgm:styleLbl>
+  <dgm:styleLbl name="parChTrans2D3">
+    <dgm:fillClrLst meth="repeat">
+      <a:schemeClr val="accent4"/>
+    </dgm:fillClrLst>
+    <dgm:linClrLst meth="repeat">
+      <a:schemeClr val="lt1"/>
+    </dgm:linClrLst>
+    <dgm:effectClrLst/>
+    <dgm:txLinClrLst/>
+    <dgm:txFillClrLst/>
+    <dgm:txEffectClrLst/>
+  </dgm:styleLbl>
+  <dgm:styleLbl name="parChTrans2D4">
+    <dgm:fillClrLst meth="repeat">
+      <a:schemeClr val="accent5"/>
+    </dgm:fillClrLst>
+    <dgm:linClrLst meth="repeat">
+      <a:schemeClr val="lt1"/>
+    </dgm:linClrLst>
+    <dgm:effectClrLst/>
+    <dgm:txLinClrLst/>
+    <dgm:txFillClrLst meth="repeat">
+      <a:schemeClr val="lt1"/>
+    </dgm:txFillClrLst>
+    <dgm:txEffectClrLst/>
+  </dgm:styleLbl>
+  <dgm:styleLbl name="parChTrans1D1">
+    <dgm:fillClrLst meth="repeat">
+      <a:schemeClr val="accent2"/>
+    </dgm:fillClrLst>
+    <dgm:linClrLst meth="repeat">
+      <a:schemeClr val="accent1"/>
+    </dgm:linClrLst>
+    <dgm:effectClrLst/>
+    <dgm:txLinClrLst/>
+    <dgm:txFillClrLst meth="repeat">
+      <a:schemeClr val="tx1"/>
+    </dgm:txFillClrLst>
+    <dgm:txEffectClrLst/>
+  </dgm:styleLbl>
+  <dgm:styleLbl name="parChTrans1D2">
+    <dgm:fillClrLst meth="repeat">
+      <a:schemeClr val="accent3">
+        <a:tint val="90000"/>
+      </a:schemeClr>
+    </dgm:fillClrLst>
+    <dgm:linClrLst meth="repeat">
+      <a:schemeClr val="accent2"/>
+    </dgm:linClrLst>
+    <dgm:effectClrLst/>
+    <dgm:txLinClrLst/>
+    <dgm:txFillClrLst meth="repeat">
+      <a:schemeClr val="tx1"/>
+    </dgm:txFillClrLst>
+    <dgm:txEffectClrLst/>
+  </dgm:styleLbl>
+  <dgm:styleLbl name="parChTrans1D3">
+    <dgm:fillClrLst meth="repeat">
+      <a:schemeClr val="accent4">
+        <a:tint val="70000"/>
+      </a:schemeClr>
+    </dgm:fillClrLst>
+    <dgm:linClrLst meth="repeat">
+      <a:schemeClr val="accent3"/>
+    </dgm:linClrLst>
+    <dgm:effectClrLst/>
+    <dgm:txLinClrLst/>
+    <dgm:txFillClrLst meth="repeat">
+      <a:schemeClr val="tx1"/>
+    </dgm:txFillClrLst>
+    <dgm:txEffectClrLst/>
+  </dgm:styleLbl>
+  <dgm:styleLbl name="parChTrans1D4">
+    <dgm:fillClrLst meth="repeat">
+      <a:schemeClr val="accent5">
+        <a:tint val="50000"/>
+      </a:schemeClr>
+    </dgm:fillClrLst>
+    <dgm:linClrLst meth="repeat">
+      <a:schemeClr val="accent4"/>
+    </dgm:linClrLst>
+    <dgm:effectClrLst/>
+    <dgm:txLinClrLst/>
+    <dgm:txFillClrLst meth="repeat">
+      <a:schemeClr val="tx1"/>
+    </dgm:txFillClrLst>
+    <dgm:txEffectClrLst/>
+  </dgm:styleLbl>
+  <dgm:styleLbl name="fgAcc1">
+    <dgm:fillClrLst meth="repeat">
+      <a:schemeClr val="lt1">
+        <a:alpha val="90000"/>
+      </a:schemeClr>
+    </dgm:fillClrLst>
+    <dgm:linClrLst meth="repeat">
+      <a:schemeClr val="accent2"/>
+      <a:schemeClr val="accent3"/>
+      <a:schemeClr val="accent4"/>
+      <a:schemeClr val="accent5"/>
+      <a:schemeClr val="accent6"/>
+    </dgm:linClrLst>
+    <dgm:effectClrLst/>
+    <dgm:txLinClrLst/>
+    <dgm:txFillClrLst meth="repeat">
+      <a:schemeClr val="dk1"/>
+    </dgm:txFillClrLst>
+    <dgm:txEffectClrLst/>
+  </dgm:styleLbl>
+  <dgm:styleLbl name="conFgAcc1">
+    <dgm:fillClrLst meth="repeat">
+      <a:schemeClr val="lt1">
+        <a:alpha val="90000"/>
+      </a:schemeClr>
+    </dgm:fillClrLst>
+    <dgm:linClrLst meth="repeat">
+      <a:schemeClr val="accent2"/>
+      <a:schemeClr val="accent3"/>
+      <a:schemeClr val="accent4"/>
+      <a:schemeClr val="accent5"/>
+      <a:schemeClr val="accent6"/>
+    </dgm:linClrLst>
+    <dgm:effectClrLst/>
+    <dgm:txLinClrLst/>
+    <dgm:txFillClrLst meth="repeat">
+      <a:schemeClr val="dk1"/>
+    </dgm:txFillClrLst>
+    <dgm:txEffectClrLst/>
+  </dgm:styleLbl>
+  <dgm:styleLbl name="alignAcc1">
+    <dgm:fillClrLst meth="repeat">
+      <a:schemeClr val="lt1">
+        <a:alpha val="90000"/>
+      </a:schemeClr>
+    </dgm:fillClrLst>
+    <dgm:linClrLst meth="repeat">
+      <a:schemeClr val="accent2"/>
+      <a:schemeClr val="accent3"/>
+      <a:schemeClr val="accent4"/>
+      <a:schemeClr val="accent5"/>
+      <a:schemeClr val="accent6"/>
+    </dgm:linClrLst>
+    <dgm:effectClrLst/>
+    <dgm:txLinClrLst/>
+    <dgm:txFillClrLst meth="repeat">
+      <a:schemeClr val="dk1"/>
+    </dgm:txFillClrLst>
+    <dgm:txEffectClrLst/>
+  </dgm:styleLbl>
+  <dgm:styleLbl name="trAlignAcc1">
+    <dgm:fillClrLst meth="repeat">
+      <a:schemeClr val="lt1">
+        <a:alpha val="40000"/>
+      </a:schemeClr>
+    </dgm:fillClrLst>
+    <dgm:linClrLst meth="repeat">
+      <a:schemeClr val="accent1"/>
+    </dgm:linClrLst>
+    <dgm:effectClrLst/>
+    <dgm:txLinClrLst/>
+    <dgm:txFillClrLst meth="repeat">
+      <a:schemeClr val="dk1"/>
+    </dgm:txFillClrLst>
+    <dgm:txEffectClrLst/>
+  </dgm:styleLbl>
+  <dgm:styleLbl name="bgAcc1">
+    <dgm:fillClrLst meth="repeat">
+      <a:schemeClr val="lt1">
+        <a:alpha val="90000"/>
+      </a:schemeClr>
+    </dgm:fillClrLst>
+    <dgm:linClrLst meth="repeat">
+      <a:schemeClr val="accent2"/>
+      <a:schemeClr val="accent3"/>
+      <a:schemeClr val="accent4"/>
+      <a:schemeClr val="accent5"/>
+      <a:schemeClr val="accent6"/>
+    </dgm:linClrLst>
+    <dgm:effectClrLst/>
+    <dgm:txLinClrLst/>
+    <dgm:txFillClrLst meth="repeat">
+      <a:schemeClr val="dk1"/>
+    </dgm:txFillClrLst>
+    <dgm:txEffectClrLst/>
+  </dgm:styleLbl>
+  <dgm:styleLbl name="solidFgAcc1">
+    <dgm:fillClrLst meth="repeat">
+      <a:schemeClr val="lt1"/>
+    </dgm:fillClrLst>
+    <dgm:linClrLst meth="repeat">
+      <a:schemeClr val="accent2"/>
+      <a:schemeClr val="accent3"/>
+      <a:schemeClr val="accent4"/>
+      <a:schemeClr val="accent5"/>
+      <a:schemeClr val="accent6"/>
+    </dgm:linClrLst>
+    <dgm:effectClrLst/>
+    <dgm:txLinClrLst/>
+    <dgm:txFillClrLst meth="repeat">
+      <a:schemeClr val="dk1"/>
+    </dgm:txFillClrLst>
+    <dgm:txEffectClrLst/>
+  </dgm:styleLbl>
+  <dgm:styleLbl name="solidAlignAcc1">
+    <dgm:fillClrLst meth="repeat">
+      <a:schemeClr val="lt1"/>
+    </dgm:fillClrLst>
+    <dgm:linClrLst meth="repeat">
+      <a:schemeClr val="accent2"/>
+      <a:schemeClr val="accent3"/>
+      <a:schemeClr val="accent4"/>
+      <a:schemeClr val="accent5"/>
+      <a:schemeClr val="accent6"/>
+    </dgm:linClrLst>
+    <dgm:effectClrLst/>
+    <dgm:txLinClrLst/>
+    <dgm:txFillClrLst meth="repeat">
+      <a:schemeClr val="dk1"/>
+    </dgm:txFillClrLst>
+    <dgm:txEffectClrLst/>
+  </dgm:styleLbl>
+  <dgm:styleLbl name="solidBgAcc1">
+    <dgm:fillClrLst meth="repeat">
+      <a:schemeClr val="lt1"/>
+    </dgm:fillClrLst>
+    <dgm:linClrLst meth="repeat">
+      <a:schemeClr val="accent2"/>
+      <a:schemeClr val="accent3"/>
+      <a:schemeClr val="accent4"/>
+      <a:schemeClr val="accent5"/>
+      <a:schemeClr val="accent6"/>
+    </dgm:linClrLst>
+    <dgm:effectClrLst/>
+    <dgm:txLinClrLst/>
+    <dgm:txFillClrLst meth="repeat">
+      <a:schemeClr val="dk1"/>
+    </dgm:txFillClrLst>
+    <dgm:txEffectClrLst/>
+  </dgm:styleLbl>
+  <dgm:styleLbl name="fgAccFollowNode1">
+    <dgm:fillClrLst meth="repeat">
+      <a:schemeClr val="accent2">
+        <a:tint val="40000"/>
+        <a:alpha val="90000"/>
+      </a:schemeClr>
+      <a:schemeClr val="accent3">
+        <a:tint val="40000"/>
+        <a:alpha val="90000"/>
+      </a:schemeClr>
+      <a:schemeClr val="accent4">
+        <a:tint val="40000"/>
+        <a:alpha val="90000"/>
+      </a:schemeClr>
+      <a:schemeClr val="accent5">
+        <a:tint val="40000"/>
+        <a:alpha val="90000"/>
+      </a:schemeClr>
+      <a:schemeClr val="accent6">
+        <a:tint val="40000"/>
+        <a:alpha val="90000"/>
+      </a:schemeClr>
+    </dgm:fillClrLst>
+    <dgm:linClrLst meth="repeat">
+      <a:schemeClr val="accent2">
+        <a:tint val="40000"/>
+        <a:alpha val="90000"/>
+      </a:schemeClr>
+      <a:schemeClr val="accent3">
+        <a:tint val="40000"/>
+        <a:alpha val="90000"/>
+      </a:schemeClr>
+      <a:schemeClr val="accent4">
+        <a:tint val="40000"/>
+        <a:alpha val="90000"/>
+      </a:schemeClr>
+      <a:schemeClr val="accent5">
+        <a:tint val="40000"/>
+        <a:alpha val="90000"/>
+      </a:schemeClr>
+      <a:schemeClr val="accent6">
+        <a:tint val="40000"/>
+        <a:alpha val="90000"/>
+      </a:schemeClr>
+    </dgm:linClrLst>
+    <dgm:effectClrLst/>
+    <dgm:txLinClrLst/>
+    <dgm:txFillClrLst meth="repeat">
+      <a:schemeClr val="dk1"/>
+    </dgm:txFillClrLst>
+    <dgm:txEffectClrLst/>
+  </dgm:styleLbl>
+  <dgm:styleLbl name="alignAccFollowNode1">
+    <dgm:fillClrLst meth="repeat">
+      <a:schemeClr val="accent2">
+        <a:tint val="40000"/>
+        <a:alpha val="90000"/>
+      </a:schemeClr>
+      <a:schemeClr val="accent3">
+        <a:tint val="40000"/>
+        <a:alpha val="90000"/>
+      </a:schemeClr>
+      <a:schemeClr val="accent4">
+        <a:tint val="40000"/>
+        <a:alpha val="90000"/>
+      </a:schemeClr>
+      <a:schemeClr val="accent5">
+        <a:tint val="40000"/>
+        <a:alpha val="90000"/>
+      </a:schemeClr>
+      <a:schemeClr val="accent6">
+        <a:tint val="40000"/>
+        <a:alpha val="90000"/>
+      </a:schemeClr>
+    </dgm:fillClrLst>
+    <dgm:linClrLst meth="repeat">
+      <a:schemeClr val="accent2">
+        <a:tint val="40000"/>
+        <a:alpha val="90000"/>
+      </a:schemeClr>
+      <a:schemeClr val="accent3">
+        <a:tint val="40000"/>
+        <a:alpha val="90000"/>
+      </a:schemeClr>
+      <a:schemeClr val="accent4">
+        <a:tint val="40000"/>
+        <a:alpha val="90000"/>
+      </a:schemeClr>
+      <a:schemeClr val="accent5">
+        <a:tint val="40000"/>
+        <a:alpha val="90000"/>
+      </a:schemeClr>
+      <a:schemeClr val="accent6">
+        <a:tint val="40000"/>
+        <a:alpha val="90000"/>
+      </a:schemeClr>
+    </dgm:linClrLst>
+    <dgm:effectClrLst/>
+    <dgm:txLinClrLst/>
+    <dgm:txFillClrLst meth="repeat">
+      <a:schemeClr val="dk1"/>
+    </dgm:txFillClrLst>
+    <dgm:txEffectClrLst/>
+  </dgm:styleLbl>
+  <dgm:styleLbl name="bgAccFollowNode1">
+    <dgm:fillClrLst meth="repeat">
+      <a:schemeClr val="accent2">
+        <a:tint val="40000"/>
+        <a:alpha val="90000"/>
+      </a:schemeClr>
+      <a:schemeClr val="accent3">
+        <a:tint val="40000"/>
+        <a:alpha val="90000"/>
+      </a:schemeClr>
+      <a:schemeClr val="accent4">
+        <a:tint val="40000"/>
+        <a:alpha val="90000"/>
+      </a:schemeClr>
+      <a:schemeClr val="accent5">
+        <a:tint val="40000"/>
+        <a:alpha val="90000"/>
+      </a:schemeClr>
+      <a:schemeClr val="accent6">
+        <a:tint val="40000"/>
+        <a:alpha val="90000"/>
+      </a:schemeClr>
+    </dgm:fillClrLst>
+    <dgm:linClrLst meth="repeat">
+      <a:schemeClr val="accent2">
+        <a:tint val="40000"/>
+        <a:alpha val="90000"/>
+      </a:schemeClr>
+      <a:schemeClr val="accent3">
+        <a:tint val="40000"/>
+        <a:alpha val="90000"/>
+      </a:schemeClr>
+      <a:schemeClr val="accent4">
+        <a:tint val="40000"/>
+        <a:alpha val="90000"/>
+      </a:schemeClr>
+      <a:schemeClr val="accent5">
+        <a:tint val="40000"/>
+        <a:alpha val="90000"/>
+      </a:schemeClr>
+      <a:schemeClr val="accent6">
+        <a:tint val="40000"/>
+        <a:alpha val="90000"/>
+      </a:schemeClr>
+    </dgm:linClrLst>
+    <dgm:effectClrLst/>
+    <dgm:txLinClrLst/>
+    <dgm:txFillClrLst meth="repeat">
+      <a:schemeClr val="dk1"/>
+    </dgm:txFillClrLst>
+    <dgm:txEffectClrLst/>
+  </dgm:styleLbl>
+  <dgm:styleLbl name="fgAcc0">
+    <dgm:fillClrLst meth="repeat">
+      <a:schemeClr val="lt1">
+        <a:alpha val="90000"/>
+      </a:schemeClr>
+    </dgm:fillClrLst>
+    <dgm:linClrLst>
+      <a:schemeClr val="accent1"/>
+    </dgm:linClrLst>
+    <dgm:effectClrLst/>
+    <dgm:txLinClrLst/>
+    <dgm:txFillClrLst meth="repeat">
+      <a:schemeClr val="dk1"/>
+    </dgm:txFillClrLst>
+    <dgm:txEffectClrLst/>
+  </dgm:styleLbl>
+  <dgm:styleLbl name="fgAcc2">
+    <dgm:fillClrLst meth="repeat">
+      <a:schemeClr val="lt1">
+        <a:alpha val="90000"/>
+      </a:schemeClr>
+    </dgm:fillClrLst>
+    <dgm:linClrLst>
+      <a:schemeClr val="accent2"/>
+    </dgm:linClrLst>
+    <dgm:effectClrLst/>
+    <dgm:txLinClrLst/>
+    <dgm:txFillClrLst meth="repeat">
+      <a:schemeClr val="dk1"/>
+    </dgm:txFillClrLst>
+    <dgm:txEffectClrLst/>
+  </dgm:styleLbl>
+  <dgm:styleLbl name="fgAcc3">
+    <dgm:fillClrLst meth="repeat">
+      <a:schemeClr val="lt1">
+        <a:alpha val="90000"/>
+      </a:schemeClr>
+    </dgm:fillClrLst>
+    <dgm:linClrLst>
+      <a:schemeClr val="accent3"/>
+    </dgm:linClrLst>
+    <dgm:effectClrLst/>
+    <dgm:txLinClrLst/>
+    <dgm:txFillClrLst meth="repeat">
+      <a:schemeClr val="dk1"/>
+    </dgm:txFillClrLst>
+    <dgm:txEffectClrLst/>
+  </dgm:styleLbl>
+  <dgm:styleLbl name="fgAcc4">
+    <dgm:fillClrLst meth="repeat">
+      <a:schemeClr val="lt1">
+        <a:alpha val="90000"/>
+      </a:schemeClr>
+    </dgm:fillClrLst>
+    <dgm:linClrLst>
+      <a:schemeClr val="accent4"/>
+    </dgm:linClrLst>
+    <dgm:effectClrLst/>
+    <dgm:txLinClrLst/>
+    <dgm:txFillClrLst meth="repeat">
+      <a:schemeClr val="dk1"/>
+    </dgm:txFillClrLst>
+    <dgm:txEffectClrLst/>
+  </dgm:styleLbl>
+  <dgm:styleLbl name="bgShp">
+    <dgm:fillClrLst meth="repeat">
+      <a:schemeClr val="accent2">
+        <a:tint val="40000"/>
+      </a:schemeClr>
+    </dgm:fillClrLst>
+    <dgm:linClrLst meth="repeat">
+      <a:schemeClr val="dk1"/>
+    </dgm:linClrLst>
+    <dgm:effectClrLst/>
+    <dgm:txLinClrLst/>
+    <dgm:txFillClrLst meth="repeat">
+      <a:schemeClr val="dk1"/>
+    </dgm:txFillClrLst>
+    <dgm:txEffectClrLst/>
+  </dgm:styleLbl>
+  <dgm:styleLbl name="dkBgShp">
+    <dgm:fillClrLst meth="repeat">
+      <a:schemeClr val="accent2">
+        <a:shade val="90000"/>
+      </a:schemeClr>
+    </dgm:fillClrLst>
+    <dgm:linClrLst meth="repeat">
+      <a:schemeClr val="dk1"/>
+    </dgm:linClrLst>
+    <dgm:effectClrLst/>
+    <dgm:txLinClrLst/>
+    <dgm:txFillClrLst meth="repeat">
+      <a:schemeClr val="lt1"/>
+    </dgm:txFillClrLst>
+    <dgm:txEffectClrLst/>
+  </dgm:styleLbl>
+  <dgm:styleLbl name="trBgShp">
+    <dgm:fillClrLst meth="repeat">
+      <a:schemeClr val="accent1">
+        <a:tint val="50000"/>
+        <a:alpha val="40000"/>
+      </a:schemeClr>
+    </dgm:fillClrLst>
+    <dgm:linClrLst meth="repeat">
+      <a:schemeClr val="accent2"/>
+    </dgm:linClrLst>
+    <dgm:effectClrLst/>
+    <dgm:txLinClrLst/>
+    <dgm:txFillClrLst meth="repeat">
+      <a:schemeClr val="lt1"/>
+    </dgm:txFillClrLst>
+    <dgm:txEffectClrLst/>
+  </dgm:styleLbl>
+  <dgm:styleLbl name="fgShp">
+    <dgm:fillClrLst meth="repeat">
+      <a:schemeClr val="accent2">
+        <a:tint val="40000"/>
+      </a:schemeClr>
+    </dgm:fillClrLst>
+    <dgm:linClrLst meth="repeat">
+      <a:schemeClr val="lt1"/>
+    </dgm:linClrLst>
+    <dgm:effectClrLst/>
+    <dgm:txLinClrLst/>
+    <dgm:txFillClrLst meth="repeat">
+      <a:schemeClr val="dk1"/>
+    </dgm:txFillClrLst>
+    <dgm:txEffectClrLst/>
+  </dgm:styleLbl>
+  <dgm:styleLbl name="revTx">
+    <dgm:fillClrLst meth="repeat">
+      <a:schemeClr val="lt1">
+        <a:alpha val="0"/>
+      </a:schemeClr>
+    </dgm:fillClrLst>
+    <dgm:linClrLst meth="repeat">
+      <a:schemeClr val="dk1">
+        <a:alpha val="0"/>
+      </a:schemeClr>
+    </dgm:linClrLst>
+    <dgm:effectClrLst/>
+    <dgm:txLinClrLst/>
+    <dgm:txFillClrLst meth="repeat">
+      <a:schemeClr val="tx1"/>
+    </dgm:txFillClrLst>
+    <dgm:txEffectClrLst/>
+  </dgm:styleLbl>
+</dgm:colorsDef>
+</file>
+
+<file path=ppt/diagrams/colors3.xml><?xml version="1.0" encoding="utf-8"?>
+<dgm:colorsDef xmlns:dgm="http://schemas.openxmlformats.org/drawingml/2006/diagram" xmlns:a="http://schemas.openxmlformats.org/drawingml/2006/main" uniqueId="urn:microsoft.com/office/officeart/2005/8/colors/colorful1">
+  <dgm:title val=""/>
+  <dgm:desc val=""/>
+  <dgm:catLst>
+    <dgm:cat type="colorful" pri="10100"/>
+  </dgm:catLst>
+  <dgm:styleLbl name="node0">
+    <dgm:fillClrLst meth="repeat">
+      <a:schemeClr val="accent1"/>
+    </dgm:fillClrLst>
+    <dgm:linClrLst meth="repeat">
+      <a:schemeClr val="lt1"/>
+    </dgm:linClrLst>
+    <dgm:effectClrLst/>
+    <dgm:txLinClrLst/>
+    <dgm:txFillClrLst/>
+    <dgm:txEffectClrLst/>
+  </dgm:styleLbl>
+  <dgm:styleLbl name="node1">
+    <dgm:fillClrLst meth="repeat">
+      <a:schemeClr val="accent2"/>
+      <a:schemeClr val="accent3"/>
+      <a:schemeClr val="accent4"/>
+      <a:schemeClr val="accent5"/>
+      <a:schemeClr val="accent6"/>
+    </dgm:fillClrLst>
+    <dgm:linClrLst meth="repeat">
+      <a:schemeClr val="lt1"/>
+    </dgm:linClrLst>
+    <dgm:effectClrLst/>
+    <dgm:txLinClrLst/>
+    <dgm:txFillClrLst/>
+    <dgm:txEffectClrLst/>
+  </dgm:styleLbl>
+  <dgm:styleLbl name="alignNode1">
+    <dgm:fillClrLst meth="repeat">
+      <a:schemeClr val="accent2"/>
+      <a:schemeClr val="accent3"/>
+      <a:schemeClr val="accent4"/>
+      <a:schemeClr val="accent5"/>
+      <a:schemeClr val="accent6"/>
+    </dgm:fillClrLst>
+    <dgm:linClrLst meth="repeat">
+      <a:schemeClr val="accent2"/>
+      <a:schemeClr val="accent3"/>
+      <a:schemeClr val="accent4"/>
+      <a:schemeClr val="accent5"/>
+      <a:schemeClr val="accent6"/>
+    </dgm:linClrLst>
+    <dgm:effectClrLst/>
+    <dgm:txLinClrLst/>
+    <dgm:txFillClrLst/>
+    <dgm:txEffectClrLst/>
+  </dgm:styleLbl>
+  <dgm:styleLbl name="lnNode1">
+    <dgm:fillClrLst meth="repeat">
+      <a:schemeClr val="accent2"/>
+      <a:schemeClr val="accent3"/>
+      <a:schemeClr val="accent4"/>
+      <a:schemeClr val="accent5"/>
+      <a:schemeClr val="accent6"/>
+    </dgm:fillClrLst>
+    <dgm:linClrLst meth="repeat">
+      <a:schemeClr val="lt1"/>
+    </dgm:linClrLst>
+    <dgm:effectClrLst/>
+    <dgm:txLinClrLst/>
+    <dgm:txFillClrLst/>
+    <dgm:txEffectClrLst/>
+  </dgm:styleLbl>
+  <dgm:styleLbl name="vennNode1">
+    <dgm:fillClrLst meth="repeat">
+      <a:schemeClr val="accent2">
+        <a:alpha val="50000"/>
+      </a:schemeClr>
+      <a:schemeClr val="accent3">
+        <a:alpha val="50000"/>
+      </a:schemeClr>
+      <a:schemeClr val="accent4">
+        <a:alpha val="50000"/>
+      </a:schemeClr>
+      <a:schemeClr val="accent5">
+        <a:alpha val="50000"/>
+      </a:schemeClr>
+      <a:schemeClr val="accent6">
+        <a:alpha val="50000"/>
+      </a:schemeClr>
+    </dgm:fillClrLst>
+    <dgm:linClrLst meth="repeat">
+      <a:schemeClr val="lt1"/>
+    </dgm:linClrLst>
+    <dgm:effectClrLst/>
+    <dgm:txLinClrLst/>
+    <dgm:txFillClrLst/>
+    <dgm:txEffectClrLst/>
+  </dgm:styleLbl>
+  <dgm:styleLbl name="node2">
+    <dgm:fillClrLst>
+      <a:schemeClr val="accent2"/>
+    </dgm:fillClrLst>
+    <dgm:linClrLst meth="repeat">
+      <a:schemeClr val="lt1"/>
+    </dgm:linClrLst>
+    <dgm:effectClrLst/>
+    <dgm:txLinClrLst/>
+    <dgm:txFillClrLst/>
+    <dgm:txEffectClrLst/>
+  </dgm:styleLbl>
+  <dgm:styleLbl name="node3">
+    <dgm:fillClrLst>
+      <a:schemeClr val="accent3"/>
+    </dgm:fillClrLst>
+    <dgm:linClrLst meth="repeat">
+      <a:schemeClr val="lt1"/>
+    </dgm:linClrLst>
+    <dgm:effectClrLst/>
+    <dgm:txLinClrLst/>
+    <dgm:txFillClrLst/>
+    <dgm:txEffectClrLst/>
+  </dgm:styleLbl>
+  <dgm:styleLbl name="node4">
+    <dgm:fillClrLst>
+      <a:schemeClr val="accent4"/>
+    </dgm:fillClrLst>
+    <dgm:linClrLst meth="repeat">
+      <a:schemeClr val="lt1"/>
+    </dgm:linClrLst>
+    <dgm:effectClrLst/>
+    <dgm:txLinClrLst/>
+    <dgm:txFillClrLst/>
+    <dgm:txEffectClrLst/>
+  </dgm:styleLbl>
+  <dgm:styleLbl name="fgImgPlace1">
+    <dgm:fillClrLst meth="repeat">
+      <a:schemeClr val="accent2">
+        <a:tint val="50000"/>
+      </a:schemeClr>
+      <a:schemeClr val="accent3">
+        <a:tint val="50000"/>
+      </a:schemeClr>
+      <a:schemeClr val="accent4">
+        <a:tint val="50000"/>
+      </a:schemeClr>
+      <a:schemeClr val="accent5">
+        <a:tint val="50000"/>
+      </a:schemeClr>
+      <a:schemeClr val="accent6">
+        <a:tint val="50000"/>
+      </a:schemeClr>
+    </dgm:fillClrLst>
+    <dgm:linClrLst meth="repeat">
+      <a:schemeClr val="lt1"/>
+    </dgm:linClrLst>
+    <dgm:effectClrLst/>
+    <dgm:txLinClrLst/>
+    <dgm:txFillClrLst meth="repeat">
+      <a:schemeClr val="lt1"/>
+    </dgm:txFillClrLst>
+    <dgm:txEffectClrLst/>
+  </dgm:styleLbl>
+  <dgm:styleLbl name="alignImgPlace1">
+    <dgm:fillClrLst>
+      <a:schemeClr val="accent1">
+        <a:tint val="50000"/>
+      </a:schemeClr>
+      <a:schemeClr val="accent2">
+        <a:tint val="20000"/>
+      </a:schemeClr>
+    </dgm:fillClrLst>
+    <dgm:linClrLst meth="repeat">
+      <a:schemeClr val="lt1"/>
+    </dgm:linClrLst>
+    <dgm:effectClrLst/>
+    <dgm:txLinClrLst/>
+    <dgm:txFillClrLst meth="repeat">
+      <a:schemeClr val="lt1"/>
+    </dgm:txFillClrLst>
+    <dgm:txEffectClrLst/>
+  </dgm:styleLbl>
+  <dgm:styleLbl name="bgImgPlace1">
+    <dgm:fillClrLst>
+      <a:schemeClr val="accent1">
+        <a:tint val="50000"/>
+      </a:schemeClr>
+      <a:schemeClr val="accent2">
+        <a:tint val="20000"/>
+      </a:schemeClr>
+    </dgm:fillClrLst>
+    <dgm:linClrLst meth="repeat">
+      <a:schemeClr val="lt1"/>
+    </dgm:linClrLst>
+    <dgm:effectClrLst/>
+    <dgm:txLinClrLst/>
+    <dgm:txFillClrLst meth="repeat">
+      <a:schemeClr val="lt1"/>
+    </dgm:txFillClrLst>
+    <dgm:txEffectClrLst/>
+  </dgm:styleLbl>
+  <dgm:styleLbl name="sibTrans2D1">
+    <dgm:fillClrLst meth="repeat">
+      <a:schemeClr val="accent2"/>
+      <a:schemeClr val="accent3"/>
+      <a:schemeClr val="accent4"/>
+      <a:schemeClr val="accent5"/>
+      <a:schemeClr val="accent6"/>
+    </dgm:fillClrLst>
+    <dgm:linClrLst meth="cycle">
+      <a:schemeClr val="lt1"/>
+    </dgm:linClrLst>
+    <dgm:effectClrLst/>
+    <dgm:txLinClrLst/>
+    <dgm:txFillClrLst/>
+    <dgm:txEffectClrLst/>
+  </dgm:styleLbl>
+  <dgm:styleLbl name="fgSibTrans2D1">
+    <dgm:fillClrLst meth="repeat">
+      <a:schemeClr val="accent2"/>
+      <a:schemeClr val="accent3"/>
+      <a:schemeClr val="accent4"/>
+      <a:schemeClr val="accent5"/>
+      <a:schemeClr val="accent6"/>
+    </dgm:fillClrLst>
+    <dgm:linClrLst meth="cycle">
+      <a:schemeClr val="lt1"/>
+    </dgm:linClrLst>
+    <dgm:effectClrLst/>
+    <dgm:txLinClrLst/>
+    <dgm:txFillClrLst meth="repeat">
+      <a:schemeClr val="lt1"/>
+    </dgm:txFillClrLst>
+    <dgm:txEffectClrLst/>
+  </dgm:styleLbl>
+  <dgm:styleLbl name="bgSibTrans2D1">
+    <dgm:fillClrLst meth="repeat">
+      <a:schemeClr val="accent2"/>
+      <a:schemeClr val="accent3"/>
+      <a:schemeClr val="accent4"/>
+      <a:schemeClr val="accent5"/>
+      <a:schemeClr val="accent6"/>
+    </dgm:fillClrLst>
+    <dgm:linClrLst meth="cycle">
+      <a:schemeClr val="lt1"/>
+    </dgm:linClrLst>
+    <dgm:effectClrLst/>
+    <dgm:txLinClrLst/>
+    <dgm:txFillClrLst meth="repeat">
+      <a:schemeClr val="lt1"/>
+    </dgm:txFillClrLst>
+    <dgm:txEffectClrLst/>
+  </dgm:styleLbl>
+  <dgm:styleLbl name="sibTrans1D1">
+    <dgm:fillClrLst meth="repeat">
+      <a:schemeClr val="accent2"/>
+      <a:schemeClr val="accent3"/>
+      <a:schemeClr val="accent4"/>
+      <a:schemeClr val="accent5"/>
+      <a:schemeClr val="accent6"/>
+    </dgm:fillClrLst>
+    <dgm:linClrLst meth="repeat">
+      <a:schemeClr val="accent2"/>
+      <a:schemeClr val="accent3"/>
+      <a:schemeClr val="accent4"/>
+      <a:schemeClr val="accent5"/>
+      <a:schemeClr val="accent6"/>
+    </dgm:linClrLst>
+    <dgm:effectClrLst/>
+    <dgm:txLinClrLst/>
+    <dgm:txFillClrLst meth="repeat">
+      <a:schemeClr val="tx1"/>
+    </dgm:txFillClrLst>
+    <dgm:txEffectClrLst/>
+  </dgm:styleLbl>
+  <dgm:styleLbl name="callout">
+    <dgm:fillClrLst meth="repeat">
+      <a:schemeClr val="accent2"/>
+    </dgm:fillClrLst>
+    <dgm:linClrLst meth="repeat">
+      <a:schemeClr val="accent2">
+        <a:tint val="50000"/>
+      </a:schemeClr>
+    </dgm:linClrLst>
+    <dgm:effectClrLst/>
+    <dgm:txLinClrLst/>
+    <dgm:txFillClrLst meth="repeat">
+      <a:schemeClr val="tx1"/>
+    </dgm:txFillClrLst>
+    <dgm:txEffectClrLst/>
+  </dgm:styleLbl>
+  <dgm:styleLbl name="asst0">
+    <dgm:fillClrLst meth="repeat">
+      <a:schemeClr val="accent1"/>
+    </dgm:fillClrLst>
+    <dgm:linClrLst meth="repeat">
+      <a:schemeClr val="lt1"/>
+    </dgm:linClrLst>
+    <dgm:effectClrLst/>
+    <dgm:txLinClrLst/>
+    <dgm:txFillClrLst/>
+    <dgm:txEffectClrLst/>
+  </dgm:styleLbl>
+  <dgm:styleLbl name="asst1">
+    <dgm:fillClrLst meth="repeat">
+      <a:schemeClr val="accent2"/>
+    </dgm:fillClrLst>
+    <dgm:linClrLst meth="repeat">
+      <a:schemeClr val="lt1"/>
+    </dgm:linClrLst>
+    <dgm:effectClrLst/>
+    <dgm:txLinClrLst/>
+    <dgm:txFillClrLst/>
+    <dgm:txEffectClrLst/>
+  </dgm:styleLbl>
+  <dgm:styleLbl name="asst2">
+    <dgm:fillClrLst>
+      <a:schemeClr val="accent3"/>
+    </dgm:fillClrLst>
+    <dgm:linClrLst meth="repeat">
+      <a:schemeClr val="lt1"/>
+    </dgm:linClrLst>
+    <dgm:effectClrLst/>
+    <dgm:txLinClrLst/>
+    <dgm:txFillClrLst/>
+    <dgm:txEffectClrLst/>
+  </dgm:styleLbl>
+  <dgm:styleLbl name="asst3">
+    <dgm:fillClrLst>
+      <a:schemeClr val="accent4"/>
+    </dgm:fillClrLst>
+    <dgm:linClrLst meth="repeat">
+      <a:schemeClr val="lt1"/>
+    </dgm:linClrLst>
+    <dgm:effectClrLst/>
+    <dgm:txLinClrLst/>
+    <dgm:txFillClrLst/>
+    <dgm:txEffectClrLst/>
+  </dgm:styleLbl>
+  <dgm:styleLbl name="asst4">
+    <dgm:fillClrLst>
+      <a:schemeClr val="accent5"/>
+    </dgm:fillClrLst>
+    <dgm:linClrLst meth="repeat">
+      <a:schemeClr val="lt1"/>
+    </dgm:linClrLst>
+    <dgm:effectClrLst/>
+    <dgm:txLinClrLst/>
+    <dgm:txFillClrLst/>
+    <dgm:txEffectClrLst/>
+  </dgm:styleLbl>
+  <dgm:styleLbl name="parChTrans2D1">
+    <dgm:fillClrLst meth="repeat">
+      <a:schemeClr val="accent2"/>
+    </dgm:fillClrLst>
+    <dgm:linClrLst meth="repeat">
+      <a:schemeClr val="lt1"/>
+    </dgm:linClrLst>
+    <dgm:effectClrLst/>
+    <dgm:txLinClrLst/>
+    <dgm:txFillClrLst meth="repeat">
+      <a:schemeClr val="lt1"/>
+    </dgm:txFillClrLst>
+    <dgm:txEffectClrLst/>
+  </dgm:styleLbl>
+  <dgm:styleLbl name="parChTrans2D2">
+    <dgm:fillClrLst meth="repeat">
+      <a:schemeClr val="accent3"/>
+    </dgm:fillClrLst>
+    <dgm:linClrLst meth="repeat">
+      <a:schemeClr val="lt1"/>
+    </dgm:linClrLst>
+    <dgm:effectClrLst/>
+    <dgm:txLinClrLst/>
+    <dgm:txFillClrLst/>
+    <dgm:txEffectClrLst/>
+  </dgm:styleLbl>
+  <dgm:styleLbl name="parChTrans2D3">
+    <dgm:fillClrLst meth="repeat">
+      <a:schemeClr val="accent4"/>
+    </dgm:fillClrLst>
+    <dgm:linClrLst meth="repeat">
+      <a:schemeClr val="lt1"/>
+    </dgm:linClrLst>
+    <dgm:effectClrLst/>
+    <dgm:txLinClrLst/>
+    <dgm:txFillClrLst/>
+    <dgm:txEffectClrLst/>
+  </dgm:styleLbl>
+  <dgm:styleLbl name="parChTrans2D4">
+    <dgm:fillClrLst meth="repeat">
+      <a:schemeClr val="accent5"/>
+    </dgm:fillClrLst>
+    <dgm:linClrLst meth="repeat">
+      <a:schemeClr val="lt1"/>
+    </dgm:linClrLst>
+    <dgm:effectClrLst/>
+    <dgm:txLinClrLst/>
+    <dgm:txFillClrLst meth="repeat">
+      <a:schemeClr val="lt1"/>
+    </dgm:txFillClrLst>
+    <dgm:txEffectClrLst/>
+  </dgm:styleLbl>
+  <dgm:styleLbl name="parChTrans1D1">
+    <dgm:fillClrLst meth="repeat">
+      <a:schemeClr val="accent2"/>
+    </dgm:fillClrLst>
+    <dgm:linClrLst meth="repeat">
+      <a:schemeClr val="accent1"/>
+    </dgm:linClrLst>
+    <dgm:effectClrLst/>
+    <dgm:txLinClrLst/>
+    <dgm:txFillClrLst meth="repeat">
+      <a:schemeClr val="tx1"/>
+    </dgm:txFillClrLst>
+    <dgm:txEffectClrLst/>
+  </dgm:styleLbl>
+  <dgm:styleLbl name="parChTrans1D2">
+    <dgm:fillClrLst meth="repeat">
+      <a:schemeClr val="accent3">
+        <a:tint val="90000"/>
+      </a:schemeClr>
+    </dgm:fillClrLst>
+    <dgm:linClrLst meth="repeat">
+      <a:schemeClr val="accent2"/>
+    </dgm:linClrLst>
+    <dgm:effectClrLst/>
+    <dgm:txLinClrLst/>
+    <dgm:txFillClrLst meth="repeat">
+      <a:schemeClr val="tx1"/>
+    </dgm:txFillClrLst>
+    <dgm:txEffectClrLst/>
+  </dgm:styleLbl>
+  <dgm:styleLbl name="parChTrans1D3">
+    <dgm:fillClrLst meth="repeat">
+      <a:schemeClr val="accent4">
+        <a:tint val="70000"/>
+      </a:schemeClr>
+    </dgm:fillClrLst>
+    <dgm:linClrLst meth="repeat">
+      <a:schemeClr val="accent3"/>
+    </dgm:linClrLst>
+    <dgm:effectClrLst/>
+    <dgm:txLinClrLst/>
+    <dgm:txFillClrLst meth="repeat">
+      <a:schemeClr val="tx1"/>
+    </dgm:txFillClrLst>
+    <dgm:txEffectClrLst/>
+  </dgm:styleLbl>
+  <dgm:styleLbl name="parChTrans1D4">
+    <dgm:fillClrLst meth="repeat">
+      <a:schemeClr val="accent5">
+        <a:tint val="50000"/>
+      </a:schemeClr>
+    </dgm:fillClrLst>
+    <dgm:linClrLst meth="repeat">
+      <a:schemeClr val="accent4"/>
+    </dgm:linClrLst>
+    <dgm:effectClrLst/>
+    <dgm:txLinClrLst/>
+    <dgm:txFillClrLst meth="repeat">
+      <a:schemeClr val="tx1"/>
+    </dgm:txFillClrLst>
+    <dgm:txEffectClrLst/>
+  </dgm:styleLbl>
+  <dgm:styleLbl name="fgAcc1">
+    <dgm:fillClrLst meth="repeat">
+      <a:schemeClr val="lt1">
+        <a:alpha val="90000"/>
+      </a:schemeClr>
+    </dgm:fillClrLst>
+    <dgm:linClrLst meth="repeat">
+      <a:schemeClr val="accent2"/>
+      <a:schemeClr val="accent3"/>
+      <a:schemeClr val="accent4"/>
+      <a:schemeClr val="accent5"/>
+      <a:schemeClr val="accent6"/>
+    </dgm:linClrLst>
+    <dgm:effectClrLst/>
+    <dgm:txLinClrLst/>
+    <dgm:txFillClrLst meth="repeat">
+      <a:schemeClr val="dk1"/>
+    </dgm:txFillClrLst>
+    <dgm:txEffectClrLst/>
+  </dgm:styleLbl>
+  <dgm:styleLbl name="conFgAcc1">
+    <dgm:fillClrLst meth="repeat">
+      <a:schemeClr val="lt1">
+        <a:alpha val="90000"/>
+      </a:schemeClr>
+    </dgm:fillClrLst>
+    <dgm:linClrLst meth="repeat">
+      <a:schemeClr val="accent2"/>
+      <a:schemeClr val="accent3"/>
+      <a:schemeClr val="accent4"/>
+      <a:schemeClr val="accent5"/>
+      <a:schemeClr val="accent6"/>
+    </dgm:linClrLst>
+    <dgm:effectClrLst/>
+    <dgm:txLinClrLst/>
+    <dgm:txFillClrLst meth="repeat">
+      <a:schemeClr val="dk1"/>
+    </dgm:txFillClrLst>
+    <dgm:txEffectClrLst/>
+  </dgm:styleLbl>
+  <dgm:styleLbl name="alignAcc1">
+    <dgm:fillClrLst meth="repeat">
+      <a:schemeClr val="lt1">
+        <a:alpha val="90000"/>
+      </a:schemeClr>
+    </dgm:fillClrLst>
+    <dgm:linClrLst meth="repeat">
+      <a:schemeClr val="accent2"/>
+      <a:schemeClr val="accent3"/>
+      <a:schemeClr val="accent4"/>
+      <a:schemeClr val="accent5"/>
+      <a:schemeClr val="accent6"/>
+    </dgm:linClrLst>
+    <dgm:effectClrLst/>
+    <dgm:txLinClrLst/>
+    <dgm:txFillClrLst meth="repeat">
+      <a:schemeClr val="dk1"/>
+    </dgm:txFillClrLst>
+    <dgm:txEffectClrLst/>
+  </dgm:styleLbl>
+  <dgm:styleLbl name="trAlignAcc1">
+    <dgm:fillClrLst meth="repeat">
+      <a:schemeClr val="lt1">
+        <a:alpha val="40000"/>
+      </a:schemeClr>
+    </dgm:fillClrLst>
+    <dgm:linClrLst meth="repeat">
+      <a:schemeClr val="accent1"/>
+    </dgm:linClrLst>
+    <dgm:effectClrLst/>
+    <dgm:txLinClrLst/>
+    <dgm:txFillClrLst meth="repeat">
+      <a:schemeClr val="dk1"/>
+    </dgm:txFillClrLst>
+    <dgm:txEffectClrLst/>
+  </dgm:styleLbl>
+  <dgm:styleLbl name="bgAcc1">
+    <dgm:fillClrLst meth="repeat">
+      <a:schemeClr val="lt1">
+        <a:alpha val="90000"/>
+      </a:schemeClr>
+    </dgm:fillClrLst>
+    <dgm:linClrLst meth="repeat">
+      <a:schemeClr val="accent2"/>
+      <a:schemeClr val="accent3"/>
+      <a:schemeClr val="accent4"/>
+      <a:schemeClr val="accent5"/>
+      <a:schemeClr val="accent6"/>
+    </dgm:linClrLst>
+    <dgm:effectClrLst/>
+    <dgm:txLinClrLst/>
+    <dgm:txFillClrLst meth="repeat">
+      <a:schemeClr val="dk1"/>
+    </dgm:txFillClrLst>
+    <dgm:txEffectClrLst/>
+  </dgm:styleLbl>
+  <dgm:styleLbl name="solidFgAcc1">
+    <dgm:fillClrLst meth="repeat">
+      <a:schemeClr val="lt1"/>
+    </dgm:fillClrLst>
+    <dgm:linClrLst meth="repeat">
+      <a:schemeClr val="accent2"/>
+      <a:schemeClr val="accent3"/>
+      <a:schemeClr val="accent4"/>
+      <a:schemeClr val="accent5"/>
+      <a:schemeClr val="accent6"/>
+    </dgm:linClrLst>
+    <dgm:effectClrLst/>
+    <dgm:txLinClrLst/>
+    <dgm:txFillClrLst meth="repeat">
+      <a:schemeClr val="dk1"/>
+    </dgm:txFillClrLst>
+    <dgm:txEffectClrLst/>
+  </dgm:styleLbl>
+  <dgm:styleLbl name="solidAlignAcc1">
+    <dgm:fillClrLst meth="repeat">
+      <a:schemeClr val="lt1"/>
+    </dgm:fillClrLst>
+    <dgm:linClrLst meth="repeat">
+      <a:schemeClr val="accent2"/>
+      <a:schemeClr val="accent3"/>
+      <a:schemeClr val="accent4"/>
+      <a:schemeClr val="accent5"/>
+      <a:schemeClr val="accent6"/>
+    </dgm:linClrLst>
+    <dgm:effectClrLst/>
+    <dgm:txLinClrLst/>
+    <dgm:txFillClrLst meth="repeat">
+      <a:schemeClr val="dk1"/>
+    </dgm:txFillClrLst>
+    <dgm:txEffectClrLst/>
+  </dgm:styleLbl>
+  <dgm:styleLbl name="solidBgAcc1">
+    <dgm:fillClrLst meth="repeat">
+      <a:schemeClr val="lt1"/>
+    </dgm:fillClrLst>
+    <dgm:linClrLst meth="repeat">
+      <a:schemeClr val="accent2"/>
+      <a:schemeClr val="accent3"/>
+      <a:schemeClr val="accent4"/>
+      <a:schemeClr val="accent5"/>
+      <a:schemeClr val="accent6"/>
+    </dgm:linClrLst>
+    <dgm:effectClrLst/>
+    <dgm:txLinClrLst/>
+    <dgm:txFillClrLst meth="repeat">
+      <a:schemeClr val="dk1"/>
+    </dgm:txFillClrLst>
+    <dgm:txEffectClrLst/>
+  </dgm:styleLbl>
+  <dgm:styleLbl name="fgAccFollowNode1">
+    <dgm:fillClrLst meth="repeat">
+      <a:schemeClr val="accent2">
+        <a:tint val="40000"/>
+        <a:alpha val="90000"/>
+      </a:schemeClr>
+      <a:schemeClr val="accent3">
+        <a:tint val="40000"/>
+        <a:alpha val="90000"/>
+      </a:schemeClr>
+      <a:schemeClr val="accent4">
+        <a:tint val="40000"/>
+        <a:alpha val="90000"/>
+      </a:schemeClr>
+      <a:schemeClr val="accent5">
+        <a:tint val="40000"/>
+        <a:alpha val="90000"/>
+      </a:schemeClr>
+      <a:schemeClr val="accent6">
+        <a:tint val="40000"/>
+        <a:alpha val="90000"/>
+      </a:schemeClr>
+    </dgm:fillClrLst>
+    <dgm:linClrLst meth="repeat">
+      <a:schemeClr val="accent2">
+        <a:tint val="40000"/>
+        <a:alpha val="90000"/>
+      </a:schemeClr>
+      <a:schemeClr val="accent3">
+        <a:tint val="40000"/>
+        <a:alpha val="90000"/>
+      </a:schemeClr>
+      <a:schemeClr val="accent4">
+        <a:tint val="40000"/>
+        <a:alpha val="90000"/>
+      </a:schemeClr>
+      <a:schemeClr val="accent5">
+        <a:tint val="40000"/>
+        <a:alpha val="90000"/>
+      </a:schemeClr>
+      <a:schemeClr val="accent6">
+        <a:tint val="40000"/>
+        <a:alpha val="90000"/>
+      </a:schemeClr>
+    </dgm:linClrLst>
+    <dgm:effectClrLst/>
+    <dgm:txLinClrLst/>
+    <dgm:txFillClrLst meth="repeat">
+      <a:schemeClr val="dk1"/>
+    </dgm:txFillClrLst>
+    <dgm:txEffectClrLst/>
+  </dgm:styleLbl>
+  <dgm:styleLbl name="alignAccFollowNode1">
+    <dgm:fillClrLst meth="repeat">
+      <a:schemeClr val="accent2">
+        <a:tint val="40000"/>
+        <a:alpha val="90000"/>
+      </a:schemeClr>
+      <a:schemeClr val="accent3">
+        <a:tint val="40000"/>
+        <a:alpha val="90000"/>
+      </a:schemeClr>
+      <a:schemeClr val="accent4">
+        <a:tint val="40000"/>
+        <a:alpha val="90000"/>
+      </a:schemeClr>
+      <a:schemeClr val="accent5">
+        <a:tint val="40000"/>
+        <a:alpha val="90000"/>
+      </a:schemeClr>
+      <a:schemeClr val="accent6">
+        <a:tint val="40000"/>
+        <a:alpha val="90000"/>
+      </a:schemeClr>
+    </dgm:fillClrLst>
+    <dgm:linClrLst meth="repeat">
+      <a:schemeClr val="accent2">
+        <a:tint val="40000"/>
+        <a:alpha val="90000"/>
+      </a:schemeClr>
+      <a:schemeClr val="accent3">
+        <a:tint val="40000"/>
+        <a:alpha val="90000"/>
+      </a:schemeClr>
+      <a:schemeClr val="accent4">
+        <a:tint val="40000"/>
+        <a:alpha val="90000"/>
+      </a:schemeClr>
+      <a:schemeClr val="accent5">
+        <a:tint val="40000"/>
+        <a:alpha val="90000"/>
+      </a:schemeClr>
+      <a:schemeClr val="accent6">
+        <a:tint val="40000"/>
+        <a:alpha val="90000"/>
+      </a:schemeClr>
+    </dgm:linClrLst>
+    <dgm:effectClrLst/>
+    <dgm:txLinClrLst/>
+    <dgm:txFillClrLst meth="repeat">
+      <a:schemeClr val="dk1"/>
+    </dgm:txFillClrLst>
+    <dgm:txEffectClrLst/>
+  </dgm:styleLbl>
+  <dgm:styleLbl name="bgAccFollowNode1">
+    <dgm:fillClrLst meth="repeat">
+      <a:schemeClr val="accent2">
+        <a:tint val="40000"/>
+        <a:alpha val="90000"/>
+      </a:schemeClr>
+      <a:schemeClr val="accent3">
+        <a:tint val="40000"/>
+        <a:alpha val="90000"/>
+      </a:schemeClr>
+      <a:schemeClr val="accent4">
+        <a:tint val="40000"/>
+        <a:alpha val="90000"/>
+      </a:schemeClr>
+      <a:schemeClr val="accent5">
+        <a:tint val="40000"/>
+        <a:alpha val="90000"/>
+      </a:schemeClr>
+      <a:schemeClr val="accent6">
+        <a:tint val="40000"/>
+        <a:alpha val="90000"/>
+      </a:schemeClr>
+    </dgm:fillClrLst>
+    <dgm:linClrLst meth="repeat">
+      <a:schemeClr val="accent2">
+        <a:tint val="40000"/>
+        <a:alpha val="90000"/>
+      </a:schemeClr>
+      <a:schemeClr val="accent3">
+        <a:tint val="40000"/>
+        <a:alpha val="90000"/>
+      </a:schemeClr>
+      <a:schemeClr val="accent4">
+        <a:tint val="40000"/>
+        <a:alpha val="90000"/>
+      </a:schemeClr>
+      <a:schemeClr val="accent5">
+        <a:tint val="40000"/>
+        <a:alpha val="90000"/>
+      </a:schemeClr>
+      <a:schemeClr val="accent6">
+        <a:tint val="40000"/>
+        <a:alpha val="90000"/>
+      </a:schemeClr>
+    </dgm:linClrLst>
+    <dgm:effectClrLst/>
+    <dgm:txLinClrLst/>
+    <dgm:txFillClrLst meth="repeat">
+      <a:schemeClr val="dk1"/>
+    </dgm:txFillClrLst>
+    <dgm:txEffectClrLst/>
+  </dgm:styleLbl>
+  <dgm:styleLbl name="fgAcc0">
+    <dgm:fillClrLst meth="repeat">
+      <a:schemeClr val="lt1">
+        <a:alpha val="90000"/>
+      </a:schemeClr>
+    </dgm:fillClrLst>
+    <dgm:linClrLst>
+      <a:schemeClr val="accent1"/>
+    </dgm:linClrLst>
+    <dgm:effectClrLst/>
+    <dgm:txLinClrLst/>
+    <dgm:txFillClrLst meth="repeat">
+      <a:schemeClr val="dk1"/>
+    </dgm:txFillClrLst>
+    <dgm:txEffectClrLst/>
+  </dgm:styleLbl>
+  <dgm:styleLbl name="fgAcc2">
+    <dgm:fillClrLst meth="repeat">
+      <a:schemeClr val="lt1">
+        <a:alpha val="90000"/>
+      </a:schemeClr>
+    </dgm:fillClrLst>
+    <dgm:linClrLst>
+      <a:schemeClr val="accent2"/>
+    </dgm:linClrLst>
+    <dgm:effectClrLst/>
+    <dgm:txLinClrLst/>
+    <dgm:txFillClrLst meth="repeat">
+      <a:schemeClr val="dk1"/>
+    </dgm:txFillClrLst>
+    <dgm:txEffectClrLst/>
+  </dgm:styleLbl>
+  <dgm:styleLbl name="fgAcc3">
+    <dgm:fillClrLst meth="repeat">
+      <a:schemeClr val="lt1">
+        <a:alpha val="90000"/>
+      </a:schemeClr>
+    </dgm:fillClrLst>
+    <dgm:linClrLst>
+      <a:schemeClr val="accent3"/>
+    </dgm:linClrLst>
+    <dgm:effectClrLst/>
+    <dgm:txLinClrLst/>
+    <dgm:txFillClrLst meth="repeat">
+      <a:schemeClr val="dk1"/>
+    </dgm:txFillClrLst>
+    <dgm:txEffectClrLst/>
+  </dgm:styleLbl>
+  <dgm:styleLbl name="fgAcc4">
+    <dgm:fillClrLst meth="repeat">
+      <a:schemeClr val="lt1">
+        <a:alpha val="90000"/>
+      </a:schemeClr>
+    </dgm:fillClrLst>
+    <dgm:linClrLst>
+      <a:schemeClr val="accent4"/>
+    </dgm:linClrLst>
+    <dgm:effectClrLst/>
+    <dgm:txLinClrLst/>
+    <dgm:txFillClrLst meth="repeat">
+      <a:schemeClr val="dk1"/>
+    </dgm:txFillClrLst>
+    <dgm:txEffectClrLst/>
+  </dgm:styleLbl>
+  <dgm:styleLbl name="bgShp">
+    <dgm:fillClrLst meth="repeat">
+      <a:schemeClr val="accent2">
+        <a:tint val="40000"/>
+      </a:schemeClr>
+    </dgm:fillClrLst>
+    <dgm:linClrLst meth="repeat">
+      <a:schemeClr val="dk1"/>
+    </dgm:linClrLst>
+    <dgm:effectClrLst/>
+    <dgm:txLinClrLst/>
+    <dgm:txFillClrLst meth="repeat">
+      <a:schemeClr val="dk1"/>
+    </dgm:txFillClrLst>
+    <dgm:txEffectClrLst/>
+  </dgm:styleLbl>
+  <dgm:styleLbl name="dkBgShp">
+    <dgm:fillClrLst meth="repeat">
+      <a:schemeClr val="accent2">
+        <a:shade val="90000"/>
+      </a:schemeClr>
+    </dgm:fillClrLst>
+    <dgm:linClrLst meth="repeat">
+      <a:schemeClr val="dk1"/>
+    </dgm:linClrLst>
+    <dgm:effectClrLst/>
+    <dgm:txLinClrLst/>
+    <dgm:txFillClrLst meth="repeat">
+      <a:schemeClr val="lt1"/>
+    </dgm:txFillClrLst>
+    <dgm:txEffectClrLst/>
+  </dgm:styleLbl>
+  <dgm:styleLbl name="trBgShp">
+    <dgm:fillClrLst meth="repeat">
+      <a:schemeClr val="accent1">
+        <a:tint val="50000"/>
+        <a:alpha val="40000"/>
+      </a:schemeClr>
+    </dgm:fillClrLst>
+    <dgm:linClrLst meth="repeat">
+      <a:schemeClr val="accent2"/>
+    </dgm:linClrLst>
+    <dgm:effectClrLst/>
+    <dgm:txLinClrLst/>
+    <dgm:txFillClrLst meth="repeat">
+      <a:schemeClr val="lt1"/>
+    </dgm:txFillClrLst>
+    <dgm:txEffectClrLst/>
+  </dgm:styleLbl>
+  <dgm:styleLbl name="fgShp">
+    <dgm:fillClrLst meth="repeat">
+      <a:schemeClr val="accent2">
+        <a:tint val="40000"/>
+      </a:schemeClr>
+    </dgm:fillClrLst>
+    <dgm:linClrLst meth="repeat">
+      <a:schemeClr val="lt1"/>
+    </dgm:linClrLst>
+    <dgm:effectClrLst/>
+    <dgm:txLinClrLst/>
+    <dgm:txFillClrLst meth="repeat">
+      <a:schemeClr val="dk1"/>
+    </dgm:txFillClrLst>
+    <dgm:txEffectClrLst/>
+  </dgm:styleLbl>
+  <dgm:styleLbl name="revTx">
+    <dgm:fillClrLst meth="repeat">
+      <a:schemeClr val="lt1">
+        <a:alpha val="0"/>
+      </a:schemeClr>
+    </dgm:fillClrLst>
+    <dgm:linClrLst meth="repeat">
+      <a:schemeClr val="dk1">
+        <a:alpha val="0"/>
+      </a:schemeClr>
+    </dgm:linClrLst>
+    <dgm:effectClrLst/>
+    <dgm:txLinClrLst/>
+    <dgm:txFillClrLst meth="repeat">
+      <a:schemeClr val="tx1"/>
+    </dgm:txFillClrLst>
+    <dgm:txEffectClrLst/>
+  </dgm:styleLbl>
+</dgm:colorsDef>
+</file>
+
 <file path=ppt/diagrams/data1.xml><?xml version="1.0" encoding="utf-8"?>
 <dgm:dataModel xmlns:dgm="http://schemas.openxmlformats.org/drawingml/2006/diagram" xmlns:a="http://schemas.openxmlformats.org/drawingml/2006/main">
   <dgm:ptLst>
@@ -1312,6 +3153,446 @@
     <dgm:cxn modelId="{741C6CDA-0CDB-4664-B363-AE5CD5674D36}" type="presParOf" srcId="{BBEA7F4F-8BC6-43F5-B510-5AE1B700038C}" destId="{7764CE79-B790-413C-9885-6243966FD676}" srcOrd="6" destOrd="0" presId="urn:microsoft.com/office/officeart/2005/8/layout/matrix1"/>
     <dgm:cxn modelId="{34C534D2-3960-4B8B-864B-5B64F7B6B756}" type="presParOf" srcId="{BBEA7F4F-8BC6-43F5-B510-5AE1B700038C}" destId="{975DCBAF-11A6-4670-BFFE-B33115C5A716}" srcOrd="7" destOrd="0" presId="urn:microsoft.com/office/officeart/2005/8/layout/matrix1"/>
     <dgm:cxn modelId="{00642E80-9A8B-4C00-81B8-AC803BAD5A2F}" type="presParOf" srcId="{46259AC7-8E59-40E5-A791-6BBCF9CA4099}" destId="{F71FE5E0-F719-475A-A732-88FF4E1A2F56}" srcOrd="1" destOrd="0" presId="urn:microsoft.com/office/officeart/2005/8/layout/matrix1"/>
+  </dgm:cxnLst>
+  <dgm:bg/>
+  <dgm:whole/>
+  <dgm:extLst>
+    <a:ext uri="http://schemas.microsoft.com/office/drawing/2008/diagram">
+      <dsp:dataModelExt xmlns:dsp="http://schemas.microsoft.com/office/drawing/2008/diagram" relId="rId6" minVer="http://schemas.openxmlformats.org/drawingml/2006/diagram"/>
+    </a:ext>
+  </dgm:extLst>
+</dgm:dataModel>
+</file>
+
+<file path=ppt/diagrams/data2.xml><?xml version="1.0" encoding="utf-8"?>
+<dgm:dataModel xmlns:dgm="http://schemas.openxmlformats.org/drawingml/2006/diagram" xmlns:a="http://schemas.openxmlformats.org/drawingml/2006/main">
+  <dgm:ptLst>
+    <dgm:pt modelId="{69275240-16CD-4A36-9F1B-E348A91524E3}" type="doc">
+      <dgm:prSet loTypeId="urn:microsoft.com/office/officeart/2005/8/layout/equation1" loCatId="process" qsTypeId="urn:microsoft.com/office/officeart/2005/8/quickstyle/simple4" qsCatId="simple" csTypeId="urn:microsoft.com/office/officeart/2005/8/colors/colorful1" csCatId="colorful" phldr="1"/>
+      <dgm:spPr/>
+    </dgm:pt>
+    <dgm:pt modelId="{43C4E48F-EF4C-46E1-BAF9-CA85C1AB30F8}">
+      <dgm:prSet phldrT="[文本]" custT="1"/>
+      <dgm:spPr/>
+      <dgm:t>
+        <a:bodyPr/>
+        <a:lstStyle/>
+        <a:p>
+          <a:r>
+            <a:rPr lang="en-US" altLang="zh-CN" sz="1100" smtClean="0"/>
+            <a:t>Product License Fee</a:t>
+          </a:r>
+          <a:endParaRPr lang="zh-CN" altLang="en-US" sz="1100" dirty="0"/>
+        </a:p>
+      </dgm:t>
+    </dgm:pt>
+    <dgm:pt modelId="{4C4FCC40-80A7-4027-BA73-75ADE3CFA585}" type="parTrans" cxnId="{5B7F0F12-F133-48D0-A933-2D4B5046BA0E}">
+      <dgm:prSet/>
+      <dgm:spPr/>
+      <dgm:t>
+        <a:bodyPr/>
+        <a:lstStyle/>
+        <a:p>
+          <a:endParaRPr lang="zh-CN" altLang="en-US" sz="3600"/>
+        </a:p>
+      </dgm:t>
+    </dgm:pt>
+    <dgm:pt modelId="{C108656D-4C78-4F93-82CD-99D613AC6B6B}" type="sibTrans" cxnId="{5B7F0F12-F133-48D0-A933-2D4B5046BA0E}">
+      <dgm:prSet custT="1"/>
+      <dgm:spPr/>
+      <dgm:t>
+        <a:bodyPr/>
+        <a:lstStyle/>
+        <a:p>
+          <a:endParaRPr lang="zh-CN" altLang="en-US" sz="1050"/>
+        </a:p>
+      </dgm:t>
+    </dgm:pt>
+    <dgm:pt modelId="{D388A5D4-562B-4DB7-8F17-79ACC4D2F528}">
+      <dgm:prSet phldrT="[文本]" custT="1"/>
+      <dgm:spPr/>
+      <dgm:t>
+        <a:bodyPr/>
+        <a:lstStyle/>
+        <a:p>
+          <a:r>
+            <a:rPr lang="en-US" altLang="zh-CN" sz="1100" dirty="0" smtClean="0"/>
+            <a:t>Cost of Implementation</a:t>
+          </a:r>
+          <a:endParaRPr lang="zh-CN" altLang="en-US" sz="1100" dirty="0"/>
+        </a:p>
+      </dgm:t>
+    </dgm:pt>
+    <dgm:pt modelId="{AFE91482-E24F-4470-BBDB-97313E44E8C2}" type="parTrans" cxnId="{1CF35C45-A8D4-448F-8FAF-D391FC14D6F3}">
+      <dgm:prSet/>
+      <dgm:spPr/>
+      <dgm:t>
+        <a:bodyPr/>
+        <a:lstStyle/>
+        <a:p>
+          <a:endParaRPr lang="zh-CN" altLang="en-US" sz="3600"/>
+        </a:p>
+      </dgm:t>
+    </dgm:pt>
+    <dgm:pt modelId="{6B45A8A5-2745-43C6-999C-B58437343833}" type="sibTrans" cxnId="{1CF35C45-A8D4-448F-8FAF-D391FC14D6F3}">
+      <dgm:prSet custT="1"/>
+      <dgm:spPr/>
+      <dgm:t>
+        <a:bodyPr/>
+        <a:lstStyle/>
+        <a:p>
+          <a:endParaRPr lang="zh-CN" altLang="en-US" sz="1050"/>
+        </a:p>
+      </dgm:t>
+    </dgm:pt>
+    <dgm:pt modelId="{4498981E-2F6A-4DED-84F5-85B746F34B36}">
+      <dgm:prSet phldrT="[文本]" custT="1"/>
+      <dgm:spPr/>
+      <dgm:t>
+        <a:bodyPr/>
+        <a:lstStyle/>
+        <a:p>
+          <a:r>
+            <a:rPr lang="en-US" altLang="zh-CN" sz="1100" dirty="0" smtClean="0"/>
+            <a:t>Total Cost</a:t>
+          </a:r>
+          <a:endParaRPr lang="zh-CN" altLang="en-US" sz="1100" dirty="0"/>
+        </a:p>
+      </dgm:t>
+    </dgm:pt>
+    <dgm:pt modelId="{CB53BCE8-1A3B-4993-B880-95F3BBA9133C}" type="parTrans" cxnId="{51AA2AC7-0D7A-4E37-88C0-39AECD26E015}">
+      <dgm:prSet/>
+      <dgm:spPr/>
+      <dgm:t>
+        <a:bodyPr/>
+        <a:lstStyle/>
+        <a:p>
+          <a:endParaRPr lang="zh-CN" altLang="en-US" sz="3600"/>
+        </a:p>
+      </dgm:t>
+    </dgm:pt>
+    <dgm:pt modelId="{B24CDEB8-7C99-44E6-A828-BA256E12BE42}" type="sibTrans" cxnId="{51AA2AC7-0D7A-4E37-88C0-39AECD26E015}">
+      <dgm:prSet/>
+      <dgm:spPr/>
+      <dgm:t>
+        <a:bodyPr/>
+        <a:lstStyle/>
+        <a:p>
+          <a:endParaRPr lang="zh-CN" altLang="en-US" sz="3600"/>
+        </a:p>
+      </dgm:t>
+    </dgm:pt>
+    <dgm:pt modelId="{69BDA7F5-E1CF-4418-B9A9-7FF81E08E645}" type="pres">
+      <dgm:prSet presAssocID="{69275240-16CD-4A36-9F1B-E348A91524E3}" presName="linearFlow" presStyleCnt="0">
+        <dgm:presLayoutVars>
+          <dgm:dir/>
+          <dgm:resizeHandles val="exact"/>
+        </dgm:presLayoutVars>
+      </dgm:prSet>
+      <dgm:spPr/>
+    </dgm:pt>
+    <dgm:pt modelId="{4FC7FAF5-7287-497F-91DB-DC4EC65686BC}" type="pres">
+      <dgm:prSet presAssocID="{43C4E48F-EF4C-46E1-BAF9-CA85C1AB30F8}" presName="node" presStyleLbl="node1" presStyleIdx="0" presStyleCnt="3">
+        <dgm:presLayoutVars>
+          <dgm:bulletEnabled val="1"/>
+        </dgm:presLayoutVars>
+      </dgm:prSet>
+      <dgm:spPr/>
+      <dgm:t>
+        <a:bodyPr/>
+        <a:lstStyle/>
+        <a:p>
+          <a:endParaRPr lang="zh-CN" altLang="en-US"/>
+        </a:p>
+      </dgm:t>
+    </dgm:pt>
+    <dgm:pt modelId="{7E59617B-B77A-4BD8-9C4D-59A7C33FBC16}" type="pres">
+      <dgm:prSet presAssocID="{C108656D-4C78-4F93-82CD-99D613AC6B6B}" presName="spacerL" presStyleCnt="0"/>
+      <dgm:spPr/>
+    </dgm:pt>
+    <dgm:pt modelId="{58425F8D-AA00-485F-BE44-7FC3C1F5D3D5}" type="pres">
+      <dgm:prSet presAssocID="{C108656D-4C78-4F93-82CD-99D613AC6B6B}" presName="sibTrans" presStyleLbl="sibTrans2D1" presStyleIdx="0" presStyleCnt="2"/>
+      <dgm:spPr/>
+    </dgm:pt>
+    <dgm:pt modelId="{31B4F316-A78B-48A0-919B-565B24460FB3}" type="pres">
+      <dgm:prSet presAssocID="{C108656D-4C78-4F93-82CD-99D613AC6B6B}" presName="spacerR" presStyleCnt="0"/>
+      <dgm:spPr/>
+    </dgm:pt>
+    <dgm:pt modelId="{49BC8D06-0EF3-4E56-92A4-A5BC8A6155CC}" type="pres">
+      <dgm:prSet presAssocID="{D388A5D4-562B-4DB7-8F17-79ACC4D2F528}" presName="node" presStyleLbl="node1" presStyleIdx="1" presStyleCnt="3">
+        <dgm:presLayoutVars>
+          <dgm:bulletEnabled val="1"/>
+        </dgm:presLayoutVars>
+      </dgm:prSet>
+      <dgm:spPr/>
+      <dgm:t>
+        <a:bodyPr/>
+        <a:lstStyle/>
+        <a:p>
+          <a:endParaRPr lang="zh-CN" altLang="en-US"/>
+        </a:p>
+      </dgm:t>
+    </dgm:pt>
+    <dgm:pt modelId="{AFBC07FC-0026-4BA5-84AC-2BD3C6D9D352}" type="pres">
+      <dgm:prSet presAssocID="{6B45A8A5-2745-43C6-999C-B58437343833}" presName="spacerL" presStyleCnt="0"/>
+      <dgm:spPr/>
+    </dgm:pt>
+    <dgm:pt modelId="{1B4224A6-46E6-49E5-A2B8-BC005BDE5DC4}" type="pres">
+      <dgm:prSet presAssocID="{6B45A8A5-2745-43C6-999C-B58437343833}" presName="sibTrans" presStyleLbl="sibTrans2D1" presStyleIdx="1" presStyleCnt="2"/>
+      <dgm:spPr/>
+    </dgm:pt>
+    <dgm:pt modelId="{1832E9C7-EC99-40E5-8BFC-3F07587AA895}" type="pres">
+      <dgm:prSet presAssocID="{6B45A8A5-2745-43C6-999C-B58437343833}" presName="spacerR" presStyleCnt="0"/>
+      <dgm:spPr/>
+    </dgm:pt>
+    <dgm:pt modelId="{1342C66F-0FB0-4F5E-A223-8A254BEE3AFD}" type="pres">
+      <dgm:prSet presAssocID="{4498981E-2F6A-4DED-84F5-85B746F34B36}" presName="node" presStyleLbl="node1" presStyleIdx="2" presStyleCnt="3">
+        <dgm:presLayoutVars>
+          <dgm:bulletEnabled val="1"/>
+        </dgm:presLayoutVars>
+      </dgm:prSet>
+      <dgm:spPr/>
+    </dgm:pt>
+  </dgm:ptLst>
+  <dgm:cxnLst>
+    <dgm:cxn modelId="{AF184978-DBD3-48B4-9746-B30F0F1A0C7B}" type="presOf" srcId="{6B45A8A5-2745-43C6-999C-B58437343833}" destId="{1B4224A6-46E6-49E5-A2B8-BC005BDE5DC4}" srcOrd="0" destOrd="0" presId="urn:microsoft.com/office/officeart/2005/8/layout/equation1"/>
+    <dgm:cxn modelId="{1113630B-7ED3-43E6-ACE1-AD06663EEE79}" type="presOf" srcId="{43C4E48F-EF4C-46E1-BAF9-CA85C1AB30F8}" destId="{4FC7FAF5-7287-497F-91DB-DC4EC65686BC}" srcOrd="0" destOrd="0" presId="urn:microsoft.com/office/officeart/2005/8/layout/equation1"/>
+    <dgm:cxn modelId="{734AFE71-E08A-4AE1-8077-F3D0AE466CCD}" type="presOf" srcId="{C108656D-4C78-4F93-82CD-99D613AC6B6B}" destId="{58425F8D-AA00-485F-BE44-7FC3C1F5D3D5}" srcOrd="0" destOrd="0" presId="urn:microsoft.com/office/officeart/2005/8/layout/equation1"/>
+    <dgm:cxn modelId="{51AA2AC7-0D7A-4E37-88C0-39AECD26E015}" srcId="{69275240-16CD-4A36-9F1B-E348A91524E3}" destId="{4498981E-2F6A-4DED-84F5-85B746F34B36}" srcOrd="2" destOrd="0" parTransId="{CB53BCE8-1A3B-4993-B880-95F3BBA9133C}" sibTransId="{B24CDEB8-7C99-44E6-A828-BA256E12BE42}"/>
+    <dgm:cxn modelId="{C2736BFA-02CF-403E-AB71-F7E852DC5E15}" type="presOf" srcId="{69275240-16CD-4A36-9F1B-E348A91524E3}" destId="{69BDA7F5-E1CF-4418-B9A9-7FF81E08E645}" srcOrd="0" destOrd="0" presId="urn:microsoft.com/office/officeart/2005/8/layout/equation1"/>
+    <dgm:cxn modelId="{AB1BA71A-9E9B-48F2-9097-C631A5F5B373}" type="presOf" srcId="{4498981E-2F6A-4DED-84F5-85B746F34B36}" destId="{1342C66F-0FB0-4F5E-A223-8A254BEE3AFD}" srcOrd="0" destOrd="0" presId="urn:microsoft.com/office/officeart/2005/8/layout/equation1"/>
+    <dgm:cxn modelId="{5B7F0F12-F133-48D0-A933-2D4B5046BA0E}" srcId="{69275240-16CD-4A36-9F1B-E348A91524E3}" destId="{43C4E48F-EF4C-46E1-BAF9-CA85C1AB30F8}" srcOrd="0" destOrd="0" parTransId="{4C4FCC40-80A7-4027-BA73-75ADE3CFA585}" sibTransId="{C108656D-4C78-4F93-82CD-99D613AC6B6B}"/>
+    <dgm:cxn modelId="{1CF35C45-A8D4-448F-8FAF-D391FC14D6F3}" srcId="{69275240-16CD-4A36-9F1B-E348A91524E3}" destId="{D388A5D4-562B-4DB7-8F17-79ACC4D2F528}" srcOrd="1" destOrd="0" parTransId="{AFE91482-E24F-4470-BBDB-97313E44E8C2}" sibTransId="{6B45A8A5-2745-43C6-999C-B58437343833}"/>
+    <dgm:cxn modelId="{DC1B4411-AA8F-4F8C-A309-1D11F853273E}" type="presOf" srcId="{D388A5D4-562B-4DB7-8F17-79ACC4D2F528}" destId="{49BC8D06-0EF3-4E56-92A4-A5BC8A6155CC}" srcOrd="0" destOrd="0" presId="urn:microsoft.com/office/officeart/2005/8/layout/equation1"/>
+    <dgm:cxn modelId="{C22C4C91-E3A3-4FC1-B909-5F64A391D826}" type="presParOf" srcId="{69BDA7F5-E1CF-4418-B9A9-7FF81E08E645}" destId="{4FC7FAF5-7287-497F-91DB-DC4EC65686BC}" srcOrd="0" destOrd="0" presId="urn:microsoft.com/office/officeart/2005/8/layout/equation1"/>
+    <dgm:cxn modelId="{612F0991-F8CB-4B19-B694-06B9A7E9EFEE}" type="presParOf" srcId="{69BDA7F5-E1CF-4418-B9A9-7FF81E08E645}" destId="{7E59617B-B77A-4BD8-9C4D-59A7C33FBC16}" srcOrd="1" destOrd="0" presId="urn:microsoft.com/office/officeart/2005/8/layout/equation1"/>
+    <dgm:cxn modelId="{230CBB54-FFE8-462A-B2F2-1AFF814E8BCA}" type="presParOf" srcId="{69BDA7F5-E1CF-4418-B9A9-7FF81E08E645}" destId="{58425F8D-AA00-485F-BE44-7FC3C1F5D3D5}" srcOrd="2" destOrd="0" presId="urn:microsoft.com/office/officeart/2005/8/layout/equation1"/>
+    <dgm:cxn modelId="{A9873439-D6C6-4CE3-A624-7CBBCEEEB1B3}" type="presParOf" srcId="{69BDA7F5-E1CF-4418-B9A9-7FF81E08E645}" destId="{31B4F316-A78B-48A0-919B-565B24460FB3}" srcOrd="3" destOrd="0" presId="urn:microsoft.com/office/officeart/2005/8/layout/equation1"/>
+    <dgm:cxn modelId="{420A8997-6BC5-42CC-B329-FC78D9CB883B}" type="presParOf" srcId="{69BDA7F5-E1CF-4418-B9A9-7FF81E08E645}" destId="{49BC8D06-0EF3-4E56-92A4-A5BC8A6155CC}" srcOrd="4" destOrd="0" presId="urn:microsoft.com/office/officeart/2005/8/layout/equation1"/>
+    <dgm:cxn modelId="{D6EB5F9B-6746-4EF6-BF1F-C570DD67170C}" type="presParOf" srcId="{69BDA7F5-E1CF-4418-B9A9-7FF81E08E645}" destId="{AFBC07FC-0026-4BA5-84AC-2BD3C6D9D352}" srcOrd="5" destOrd="0" presId="urn:microsoft.com/office/officeart/2005/8/layout/equation1"/>
+    <dgm:cxn modelId="{79E784C3-FEF0-4503-9AFC-80BD8F3CF018}" type="presParOf" srcId="{69BDA7F5-E1CF-4418-B9A9-7FF81E08E645}" destId="{1B4224A6-46E6-49E5-A2B8-BC005BDE5DC4}" srcOrd="6" destOrd="0" presId="urn:microsoft.com/office/officeart/2005/8/layout/equation1"/>
+    <dgm:cxn modelId="{F7BD1BC6-AEFD-4851-BDB5-78F3D4B9BE85}" type="presParOf" srcId="{69BDA7F5-E1CF-4418-B9A9-7FF81E08E645}" destId="{1832E9C7-EC99-40E5-8BFC-3F07587AA895}" srcOrd="7" destOrd="0" presId="urn:microsoft.com/office/officeart/2005/8/layout/equation1"/>
+    <dgm:cxn modelId="{769D7419-B447-4E41-A6E0-608D79BFC27A}" type="presParOf" srcId="{69BDA7F5-E1CF-4418-B9A9-7FF81E08E645}" destId="{1342C66F-0FB0-4F5E-A223-8A254BEE3AFD}" srcOrd="8" destOrd="0" presId="urn:microsoft.com/office/officeart/2005/8/layout/equation1"/>
+  </dgm:cxnLst>
+  <dgm:bg/>
+  <dgm:whole/>
+  <dgm:extLst>
+    <a:ext uri="http://schemas.microsoft.com/office/drawing/2008/diagram">
+      <dsp:dataModelExt xmlns:dsp="http://schemas.microsoft.com/office/drawing/2008/diagram" relId="rId6" minVer="http://schemas.openxmlformats.org/drawingml/2006/diagram"/>
+    </a:ext>
+  </dgm:extLst>
+</dgm:dataModel>
+</file>
+
+<file path=ppt/diagrams/data3.xml><?xml version="1.0" encoding="utf-8"?>
+<dgm:dataModel xmlns:dgm="http://schemas.openxmlformats.org/drawingml/2006/diagram" xmlns:a="http://schemas.openxmlformats.org/drawingml/2006/main">
+  <dgm:ptLst>
+    <dgm:pt modelId="{69275240-16CD-4A36-9F1B-E348A91524E3}" type="doc">
+      <dgm:prSet loTypeId="urn:microsoft.com/office/officeart/2005/8/layout/equation1" loCatId="process" qsTypeId="urn:microsoft.com/office/officeart/2005/8/quickstyle/simple4" qsCatId="simple" csTypeId="urn:microsoft.com/office/officeart/2005/8/colors/colorful1" csCatId="colorful" phldr="1"/>
+      <dgm:spPr/>
+    </dgm:pt>
+    <dgm:pt modelId="{43C4E48F-EF4C-46E1-BAF9-CA85C1AB30F8}">
+      <dgm:prSet phldrT="[文本]" custT="1"/>
+      <dgm:spPr/>
+      <dgm:t>
+        <a:bodyPr/>
+        <a:lstStyle/>
+        <a:p>
+          <a:r>
+            <a:rPr lang="en-US" altLang="zh-CN" sz="1100" dirty="0" smtClean="0"/>
+            <a:t>SAP Cloud Fee</a:t>
+          </a:r>
+          <a:endParaRPr lang="zh-CN" altLang="en-US" sz="1100" dirty="0"/>
+        </a:p>
+      </dgm:t>
+    </dgm:pt>
+    <dgm:pt modelId="{4C4FCC40-80A7-4027-BA73-75ADE3CFA585}" type="parTrans" cxnId="{5B7F0F12-F133-48D0-A933-2D4B5046BA0E}">
+      <dgm:prSet/>
+      <dgm:spPr/>
+      <dgm:t>
+        <a:bodyPr/>
+        <a:lstStyle/>
+        <a:p>
+          <a:endParaRPr lang="zh-CN" altLang="en-US" sz="3600"/>
+        </a:p>
+      </dgm:t>
+    </dgm:pt>
+    <dgm:pt modelId="{C108656D-4C78-4F93-82CD-99D613AC6B6B}" type="sibTrans" cxnId="{5B7F0F12-F133-48D0-A933-2D4B5046BA0E}">
+      <dgm:prSet custT="1"/>
+      <dgm:spPr/>
+      <dgm:t>
+        <a:bodyPr/>
+        <a:lstStyle/>
+        <a:p>
+          <a:endParaRPr lang="zh-CN" altLang="en-US" sz="1050"/>
+        </a:p>
+      </dgm:t>
+    </dgm:pt>
+    <dgm:pt modelId="{D388A5D4-562B-4DB7-8F17-79ACC4D2F528}">
+      <dgm:prSet phldrT="[文本]" custT="1"/>
+      <dgm:spPr/>
+      <dgm:t>
+        <a:bodyPr/>
+        <a:lstStyle/>
+        <a:p>
+          <a:r>
+            <a:rPr lang="en-US" altLang="zh-CN" sz="1100" dirty="0" smtClean="0"/>
+            <a:t>Cost of each connection</a:t>
+          </a:r>
+          <a:endParaRPr lang="zh-CN" altLang="en-US" sz="1100" dirty="0"/>
+        </a:p>
+      </dgm:t>
+    </dgm:pt>
+    <dgm:pt modelId="{AFE91482-E24F-4470-BBDB-97313E44E8C2}" type="parTrans" cxnId="{1CF35C45-A8D4-448F-8FAF-D391FC14D6F3}">
+      <dgm:prSet/>
+      <dgm:spPr/>
+      <dgm:t>
+        <a:bodyPr/>
+        <a:lstStyle/>
+        <a:p>
+          <a:endParaRPr lang="zh-CN" altLang="en-US" sz="3600"/>
+        </a:p>
+      </dgm:t>
+    </dgm:pt>
+    <dgm:pt modelId="{6B45A8A5-2745-43C6-999C-B58437343833}" type="sibTrans" cxnId="{1CF35C45-A8D4-448F-8FAF-D391FC14D6F3}">
+      <dgm:prSet custT="1"/>
+      <dgm:spPr/>
+      <dgm:t>
+        <a:bodyPr/>
+        <a:lstStyle/>
+        <a:p>
+          <a:endParaRPr lang="zh-CN" altLang="en-US" sz="1050"/>
+        </a:p>
+      </dgm:t>
+    </dgm:pt>
+    <dgm:pt modelId="{4498981E-2F6A-4DED-84F5-85B746F34B36}">
+      <dgm:prSet phldrT="[文本]" custT="1"/>
+      <dgm:spPr/>
+      <dgm:t>
+        <a:bodyPr/>
+        <a:lstStyle/>
+        <a:p>
+          <a:r>
+            <a:rPr lang="en-US" altLang="zh-CN" sz="1100" dirty="0" smtClean="0"/>
+            <a:t>Total Cost</a:t>
+          </a:r>
+          <a:endParaRPr lang="zh-CN" altLang="en-US" sz="1100" dirty="0"/>
+        </a:p>
+      </dgm:t>
+    </dgm:pt>
+    <dgm:pt modelId="{CB53BCE8-1A3B-4993-B880-95F3BBA9133C}" type="parTrans" cxnId="{51AA2AC7-0D7A-4E37-88C0-39AECD26E015}">
+      <dgm:prSet/>
+      <dgm:spPr/>
+      <dgm:t>
+        <a:bodyPr/>
+        <a:lstStyle/>
+        <a:p>
+          <a:endParaRPr lang="zh-CN" altLang="en-US" sz="3600"/>
+        </a:p>
+      </dgm:t>
+    </dgm:pt>
+    <dgm:pt modelId="{B24CDEB8-7C99-44E6-A828-BA256E12BE42}" type="sibTrans" cxnId="{51AA2AC7-0D7A-4E37-88C0-39AECD26E015}">
+      <dgm:prSet/>
+      <dgm:spPr/>
+      <dgm:t>
+        <a:bodyPr/>
+        <a:lstStyle/>
+        <a:p>
+          <a:endParaRPr lang="zh-CN" altLang="en-US" sz="3600"/>
+        </a:p>
+      </dgm:t>
+    </dgm:pt>
+    <dgm:pt modelId="{69BDA7F5-E1CF-4418-B9A9-7FF81E08E645}" type="pres">
+      <dgm:prSet presAssocID="{69275240-16CD-4A36-9F1B-E348A91524E3}" presName="linearFlow" presStyleCnt="0">
+        <dgm:presLayoutVars>
+          <dgm:dir/>
+          <dgm:resizeHandles val="exact"/>
+        </dgm:presLayoutVars>
+      </dgm:prSet>
+      <dgm:spPr/>
+    </dgm:pt>
+    <dgm:pt modelId="{4FC7FAF5-7287-497F-91DB-DC4EC65686BC}" type="pres">
+      <dgm:prSet presAssocID="{43C4E48F-EF4C-46E1-BAF9-CA85C1AB30F8}" presName="node" presStyleLbl="node1" presStyleIdx="0" presStyleCnt="3">
+        <dgm:presLayoutVars>
+          <dgm:bulletEnabled val="1"/>
+        </dgm:presLayoutVars>
+      </dgm:prSet>
+      <dgm:spPr/>
+      <dgm:t>
+        <a:bodyPr/>
+        <a:lstStyle/>
+        <a:p>
+          <a:endParaRPr lang="zh-CN" altLang="en-US"/>
+        </a:p>
+      </dgm:t>
+    </dgm:pt>
+    <dgm:pt modelId="{7E59617B-B77A-4BD8-9C4D-59A7C33FBC16}" type="pres">
+      <dgm:prSet presAssocID="{C108656D-4C78-4F93-82CD-99D613AC6B6B}" presName="spacerL" presStyleCnt="0"/>
+      <dgm:spPr/>
+    </dgm:pt>
+    <dgm:pt modelId="{58425F8D-AA00-485F-BE44-7FC3C1F5D3D5}" type="pres">
+      <dgm:prSet presAssocID="{C108656D-4C78-4F93-82CD-99D613AC6B6B}" presName="sibTrans" presStyleLbl="sibTrans2D1" presStyleIdx="0" presStyleCnt="2"/>
+      <dgm:spPr/>
+    </dgm:pt>
+    <dgm:pt modelId="{31B4F316-A78B-48A0-919B-565B24460FB3}" type="pres">
+      <dgm:prSet presAssocID="{C108656D-4C78-4F93-82CD-99D613AC6B6B}" presName="spacerR" presStyleCnt="0"/>
+      <dgm:spPr/>
+    </dgm:pt>
+    <dgm:pt modelId="{49BC8D06-0EF3-4E56-92A4-A5BC8A6155CC}" type="pres">
+      <dgm:prSet presAssocID="{D388A5D4-562B-4DB7-8F17-79ACC4D2F528}" presName="node" presStyleLbl="node1" presStyleIdx="1" presStyleCnt="3">
+        <dgm:presLayoutVars>
+          <dgm:bulletEnabled val="1"/>
+        </dgm:presLayoutVars>
+      </dgm:prSet>
+      <dgm:spPr/>
+      <dgm:t>
+        <a:bodyPr/>
+        <a:lstStyle/>
+        <a:p>
+          <a:endParaRPr lang="zh-CN" altLang="en-US"/>
+        </a:p>
+      </dgm:t>
+    </dgm:pt>
+    <dgm:pt modelId="{AFBC07FC-0026-4BA5-84AC-2BD3C6D9D352}" type="pres">
+      <dgm:prSet presAssocID="{6B45A8A5-2745-43C6-999C-B58437343833}" presName="spacerL" presStyleCnt="0"/>
+      <dgm:spPr/>
+    </dgm:pt>
+    <dgm:pt modelId="{1B4224A6-46E6-49E5-A2B8-BC005BDE5DC4}" type="pres">
+      <dgm:prSet presAssocID="{6B45A8A5-2745-43C6-999C-B58437343833}" presName="sibTrans" presStyleLbl="sibTrans2D1" presStyleIdx="1" presStyleCnt="2"/>
+      <dgm:spPr/>
+    </dgm:pt>
+    <dgm:pt modelId="{1832E9C7-EC99-40E5-8BFC-3F07587AA895}" type="pres">
+      <dgm:prSet presAssocID="{6B45A8A5-2745-43C6-999C-B58437343833}" presName="spacerR" presStyleCnt="0"/>
+      <dgm:spPr/>
+    </dgm:pt>
+    <dgm:pt modelId="{1342C66F-0FB0-4F5E-A223-8A254BEE3AFD}" type="pres">
+      <dgm:prSet presAssocID="{4498981E-2F6A-4DED-84F5-85B746F34B36}" presName="node" presStyleLbl="node1" presStyleIdx="2" presStyleCnt="3">
+        <dgm:presLayoutVars>
+          <dgm:bulletEnabled val="1"/>
+        </dgm:presLayoutVars>
+      </dgm:prSet>
+      <dgm:spPr/>
+    </dgm:pt>
+  </dgm:ptLst>
+  <dgm:cxnLst>
+    <dgm:cxn modelId="{AF184978-DBD3-48B4-9746-B30F0F1A0C7B}" type="presOf" srcId="{6B45A8A5-2745-43C6-999C-B58437343833}" destId="{1B4224A6-46E6-49E5-A2B8-BC005BDE5DC4}" srcOrd="0" destOrd="0" presId="urn:microsoft.com/office/officeart/2005/8/layout/equation1"/>
+    <dgm:cxn modelId="{1113630B-7ED3-43E6-ACE1-AD06663EEE79}" type="presOf" srcId="{43C4E48F-EF4C-46E1-BAF9-CA85C1AB30F8}" destId="{4FC7FAF5-7287-497F-91DB-DC4EC65686BC}" srcOrd="0" destOrd="0" presId="urn:microsoft.com/office/officeart/2005/8/layout/equation1"/>
+    <dgm:cxn modelId="{734AFE71-E08A-4AE1-8077-F3D0AE466CCD}" type="presOf" srcId="{C108656D-4C78-4F93-82CD-99D613AC6B6B}" destId="{58425F8D-AA00-485F-BE44-7FC3C1F5D3D5}" srcOrd="0" destOrd="0" presId="urn:microsoft.com/office/officeart/2005/8/layout/equation1"/>
+    <dgm:cxn modelId="{51AA2AC7-0D7A-4E37-88C0-39AECD26E015}" srcId="{69275240-16CD-4A36-9F1B-E348A91524E3}" destId="{4498981E-2F6A-4DED-84F5-85B746F34B36}" srcOrd="2" destOrd="0" parTransId="{CB53BCE8-1A3B-4993-B880-95F3BBA9133C}" sibTransId="{B24CDEB8-7C99-44E6-A828-BA256E12BE42}"/>
+    <dgm:cxn modelId="{C2736BFA-02CF-403E-AB71-F7E852DC5E15}" type="presOf" srcId="{69275240-16CD-4A36-9F1B-E348A91524E3}" destId="{69BDA7F5-E1CF-4418-B9A9-7FF81E08E645}" srcOrd="0" destOrd="0" presId="urn:microsoft.com/office/officeart/2005/8/layout/equation1"/>
+    <dgm:cxn modelId="{AB1BA71A-9E9B-48F2-9097-C631A5F5B373}" type="presOf" srcId="{4498981E-2F6A-4DED-84F5-85B746F34B36}" destId="{1342C66F-0FB0-4F5E-A223-8A254BEE3AFD}" srcOrd="0" destOrd="0" presId="urn:microsoft.com/office/officeart/2005/8/layout/equation1"/>
+    <dgm:cxn modelId="{5B7F0F12-F133-48D0-A933-2D4B5046BA0E}" srcId="{69275240-16CD-4A36-9F1B-E348A91524E3}" destId="{43C4E48F-EF4C-46E1-BAF9-CA85C1AB30F8}" srcOrd="0" destOrd="0" parTransId="{4C4FCC40-80A7-4027-BA73-75ADE3CFA585}" sibTransId="{C108656D-4C78-4F93-82CD-99D613AC6B6B}"/>
+    <dgm:cxn modelId="{1CF35C45-A8D4-448F-8FAF-D391FC14D6F3}" srcId="{69275240-16CD-4A36-9F1B-E348A91524E3}" destId="{D388A5D4-562B-4DB7-8F17-79ACC4D2F528}" srcOrd="1" destOrd="0" parTransId="{AFE91482-E24F-4470-BBDB-97313E44E8C2}" sibTransId="{6B45A8A5-2745-43C6-999C-B58437343833}"/>
+    <dgm:cxn modelId="{DC1B4411-AA8F-4F8C-A309-1D11F853273E}" type="presOf" srcId="{D388A5D4-562B-4DB7-8F17-79ACC4D2F528}" destId="{49BC8D06-0EF3-4E56-92A4-A5BC8A6155CC}" srcOrd="0" destOrd="0" presId="urn:microsoft.com/office/officeart/2005/8/layout/equation1"/>
+    <dgm:cxn modelId="{C22C4C91-E3A3-4FC1-B909-5F64A391D826}" type="presParOf" srcId="{69BDA7F5-E1CF-4418-B9A9-7FF81E08E645}" destId="{4FC7FAF5-7287-497F-91DB-DC4EC65686BC}" srcOrd="0" destOrd="0" presId="urn:microsoft.com/office/officeart/2005/8/layout/equation1"/>
+    <dgm:cxn modelId="{612F0991-F8CB-4B19-B694-06B9A7E9EFEE}" type="presParOf" srcId="{69BDA7F5-E1CF-4418-B9A9-7FF81E08E645}" destId="{7E59617B-B77A-4BD8-9C4D-59A7C33FBC16}" srcOrd="1" destOrd="0" presId="urn:microsoft.com/office/officeart/2005/8/layout/equation1"/>
+    <dgm:cxn modelId="{230CBB54-FFE8-462A-B2F2-1AFF814E8BCA}" type="presParOf" srcId="{69BDA7F5-E1CF-4418-B9A9-7FF81E08E645}" destId="{58425F8D-AA00-485F-BE44-7FC3C1F5D3D5}" srcOrd="2" destOrd="0" presId="urn:microsoft.com/office/officeart/2005/8/layout/equation1"/>
+    <dgm:cxn modelId="{A9873439-D6C6-4CE3-A624-7CBBCEEEB1B3}" type="presParOf" srcId="{69BDA7F5-E1CF-4418-B9A9-7FF81E08E645}" destId="{31B4F316-A78B-48A0-919B-565B24460FB3}" srcOrd="3" destOrd="0" presId="urn:microsoft.com/office/officeart/2005/8/layout/equation1"/>
+    <dgm:cxn modelId="{420A8997-6BC5-42CC-B329-FC78D9CB883B}" type="presParOf" srcId="{69BDA7F5-E1CF-4418-B9A9-7FF81E08E645}" destId="{49BC8D06-0EF3-4E56-92A4-A5BC8A6155CC}" srcOrd="4" destOrd="0" presId="urn:microsoft.com/office/officeart/2005/8/layout/equation1"/>
+    <dgm:cxn modelId="{D6EB5F9B-6746-4EF6-BF1F-C570DD67170C}" type="presParOf" srcId="{69BDA7F5-E1CF-4418-B9A9-7FF81E08E645}" destId="{AFBC07FC-0026-4BA5-84AC-2BD3C6D9D352}" srcOrd="5" destOrd="0" presId="urn:microsoft.com/office/officeart/2005/8/layout/equation1"/>
+    <dgm:cxn modelId="{79E784C3-FEF0-4503-9AFC-80BD8F3CF018}" type="presParOf" srcId="{69BDA7F5-E1CF-4418-B9A9-7FF81E08E645}" destId="{1B4224A6-46E6-49E5-A2B8-BC005BDE5DC4}" srcOrd="6" destOrd="0" presId="urn:microsoft.com/office/officeart/2005/8/layout/equation1"/>
+    <dgm:cxn modelId="{F7BD1BC6-AEFD-4851-BDB5-78F3D4B9BE85}" type="presParOf" srcId="{69BDA7F5-E1CF-4418-B9A9-7FF81E08E645}" destId="{1832E9C7-EC99-40E5-8BFC-3F07587AA895}" srcOrd="7" destOrd="0" presId="urn:microsoft.com/office/officeart/2005/8/layout/equation1"/>
+    <dgm:cxn modelId="{769D7419-B447-4E41-A6E0-608D79BFC27A}" type="presParOf" srcId="{69BDA7F5-E1CF-4418-B9A9-7FF81E08E645}" destId="{1342C66F-0FB0-4F5E-A223-8A254BEE3AFD}" srcOrd="8" destOrd="0" presId="urn:microsoft.com/office/officeart/2005/8/layout/equation1"/>
   </dgm:cxnLst>
   <dgm:bg/>
   <dgm:whole/>
@@ -1967,6 +4248,1104 @@
 </dsp:drawing>
 </file>
 
+<file path=ppt/diagrams/drawing2.xml><?xml version="1.0" encoding="utf-8"?>
+<dsp:drawing xmlns:dgm="http://schemas.openxmlformats.org/drawingml/2006/diagram" xmlns:dsp="http://schemas.microsoft.com/office/drawing/2008/diagram" xmlns:a="http://schemas.openxmlformats.org/drawingml/2006/main">
+  <dsp:spTree>
+    <dsp:nvGrpSpPr>
+      <dsp:cNvPr id="0" name=""/>
+      <dsp:cNvGrpSpPr/>
+    </dsp:nvGrpSpPr>
+    <dsp:grpSpPr/>
+    <dsp:sp modelId="{4FC7FAF5-7287-497F-91DB-DC4EC65686BC}">
+      <dsp:nvSpPr>
+        <dsp:cNvPr id="0" name=""/>
+        <dsp:cNvSpPr/>
+      </dsp:nvSpPr>
+      <dsp:spPr>
+        <a:xfrm>
+          <a:off x="247735" y="738"/>
+          <a:ext cx="1366675" cy="1366675"/>
+        </a:xfrm>
+        <a:prstGeom prst="ellipse">
+          <a:avLst/>
+        </a:prstGeom>
+        <a:gradFill rotWithShape="0">
+          <a:gsLst>
+            <a:gs pos="0">
+              <a:schemeClr val="accent2">
+                <a:hueOff val="0"/>
+                <a:satOff val="0"/>
+                <a:lumOff val="0"/>
+                <a:alphaOff val="0"/>
+                <a:tint val="83000"/>
+                <a:shade val="100000"/>
+                <a:alpha val="100000"/>
+                <a:hueMod val="100000"/>
+                <a:satMod val="220000"/>
+                <a:lumMod val="90000"/>
+              </a:schemeClr>
+            </a:gs>
+            <a:gs pos="76000">
+              <a:schemeClr val="accent2">
+                <a:hueOff val="0"/>
+                <a:satOff val="0"/>
+                <a:lumOff val="0"/>
+                <a:alphaOff val="0"/>
+                <a:shade val="100000"/>
+              </a:schemeClr>
+            </a:gs>
+            <a:gs pos="100000">
+              <a:schemeClr val="accent2">
+                <a:hueOff val="0"/>
+                <a:satOff val="0"/>
+                <a:lumOff val="0"/>
+                <a:alphaOff val="0"/>
+                <a:shade val="93000"/>
+                <a:alpha val="100000"/>
+                <a:satMod val="100000"/>
+                <a:lumMod val="93000"/>
+              </a:schemeClr>
+            </a:gs>
+          </a:gsLst>
+          <a:path path="circle">
+            <a:fillToRect l="15000" t="15000" r="100000" b="100000"/>
+          </a:path>
+        </a:gradFill>
+        <a:ln>
+          <a:noFill/>
+        </a:ln>
+        <a:effectLst>
+          <a:outerShdw blurRad="38100" dist="38100" dir="5400000" rotWithShape="0">
+            <a:srgbClr val="000000">
+              <a:alpha val="35000"/>
+            </a:srgbClr>
+          </a:outerShdw>
+        </a:effectLst>
+      </dsp:spPr>
+      <dsp:style>
+        <a:lnRef idx="0">
+          <a:scrgbClr r="0" g="0" b="0"/>
+        </a:lnRef>
+        <a:fillRef idx="3">
+          <a:scrgbClr r="0" g="0" b="0"/>
+        </a:fillRef>
+        <a:effectRef idx="2">
+          <a:scrgbClr r="0" g="0" b="0"/>
+        </a:effectRef>
+        <a:fontRef idx="minor">
+          <a:schemeClr val="lt1"/>
+        </a:fontRef>
+      </dsp:style>
+      <dsp:txBody>
+        <a:bodyPr spcFirstLastPara="0" vert="horz" wrap="square" lIns="13970" tIns="13970" rIns="13970" bIns="13970" numCol="1" spcCol="1270" anchor="ctr" anchorCtr="0">
+          <a:noAutofit/>
+        </a:bodyPr>
+        <a:lstStyle/>
+        <a:p>
+          <a:pPr lvl="0" algn="ctr" defTabSz="488950">
+            <a:lnSpc>
+              <a:spcPct val="90000"/>
+            </a:lnSpc>
+            <a:spcBef>
+              <a:spcPct val="0"/>
+            </a:spcBef>
+            <a:spcAft>
+              <a:spcPct val="35000"/>
+            </a:spcAft>
+          </a:pPr>
+          <a:r>
+            <a:rPr lang="en-US" altLang="zh-CN" sz="1100" kern="1200" smtClean="0"/>
+            <a:t>Product License Fee</a:t>
+          </a:r>
+          <a:endParaRPr lang="zh-CN" altLang="en-US" sz="1100" kern="1200" dirty="0"/>
+        </a:p>
+      </dsp:txBody>
+      <dsp:txXfrm>
+        <a:off x="447880" y="200883"/>
+        <a:ext cx="966385" cy="966385"/>
+      </dsp:txXfrm>
+    </dsp:sp>
+    <dsp:sp modelId="{58425F8D-AA00-485F-BE44-7FC3C1F5D3D5}">
+      <dsp:nvSpPr>
+        <dsp:cNvPr id="0" name=""/>
+        <dsp:cNvSpPr/>
+      </dsp:nvSpPr>
+      <dsp:spPr>
+        <a:xfrm>
+          <a:off x="1725384" y="287740"/>
+          <a:ext cx="792671" cy="792671"/>
+        </a:xfrm>
+        <a:prstGeom prst="mathPlus">
+          <a:avLst/>
+        </a:prstGeom>
+        <a:gradFill rotWithShape="0">
+          <a:gsLst>
+            <a:gs pos="0">
+              <a:schemeClr val="accent2">
+                <a:hueOff val="0"/>
+                <a:satOff val="0"/>
+                <a:lumOff val="0"/>
+                <a:alphaOff val="0"/>
+                <a:tint val="83000"/>
+                <a:shade val="100000"/>
+                <a:alpha val="100000"/>
+                <a:hueMod val="100000"/>
+                <a:satMod val="220000"/>
+                <a:lumMod val="90000"/>
+              </a:schemeClr>
+            </a:gs>
+            <a:gs pos="76000">
+              <a:schemeClr val="accent2">
+                <a:hueOff val="0"/>
+                <a:satOff val="0"/>
+                <a:lumOff val="0"/>
+                <a:alphaOff val="0"/>
+                <a:shade val="100000"/>
+              </a:schemeClr>
+            </a:gs>
+            <a:gs pos="100000">
+              <a:schemeClr val="accent2">
+                <a:hueOff val="0"/>
+                <a:satOff val="0"/>
+                <a:lumOff val="0"/>
+                <a:alphaOff val="0"/>
+                <a:shade val="93000"/>
+                <a:alpha val="100000"/>
+                <a:satMod val="100000"/>
+                <a:lumMod val="93000"/>
+              </a:schemeClr>
+            </a:gs>
+          </a:gsLst>
+          <a:path path="circle">
+            <a:fillToRect l="15000" t="15000" r="100000" b="100000"/>
+          </a:path>
+        </a:gradFill>
+        <a:ln>
+          <a:noFill/>
+        </a:ln>
+        <a:effectLst>
+          <a:outerShdw blurRad="38100" dist="38100" dir="5400000" rotWithShape="0">
+            <a:srgbClr val="000000">
+              <a:alpha val="35000"/>
+            </a:srgbClr>
+          </a:outerShdw>
+        </a:effectLst>
+      </dsp:spPr>
+      <dsp:style>
+        <a:lnRef idx="0">
+          <a:scrgbClr r="0" g="0" b="0"/>
+        </a:lnRef>
+        <a:fillRef idx="3">
+          <a:scrgbClr r="0" g="0" b="0"/>
+        </a:fillRef>
+        <a:effectRef idx="2">
+          <a:scrgbClr r="0" g="0" b="0"/>
+        </a:effectRef>
+        <a:fontRef idx="minor">
+          <a:schemeClr val="lt1"/>
+        </a:fontRef>
+      </dsp:style>
+      <dsp:txBody>
+        <a:bodyPr spcFirstLastPara="0" vert="horz" wrap="square" lIns="0" tIns="0" rIns="0" bIns="0" numCol="1" spcCol="1270" anchor="ctr" anchorCtr="0">
+          <a:noAutofit/>
+        </a:bodyPr>
+        <a:lstStyle/>
+        <a:p>
+          <a:pPr lvl="0" algn="ctr" defTabSz="466725">
+            <a:lnSpc>
+              <a:spcPct val="90000"/>
+            </a:lnSpc>
+            <a:spcBef>
+              <a:spcPct val="0"/>
+            </a:spcBef>
+            <a:spcAft>
+              <a:spcPct val="35000"/>
+            </a:spcAft>
+          </a:pPr>
+          <a:endParaRPr lang="zh-CN" altLang="en-US" sz="1050" kern="1200"/>
+        </a:p>
+      </dsp:txBody>
+      <dsp:txXfrm>
+        <a:off x="1830453" y="590857"/>
+        <a:ext cx="582533" cy="186437"/>
+      </dsp:txXfrm>
+    </dsp:sp>
+    <dsp:sp modelId="{49BC8D06-0EF3-4E56-92A4-A5BC8A6155CC}">
+      <dsp:nvSpPr>
+        <dsp:cNvPr id="0" name=""/>
+        <dsp:cNvSpPr/>
+      </dsp:nvSpPr>
+      <dsp:spPr>
+        <a:xfrm>
+          <a:off x="2629030" y="738"/>
+          <a:ext cx="1366675" cy="1366675"/>
+        </a:xfrm>
+        <a:prstGeom prst="ellipse">
+          <a:avLst/>
+        </a:prstGeom>
+        <a:gradFill rotWithShape="0">
+          <a:gsLst>
+            <a:gs pos="0">
+              <a:schemeClr val="accent3">
+                <a:hueOff val="0"/>
+                <a:satOff val="0"/>
+                <a:lumOff val="0"/>
+                <a:alphaOff val="0"/>
+                <a:tint val="83000"/>
+                <a:shade val="100000"/>
+                <a:alpha val="100000"/>
+                <a:hueMod val="100000"/>
+                <a:satMod val="220000"/>
+                <a:lumMod val="90000"/>
+              </a:schemeClr>
+            </a:gs>
+            <a:gs pos="76000">
+              <a:schemeClr val="accent3">
+                <a:hueOff val="0"/>
+                <a:satOff val="0"/>
+                <a:lumOff val="0"/>
+                <a:alphaOff val="0"/>
+                <a:shade val="100000"/>
+              </a:schemeClr>
+            </a:gs>
+            <a:gs pos="100000">
+              <a:schemeClr val="accent3">
+                <a:hueOff val="0"/>
+                <a:satOff val="0"/>
+                <a:lumOff val="0"/>
+                <a:alphaOff val="0"/>
+                <a:shade val="93000"/>
+                <a:alpha val="100000"/>
+                <a:satMod val="100000"/>
+                <a:lumMod val="93000"/>
+              </a:schemeClr>
+            </a:gs>
+          </a:gsLst>
+          <a:path path="circle">
+            <a:fillToRect l="15000" t="15000" r="100000" b="100000"/>
+          </a:path>
+        </a:gradFill>
+        <a:ln>
+          <a:noFill/>
+        </a:ln>
+        <a:effectLst>
+          <a:outerShdw blurRad="38100" dist="38100" dir="5400000" rotWithShape="0">
+            <a:srgbClr val="000000">
+              <a:alpha val="35000"/>
+            </a:srgbClr>
+          </a:outerShdw>
+        </a:effectLst>
+      </dsp:spPr>
+      <dsp:style>
+        <a:lnRef idx="0">
+          <a:scrgbClr r="0" g="0" b="0"/>
+        </a:lnRef>
+        <a:fillRef idx="3">
+          <a:scrgbClr r="0" g="0" b="0"/>
+        </a:fillRef>
+        <a:effectRef idx="2">
+          <a:scrgbClr r="0" g="0" b="0"/>
+        </a:effectRef>
+        <a:fontRef idx="minor">
+          <a:schemeClr val="lt1"/>
+        </a:fontRef>
+      </dsp:style>
+      <dsp:txBody>
+        <a:bodyPr spcFirstLastPara="0" vert="horz" wrap="square" lIns="13970" tIns="13970" rIns="13970" bIns="13970" numCol="1" spcCol="1270" anchor="ctr" anchorCtr="0">
+          <a:noAutofit/>
+        </a:bodyPr>
+        <a:lstStyle/>
+        <a:p>
+          <a:pPr lvl="0" algn="ctr" defTabSz="488950">
+            <a:lnSpc>
+              <a:spcPct val="90000"/>
+            </a:lnSpc>
+            <a:spcBef>
+              <a:spcPct val="0"/>
+            </a:spcBef>
+            <a:spcAft>
+              <a:spcPct val="35000"/>
+            </a:spcAft>
+          </a:pPr>
+          <a:r>
+            <a:rPr lang="en-US" altLang="zh-CN" sz="1100" kern="1200" dirty="0" smtClean="0"/>
+            <a:t>Cost of Implementation</a:t>
+          </a:r>
+          <a:endParaRPr lang="zh-CN" altLang="en-US" sz="1100" kern="1200" dirty="0"/>
+        </a:p>
+      </dsp:txBody>
+      <dsp:txXfrm>
+        <a:off x="2829175" y="200883"/>
+        <a:ext cx="966385" cy="966385"/>
+      </dsp:txXfrm>
+    </dsp:sp>
+    <dsp:sp modelId="{1B4224A6-46E6-49E5-A2B8-BC005BDE5DC4}">
+      <dsp:nvSpPr>
+        <dsp:cNvPr id="0" name=""/>
+        <dsp:cNvSpPr/>
+      </dsp:nvSpPr>
+      <dsp:spPr>
+        <a:xfrm>
+          <a:off x="4106679" y="287740"/>
+          <a:ext cx="792671" cy="792671"/>
+        </a:xfrm>
+        <a:prstGeom prst="mathEqual">
+          <a:avLst/>
+        </a:prstGeom>
+        <a:gradFill rotWithShape="0">
+          <a:gsLst>
+            <a:gs pos="0">
+              <a:schemeClr val="accent3">
+                <a:hueOff val="0"/>
+                <a:satOff val="0"/>
+                <a:lumOff val="0"/>
+                <a:alphaOff val="0"/>
+                <a:tint val="83000"/>
+                <a:shade val="100000"/>
+                <a:alpha val="100000"/>
+                <a:hueMod val="100000"/>
+                <a:satMod val="220000"/>
+                <a:lumMod val="90000"/>
+              </a:schemeClr>
+            </a:gs>
+            <a:gs pos="76000">
+              <a:schemeClr val="accent3">
+                <a:hueOff val="0"/>
+                <a:satOff val="0"/>
+                <a:lumOff val="0"/>
+                <a:alphaOff val="0"/>
+                <a:shade val="100000"/>
+              </a:schemeClr>
+            </a:gs>
+            <a:gs pos="100000">
+              <a:schemeClr val="accent3">
+                <a:hueOff val="0"/>
+                <a:satOff val="0"/>
+                <a:lumOff val="0"/>
+                <a:alphaOff val="0"/>
+                <a:shade val="93000"/>
+                <a:alpha val="100000"/>
+                <a:satMod val="100000"/>
+                <a:lumMod val="93000"/>
+              </a:schemeClr>
+            </a:gs>
+          </a:gsLst>
+          <a:path path="circle">
+            <a:fillToRect l="15000" t="15000" r="100000" b="100000"/>
+          </a:path>
+        </a:gradFill>
+        <a:ln>
+          <a:noFill/>
+        </a:ln>
+        <a:effectLst>
+          <a:outerShdw blurRad="38100" dist="38100" dir="5400000" rotWithShape="0">
+            <a:srgbClr val="000000">
+              <a:alpha val="35000"/>
+            </a:srgbClr>
+          </a:outerShdw>
+        </a:effectLst>
+      </dsp:spPr>
+      <dsp:style>
+        <a:lnRef idx="0">
+          <a:scrgbClr r="0" g="0" b="0"/>
+        </a:lnRef>
+        <a:fillRef idx="3">
+          <a:scrgbClr r="0" g="0" b="0"/>
+        </a:fillRef>
+        <a:effectRef idx="2">
+          <a:scrgbClr r="0" g="0" b="0"/>
+        </a:effectRef>
+        <a:fontRef idx="minor">
+          <a:schemeClr val="lt1"/>
+        </a:fontRef>
+      </dsp:style>
+      <dsp:txBody>
+        <a:bodyPr spcFirstLastPara="0" vert="horz" wrap="square" lIns="0" tIns="0" rIns="0" bIns="0" numCol="1" spcCol="1270" anchor="ctr" anchorCtr="0">
+          <a:noAutofit/>
+        </a:bodyPr>
+        <a:lstStyle/>
+        <a:p>
+          <a:pPr lvl="0" algn="ctr" defTabSz="466725">
+            <a:lnSpc>
+              <a:spcPct val="90000"/>
+            </a:lnSpc>
+            <a:spcBef>
+              <a:spcPct val="0"/>
+            </a:spcBef>
+            <a:spcAft>
+              <a:spcPct val="35000"/>
+            </a:spcAft>
+          </a:pPr>
+          <a:endParaRPr lang="zh-CN" altLang="en-US" sz="1050" kern="1200"/>
+        </a:p>
+      </dsp:txBody>
+      <dsp:txXfrm>
+        <a:off x="4211748" y="451030"/>
+        <a:ext cx="582533" cy="466091"/>
+      </dsp:txXfrm>
+    </dsp:sp>
+    <dsp:sp modelId="{1342C66F-0FB0-4F5E-A223-8A254BEE3AFD}">
+      <dsp:nvSpPr>
+        <dsp:cNvPr id="0" name=""/>
+        <dsp:cNvSpPr/>
+      </dsp:nvSpPr>
+      <dsp:spPr>
+        <a:xfrm>
+          <a:off x="5010325" y="738"/>
+          <a:ext cx="1366675" cy="1366675"/>
+        </a:xfrm>
+        <a:prstGeom prst="ellipse">
+          <a:avLst/>
+        </a:prstGeom>
+        <a:gradFill rotWithShape="0">
+          <a:gsLst>
+            <a:gs pos="0">
+              <a:schemeClr val="accent4">
+                <a:hueOff val="0"/>
+                <a:satOff val="0"/>
+                <a:lumOff val="0"/>
+                <a:alphaOff val="0"/>
+                <a:tint val="83000"/>
+                <a:shade val="100000"/>
+                <a:alpha val="100000"/>
+                <a:hueMod val="100000"/>
+                <a:satMod val="220000"/>
+                <a:lumMod val="90000"/>
+              </a:schemeClr>
+            </a:gs>
+            <a:gs pos="76000">
+              <a:schemeClr val="accent4">
+                <a:hueOff val="0"/>
+                <a:satOff val="0"/>
+                <a:lumOff val="0"/>
+                <a:alphaOff val="0"/>
+                <a:shade val="100000"/>
+              </a:schemeClr>
+            </a:gs>
+            <a:gs pos="100000">
+              <a:schemeClr val="accent4">
+                <a:hueOff val="0"/>
+                <a:satOff val="0"/>
+                <a:lumOff val="0"/>
+                <a:alphaOff val="0"/>
+                <a:shade val="93000"/>
+                <a:alpha val="100000"/>
+                <a:satMod val="100000"/>
+                <a:lumMod val="93000"/>
+              </a:schemeClr>
+            </a:gs>
+          </a:gsLst>
+          <a:path path="circle">
+            <a:fillToRect l="15000" t="15000" r="100000" b="100000"/>
+          </a:path>
+        </a:gradFill>
+        <a:ln>
+          <a:noFill/>
+        </a:ln>
+        <a:effectLst>
+          <a:outerShdw blurRad="38100" dist="38100" dir="5400000" rotWithShape="0">
+            <a:srgbClr val="000000">
+              <a:alpha val="35000"/>
+            </a:srgbClr>
+          </a:outerShdw>
+        </a:effectLst>
+      </dsp:spPr>
+      <dsp:style>
+        <a:lnRef idx="0">
+          <a:scrgbClr r="0" g="0" b="0"/>
+        </a:lnRef>
+        <a:fillRef idx="3">
+          <a:scrgbClr r="0" g="0" b="0"/>
+        </a:fillRef>
+        <a:effectRef idx="2">
+          <a:scrgbClr r="0" g="0" b="0"/>
+        </a:effectRef>
+        <a:fontRef idx="minor">
+          <a:schemeClr val="lt1"/>
+        </a:fontRef>
+      </dsp:style>
+      <dsp:txBody>
+        <a:bodyPr spcFirstLastPara="0" vert="horz" wrap="square" lIns="13970" tIns="13970" rIns="13970" bIns="13970" numCol="1" spcCol="1270" anchor="ctr" anchorCtr="0">
+          <a:noAutofit/>
+        </a:bodyPr>
+        <a:lstStyle/>
+        <a:p>
+          <a:pPr lvl="0" algn="ctr" defTabSz="488950">
+            <a:lnSpc>
+              <a:spcPct val="90000"/>
+            </a:lnSpc>
+            <a:spcBef>
+              <a:spcPct val="0"/>
+            </a:spcBef>
+            <a:spcAft>
+              <a:spcPct val="35000"/>
+            </a:spcAft>
+          </a:pPr>
+          <a:r>
+            <a:rPr lang="en-US" altLang="zh-CN" sz="1100" kern="1200" dirty="0" smtClean="0"/>
+            <a:t>Total Cost</a:t>
+          </a:r>
+          <a:endParaRPr lang="zh-CN" altLang="en-US" sz="1100" kern="1200" dirty="0"/>
+        </a:p>
+      </dsp:txBody>
+      <dsp:txXfrm>
+        <a:off x="5210470" y="200883"/>
+        <a:ext cx="966385" cy="966385"/>
+      </dsp:txXfrm>
+    </dsp:sp>
+  </dsp:spTree>
+</dsp:drawing>
+</file>
+
+<file path=ppt/diagrams/drawing3.xml><?xml version="1.0" encoding="utf-8"?>
+<dsp:drawing xmlns:dgm="http://schemas.openxmlformats.org/drawingml/2006/diagram" xmlns:dsp="http://schemas.microsoft.com/office/drawing/2008/diagram" xmlns:a="http://schemas.openxmlformats.org/drawingml/2006/main">
+  <dsp:spTree>
+    <dsp:nvGrpSpPr>
+      <dsp:cNvPr id="0" name=""/>
+      <dsp:cNvGrpSpPr/>
+    </dsp:nvGrpSpPr>
+    <dsp:grpSpPr/>
+    <dsp:sp modelId="{4FC7FAF5-7287-497F-91DB-DC4EC65686BC}">
+      <dsp:nvSpPr>
+        <dsp:cNvPr id="0" name=""/>
+        <dsp:cNvSpPr/>
+      </dsp:nvSpPr>
+      <dsp:spPr>
+        <a:xfrm>
+          <a:off x="247735" y="738"/>
+          <a:ext cx="1366675" cy="1366675"/>
+        </a:xfrm>
+        <a:prstGeom prst="ellipse">
+          <a:avLst/>
+        </a:prstGeom>
+        <a:gradFill rotWithShape="0">
+          <a:gsLst>
+            <a:gs pos="0">
+              <a:schemeClr val="accent2">
+                <a:hueOff val="0"/>
+                <a:satOff val="0"/>
+                <a:lumOff val="0"/>
+                <a:alphaOff val="0"/>
+                <a:tint val="83000"/>
+                <a:shade val="100000"/>
+                <a:alpha val="100000"/>
+                <a:hueMod val="100000"/>
+                <a:satMod val="220000"/>
+                <a:lumMod val="90000"/>
+              </a:schemeClr>
+            </a:gs>
+            <a:gs pos="76000">
+              <a:schemeClr val="accent2">
+                <a:hueOff val="0"/>
+                <a:satOff val="0"/>
+                <a:lumOff val="0"/>
+                <a:alphaOff val="0"/>
+                <a:shade val="100000"/>
+              </a:schemeClr>
+            </a:gs>
+            <a:gs pos="100000">
+              <a:schemeClr val="accent2">
+                <a:hueOff val="0"/>
+                <a:satOff val="0"/>
+                <a:lumOff val="0"/>
+                <a:alphaOff val="0"/>
+                <a:shade val="93000"/>
+                <a:alpha val="100000"/>
+                <a:satMod val="100000"/>
+                <a:lumMod val="93000"/>
+              </a:schemeClr>
+            </a:gs>
+          </a:gsLst>
+          <a:path path="circle">
+            <a:fillToRect l="15000" t="15000" r="100000" b="100000"/>
+          </a:path>
+        </a:gradFill>
+        <a:ln>
+          <a:noFill/>
+        </a:ln>
+        <a:effectLst>
+          <a:outerShdw blurRad="38100" dist="38100" dir="5400000" rotWithShape="0">
+            <a:srgbClr val="000000">
+              <a:alpha val="35000"/>
+            </a:srgbClr>
+          </a:outerShdw>
+        </a:effectLst>
+      </dsp:spPr>
+      <dsp:style>
+        <a:lnRef idx="0">
+          <a:scrgbClr r="0" g="0" b="0"/>
+        </a:lnRef>
+        <a:fillRef idx="3">
+          <a:scrgbClr r="0" g="0" b="0"/>
+        </a:fillRef>
+        <a:effectRef idx="2">
+          <a:scrgbClr r="0" g="0" b="0"/>
+        </a:effectRef>
+        <a:fontRef idx="minor">
+          <a:schemeClr val="lt1"/>
+        </a:fontRef>
+      </dsp:style>
+      <dsp:txBody>
+        <a:bodyPr spcFirstLastPara="0" vert="horz" wrap="square" lIns="13970" tIns="13970" rIns="13970" bIns="13970" numCol="1" spcCol="1270" anchor="ctr" anchorCtr="0">
+          <a:noAutofit/>
+        </a:bodyPr>
+        <a:lstStyle/>
+        <a:p>
+          <a:pPr lvl="0" algn="ctr" defTabSz="488950">
+            <a:lnSpc>
+              <a:spcPct val="90000"/>
+            </a:lnSpc>
+            <a:spcBef>
+              <a:spcPct val="0"/>
+            </a:spcBef>
+            <a:spcAft>
+              <a:spcPct val="35000"/>
+            </a:spcAft>
+          </a:pPr>
+          <a:r>
+            <a:rPr lang="en-US" altLang="zh-CN" sz="1100" kern="1200" dirty="0" smtClean="0"/>
+            <a:t>SAP Cloud Fee</a:t>
+          </a:r>
+          <a:endParaRPr lang="zh-CN" altLang="en-US" sz="1100" kern="1200" dirty="0"/>
+        </a:p>
+      </dsp:txBody>
+      <dsp:txXfrm>
+        <a:off x="447880" y="200883"/>
+        <a:ext cx="966385" cy="966385"/>
+      </dsp:txXfrm>
+    </dsp:sp>
+    <dsp:sp modelId="{58425F8D-AA00-485F-BE44-7FC3C1F5D3D5}">
+      <dsp:nvSpPr>
+        <dsp:cNvPr id="0" name=""/>
+        <dsp:cNvSpPr/>
+      </dsp:nvSpPr>
+      <dsp:spPr>
+        <a:xfrm>
+          <a:off x="1725384" y="287740"/>
+          <a:ext cx="792671" cy="792671"/>
+        </a:xfrm>
+        <a:prstGeom prst="mathPlus">
+          <a:avLst/>
+        </a:prstGeom>
+        <a:gradFill rotWithShape="0">
+          <a:gsLst>
+            <a:gs pos="0">
+              <a:schemeClr val="accent2">
+                <a:hueOff val="0"/>
+                <a:satOff val="0"/>
+                <a:lumOff val="0"/>
+                <a:alphaOff val="0"/>
+                <a:tint val="83000"/>
+                <a:shade val="100000"/>
+                <a:alpha val="100000"/>
+                <a:hueMod val="100000"/>
+                <a:satMod val="220000"/>
+                <a:lumMod val="90000"/>
+              </a:schemeClr>
+            </a:gs>
+            <a:gs pos="76000">
+              <a:schemeClr val="accent2">
+                <a:hueOff val="0"/>
+                <a:satOff val="0"/>
+                <a:lumOff val="0"/>
+                <a:alphaOff val="0"/>
+                <a:shade val="100000"/>
+              </a:schemeClr>
+            </a:gs>
+            <a:gs pos="100000">
+              <a:schemeClr val="accent2">
+                <a:hueOff val="0"/>
+                <a:satOff val="0"/>
+                <a:lumOff val="0"/>
+                <a:alphaOff val="0"/>
+                <a:shade val="93000"/>
+                <a:alpha val="100000"/>
+                <a:satMod val="100000"/>
+                <a:lumMod val="93000"/>
+              </a:schemeClr>
+            </a:gs>
+          </a:gsLst>
+          <a:path path="circle">
+            <a:fillToRect l="15000" t="15000" r="100000" b="100000"/>
+          </a:path>
+        </a:gradFill>
+        <a:ln>
+          <a:noFill/>
+        </a:ln>
+        <a:effectLst>
+          <a:outerShdw blurRad="38100" dist="38100" dir="5400000" rotWithShape="0">
+            <a:srgbClr val="000000">
+              <a:alpha val="35000"/>
+            </a:srgbClr>
+          </a:outerShdw>
+        </a:effectLst>
+      </dsp:spPr>
+      <dsp:style>
+        <a:lnRef idx="0">
+          <a:scrgbClr r="0" g="0" b="0"/>
+        </a:lnRef>
+        <a:fillRef idx="3">
+          <a:scrgbClr r="0" g="0" b="0"/>
+        </a:fillRef>
+        <a:effectRef idx="2">
+          <a:scrgbClr r="0" g="0" b="0"/>
+        </a:effectRef>
+        <a:fontRef idx="minor">
+          <a:schemeClr val="lt1"/>
+        </a:fontRef>
+      </dsp:style>
+      <dsp:txBody>
+        <a:bodyPr spcFirstLastPara="0" vert="horz" wrap="square" lIns="0" tIns="0" rIns="0" bIns="0" numCol="1" spcCol="1270" anchor="ctr" anchorCtr="0">
+          <a:noAutofit/>
+        </a:bodyPr>
+        <a:lstStyle/>
+        <a:p>
+          <a:pPr lvl="0" algn="ctr" defTabSz="466725">
+            <a:lnSpc>
+              <a:spcPct val="90000"/>
+            </a:lnSpc>
+            <a:spcBef>
+              <a:spcPct val="0"/>
+            </a:spcBef>
+            <a:spcAft>
+              <a:spcPct val="35000"/>
+            </a:spcAft>
+          </a:pPr>
+          <a:endParaRPr lang="zh-CN" altLang="en-US" sz="1050" kern="1200"/>
+        </a:p>
+      </dsp:txBody>
+      <dsp:txXfrm>
+        <a:off x="1830453" y="590857"/>
+        <a:ext cx="582533" cy="186437"/>
+      </dsp:txXfrm>
+    </dsp:sp>
+    <dsp:sp modelId="{49BC8D06-0EF3-4E56-92A4-A5BC8A6155CC}">
+      <dsp:nvSpPr>
+        <dsp:cNvPr id="0" name=""/>
+        <dsp:cNvSpPr/>
+      </dsp:nvSpPr>
+      <dsp:spPr>
+        <a:xfrm>
+          <a:off x="2629030" y="738"/>
+          <a:ext cx="1366675" cy="1366675"/>
+        </a:xfrm>
+        <a:prstGeom prst="ellipse">
+          <a:avLst/>
+        </a:prstGeom>
+        <a:gradFill rotWithShape="0">
+          <a:gsLst>
+            <a:gs pos="0">
+              <a:schemeClr val="accent3">
+                <a:hueOff val="0"/>
+                <a:satOff val="0"/>
+                <a:lumOff val="0"/>
+                <a:alphaOff val="0"/>
+                <a:tint val="83000"/>
+                <a:shade val="100000"/>
+                <a:alpha val="100000"/>
+                <a:hueMod val="100000"/>
+                <a:satMod val="220000"/>
+                <a:lumMod val="90000"/>
+              </a:schemeClr>
+            </a:gs>
+            <a:gs pos="76000">
+              <a:schemeClr val="accent3">
+                <a:hueOff val="0"/>
+                <a:satOff val="0"/>
+                <a:lumOff val="0"/>
+                <a:alphaOff val="0"/>
+                <a:shade val="100000"/>
+              </a:schemeClr>
+            </a:gs>
+            <a:gs pos="100000">
+              <a:schemeClr val="accent3">
+                <a:hueOff val="0"/>
+                <a:satOff val="0"/>
+                <a:lumOff val="0"/>
+                <a:alphaOff val="0"/>
+                <a:shade val="93000"/>
+                <a:alpha val="100000"/>
+                <a:satMod val="100000"/>
+                <a:lumMod val="93000"/>
+              </a:schemeClr>
+            </a:gs>
+          </a:gsLst>
+          <a:path path="circle">
+            <a:fillToRect l="15000" t="15000" r="100000" b="100000"/>
+          </a:path>
+        </a:gradFill>
+        <a:ln>
+          <a:noFill/>
+        </a:ln>
+        <a:effectLst>
+          <a:outerShdw blurRad="38100" dist="38100" dir="5400000" rotWithShape="0">
+            <a:srgbClr val="000000">
+              <a:alpha val="35000"/>
+            </a:srgbClr>
+          </a:outerShdw>
+        </a:effectLst>
+      </dsp:spPr>
+      <dsp:style>
+        <a:lnRef idx="0">
+          <a:scrgbClr r="0" g="0" b="0"/>
+        </a:lnRef>
+        <a:fillRef idx="3">
+          <a:scrgbClr r="0" g="0" b="0"/>
+        </a:fillRef>
+        <a:effectRef idx="2">
+          <a:scrgbClr r="0" g="0" b="0"/>
+        </a:effectRef>
+        <a:fontRef idx="minor">
+          <a:schemeClr val="lt1"/>
+        </a:fontRef>
+      </dsp:style>
+      <dsp:txBody>
+        <a:bodyPr spcFirstLastPara="0" vert="horz" wrap="square" lIns="13970" tIns="13970" rIns="13970" bIns="13970" numCol="1" spcCol="1270" anchor="ctr" anchorCtr="0">
+          <a:noAutofit/>
+        </a:bodyPr>
+        <a:lstStyle/>
+        <a:p>
+          <a:pPr lvl="0" algn="ctr" defTabSz="488950">
+            <a:lnSpc>
+              <a:spcPct val="90000"/>
+            </a:lnSpc>
+            <a:spcBef>
+              <a:spcPct val="0"/>
+            </a:spcBef>
+            <a:spcAft>
+              <a:spcPct val="35000"/>
+            </a:spcAft>
+          </a:pPr>
+          <a:r>
+            <a:rPr lang="en-US" altLang="zh-CN" sz="1100" kern="1200" dirty="0" smtClean="0"/>
+            <a:t>Cost of each connection</a:t>
+          </a:r>
+          <a:endParaRPr lang="zh-CN" altLang="en-US" sz="1100" kern="1200" dirty="0"/>
+        </a:p>
+      </dsp:txBody>
+      <dsp:txXfrm>
+        <a:off x="2829175" y="200883"/>
+        <a:ext cx="966385" cy="966385"/>
+      </dsp:txXfrm>
+    </dsp:sp>
+    <dsp:sp modelId="{1B4224A6-46E6-49E5-A2B8-BC005BDE5DC4}">
+      <dsp:nvSpPr>
+        <dsp:cNvPr id="0" name=""/>
+        <dsp:cNvSpPr/>
+      </dsp:nvSpPr>
+      <dsp:spPr>
+        <a:xfrm>
+          <a:off x="4106679" y="287740"/>
+          <a:ext cx="792671" cy="792671"/>
+        </a:xfrm>
+        <a:prstGeom prst="mathEqual">
+          <a:avLst/>
+        </a:prstGeom>
+        <a:gradFill rotWithShape="0">
+          <a:gsLst>
+            <a:gs pos="0">
+              <a:schemeClr val="accent3">
+                <a:hueOff val="0"/>
+                <a:satOff val="0"/>
+                <a:lumOff val="0"/>
+                <a:alphaOff val="0"/>
+                <a:tint val="83000"/>
+                <a:shade val="100000"/>
+                <a:alpha val="100000"/>
+                <a:hueMod val="100000"/>
+                <a:satMod val="220000"/>
+                <a:lumMod val="90000"/>
+              </a:schemeClr>
+            </a:gs>
+            <a:gs pos="76000">
+              <a:schemeClr val="accent3">
+                <a:hueOff val="0"/>
+                <a:satOff val="0"/>
+                <a:lumOff val="0"/>
+                <a:alphaOff val="0"/>
+                <a:shade val="100000"/>
+              </a:schemeClr>
+            </a:gs>
+            <a:gs pos="100000">
+              <a:schemeClr val="accent3">
+                <a:hueOff val="0"/>
+                <a:satOff val="0"/>
+                <a:lumOff val="0"/>
+                <a:alphaOff val="0"/>
+                <a:shade val="93000"/>
+                <a:alpha val="100000"/>
+                <a:satMod val="100000"/>
+                <a:lumMod val="93000"/>
+              </a:schemeClr>
+            </a:gs>
+          </a:gsLst>
+          <a:path path="circle">
+            <a:fillToRect l="15000" t="15000" r="100000" b="100000"/>
+          </a:path>
+        </a:gradFill>
+        <a:ln>
+          <a:noFill/>
+        </a:ln>
+        <a:effectLst>
+          <a:outerShdw blurRad="38100" dist="38100" dir="5400000" rotWithShape="0">
+            <a:srgbClr val="000000">
+              <a:alpha val="35000"/>
+            </a:srgbClr>
+          </a:outerShdw>
+        </a:effectLst>
+      </dsp:spPr>
+      <dsp:style>
+        <a:lnRef idx="0">
+          <a:scrgbClr r="0" g="0" b="0"/>
+        </a:lnRef>
+        <a:fillRef idx="3">
+          <a:scrgbClr r="0" g="0" b="0"/>
+        </a:fillRef>
+        <a:effectRef idx="2">
+          <a:scrgbClr r="0" g="0" b="0"/>
+        </a:effectRef>
+        <a:fontRef idx="minor">
+          <a:schemeClr val="lt1"/>
+        </a:fontRef>
+      </dsp:style>
+      <dsp:txBody>
+        <a:bodyPr spcFirstLastPara="0" vert="horz" wrap="square" lIns="0" tIns="0" rIns="0" bIns="0" numCol="1" spcCol="1270" anchor="ctr" anchorCtr="0">
+          <a:noAutofit/>
+        </a:bodyPr>
+        <a:lstStyle/>
+        <a:p>
+          <a:pPr lvl="0" algn="ctr" defTabSz="466725">
+            <a:lnSpc>
+              <a:spcPct val="90000"/>
+            </a:lnSpc>
+            <a:spcBef>
+              <a:spcPct val="0"/>
+            </a:spcBef>
+            <a:spcAft>
+              <a:spcPct val="35000"/>
+            </a:spcAft>
+          </a:pPr>
+          <a:endParaRPr lang="zh-CN" altLang="en-US" sz="1050" kern="1200"/>
+        </a:p>
+      </dsp:txBody>
+      <dsp:txXfrm>
+        <a:off x="4211748" y="451030"/>
+        <a:ext cx="582533" cy="466091"/>
+      </dsp:txXfrm>
+    </dsp:sp>
+    <dsp:sp modelId="{1342C66F-0FB0-4F5E-A223-8A254BEE3AFD}">
+      <dsp:nvSpPr>
+        <dsp:cNvPr id="0" name=""/>
+        <dsp:cNvSpPr/>
+      </dsp:nvSpPr>
+      <dsp:spPr>
+        <a:xfrm>
+          <a:off x="5010325" y="738"/>
+          <a:ext cx="1366675" cy="1366675"/>
+        </a:xfrm>
+        <a:prstGeom prst="ellipse">
+          <a:avLst/>
+        </a:prstGeom>
+        <a:gradFill rotWithShape="0">
+          <a:gsLst>
+            <a:gs pos="0">
+              <a:schemeClr val="accent4">
+                <a:hueOff val="0"/>
+                <a:satOff val="0"/>
+                <a:lumOff val="0"/>
+                <a:alphaOff val="0"/>
+                <a:tint val="83000"/>
+                <a:shade val="100000"/>
+                <a:alpha val="100000"/>
+                <a:hueMod val="100000"/>
+                <a:satMod val="220000"/>
+                <a:lumMod val="90000"/>
+              </a:schemeClr>
+            </a:gs>
+            <a:gs pos="76000">
+              <a:schemeClr val="accent4">
+                <a:hueOff val="0"/>
+                <a:satOff val="0"/>
+                <a:lumOff val="0"/>
+                <a:alphaOff val="0"/>
+                <a:shade val="100000"/>
+              </a:schemeClr>
+            </a:gs>
+            <a:gs pos="100000">
+              <a:schemeClr val="accent4">
+                <a:hueOff val="0"/>
+                <a:satOff val="0"/>
+                <a:lumOff val="0"/>
+                <a:alphaOff val="0"/>
+                <a:shade val="93000"/>
+                <a:alpha val="100000"/>
+                <a:satMod val="100000"/>
+                <a:lumMod val="93000"/>
+              </a:schemeClr>
+            </a:gs>
+          </a:gsLst>
+          <a:path path="circle">
+            <a:fillToRect l="15000" t="15000" r="100000" b="100000"/>
+          </a:path>
+        </a:gradFill>
+        <a:ln>
+          <a:noFill/>
+        </a:ln>
+        <a:effectLst>
+          <a:outerShdw blurRad="38100" dist="38100" dir="5400000" rotWithShape="0">
+            <a:srgbClr val="000000">
+              <a:alpha val="35000"/>
+            </a:srgbClr>
+          </a:outerShdw>
+        </a:effectLst>
+      </dsp:spPr>
+      <dsp:style>
+        <a:lnRef idx="0">
+          <a:scrgbClr r="0" g="0" b="0"/>
+        </a:lnRef>
+        <a:fillRef idx="3">
+          <a:scrgbClr r="0" g="0" b="0"/>
+        </a:fillRef>
+        <a:effectRef idx="2">
+          <a:scrgbClr r="0" g="0" b="0"/>
+        </a:effectRef>
+        <a:fontRef idx="minor">
+          <a:schemeClr val="lt1"/>
+        </a:fontRef>
+      </dsp:style>
+      <dsp:txBody>
+        <a:bodyPr spcFirstLastPara="0" vert="horz" wrap="square" lIns="13970" tIns="13970" rIns="13970" bIns="13970" numCol="1" spcCol="1270" anchor="ctr" anchorCtr="0">
+          <a:noAutofit/>
+        </a:bodyPr>
+        <a:lstStyle/>
+        <a:p>
+          <a:pPr lvl="0" algn="ctr" defTabSz="488950">
+            <a:lnSpc>
+              <a:spcPct val="90000"/>
+            </a:lnSpc>
+            <a:spcBef>
+              <a:spcPct val="0"/>
+            </a:spcBef>
+            <a:spcAft>
+              <a:spcPct val="35000"/>
+            </a:spcAft>
+          </a:pPr>
+          <a:r>
+            <a:rPr lang="en-US" altLang="zh-CN" sz="1100" kern="1200" dirty="0" smtClean="0"/>
+            <a:t>Total Cost</a:t>
+          </a:r>
+          <a:endParaRPr lang="zh-CN" altLang="en-US" sz="1100" kern="1200" dirty="0"/>
+        </a:p>
+      </dsp:txBody>
+      <dsp:txXfrm>
+        <a:off x="5210470" y="200883"/>
+        <a:ext cx="966385" cy="966385"/>
+      </dsp:txXfrm>
+    </dsp:sp>
+  </dsp:spTree>
+</dsp:drawing>
+</file>
+
 <file path=ppt/diagrams/layout1.xml><?xml version="1.0" encoding="utf-8"?>
 <dgm:layoutDef xmlns:dgm="http://schemas.openxmlformats.org/drawingml/2006/diagram" xmlns:a="http://schemas.openxmlformats.org/drawingml/2006/main" uniqueId="urn:microsoft.com/office/officeart/2005/8/layout/matrix1">
   <dgm:title val=""/>
@@ -2344,6 +5723,316 @@
 </dgm:layoutDef>
 </file>
 
+<file path=ppt/diagrams/layout2.xml><?xml version="1.0" encoding="utf-8"?>
+<dgm:layoutDef xmlns:dgm="http://schemas.openxmlformats.org/drawingml/2006/diagram" xmlns:a="http://schemas.openxmlformats.org/drawingml/2006/main" uniqueId="urn:microsoft.com/office/officeart/2005/8/layout/equation1">
+  <dgm:title val=""/>
+  <dgm:desc val=""/>
+  <dgm:catLst>
+    <dgm:cat type="relationship" pri="17000"/>
+    <dgm:cat type="process" pri="25000"/>
+  </dgm:catLst>
+  <dgm:sampData useDef="1">
+    <dgm:dataModel>
+      <dgm:ptLst/>
+      <dgm:bg/>
+      <dgm:whole/>
+    </dgm:dataModel>
+  </dgm:sampData>
+  <dgm:styleData>
+    <dgm:dataModel>
+      <dgm:ptLst>
+        <dgm:pt modelId="0" type="doc"/>
+        <dgm:pt modelId="1"/>
+        <dgm:pt modelId="2"/>
+      </dgm:ptLst>
+      <dgm:cxnLst>
+        <dgm:cxn modelId="3" srcId="0" destId="1" srcOrd="0" destOrd="0"/>
+        <dgm:cxn modelId="4" srcId="0" destId="2" srcOrd="1" destOrd="0"/>
+      </dgm:cxnLst>
+      <dgm:bg/>
+      <dgm:whole/>
+    </dgm:dataModel>
+  </dgm:styleData>
+  <dgm:clrData>
+    <dgm:dataModel>
+      <dgm:ptLst>
+        <dgm:pt modelId="0" type="doc"/>
+        <dgm:pt modelId="1"/>
+        <dgm:pt modelId="2"/>
+        <dgm:pt modelId="3"/>
+        <dgm:pt modelId="4"/>
+      </dgm:ptLst>
+      <dgm:cxnLst>
+        <dgm:cxn modelId="5" srcId="0" destId="1" srcOrd="0" destOrd="0"/>
+        <dgm:cxn modelId="6" srcId="0" destId="2" srcOrd="1" destOrd="0"/>
+        <dgm:cxn modelId="7" srcId="0" destId="3" srcOrd="2" destOrd="0"/>
+        <dgm:cxn modelId="8" srcId="0" destId="4" srcOrd="3" destOrd="0"/>
+      </dgm:cxnLst>
+      <dgm:bg/>
+      <dgm:whole/>
+    </dgm:dataModel>
+  </dgm:clrData>
+  <dgm:layoutNode name="linearFlow">
+    <dgm:varLst>
+      <dgm:dir/>
+      <dgm:resizeHandles val="exact"/>
+    </dgm:varLst>
+    <dgm:choose name="Name0">
+      <dgm:if name="Name1" func="var" arg="dir" op="equ" val="norm">
+        <dgm:alg type="lin">
+          <dgm:param type="fallback" val="2D"/>
+        </dgm:alg>
+      </dgm:if>
+      <dgm:else name="Name2">
+        <dgm:alg type="lin">
+          <dgm:param type="linDir" val="fromR"/>
+          <dgm:param type="fallback" val="2D"/>
+        </dgm:alg>
+      </dgm:else>
+    </dgm:choose>
+    <dgm:shape xmlns:r="http://schemas.openxmlformats.org/officeDocument/2006/relationships" r:blip="">
+      <dgm:adjLst/>
+    </dgm:shape>
+    <dgm:presOf/>
+    <dgm:constrLst>
+      <dgm:constr type="w" for="ch" ptType="node" refType="w"/>
+      <dgm:constr type="w" for="ch" ptType="sibTrans" refType="w" refFor="ch" refPtType="node" fact="0.58"/>
+      <dgm:constr type="primFontSz" for="ch" ptType="node" op="equ" val="65"/>
+      <dgm:constr type="primFontSz" for="ch" ptType="sibTrans" op="equ" val="55"/>
+      <dgm:constr type="primFontSz" for="ch" ptType="sibTrans" refType="primFontSz" refFor="ch" refPtType="node" op="lte" fact="0.8"/>
+      <dgm:constr type="w" for="ch" forName="spacerL" refType="w" refFor="ch" refPtType="sibTrans" fact="0.14"/>
+      <dgm:constr type="w" for="ch" forName="spacerR" refType="w" refFor="ch" refPtType="sibTrans" fact="0.14"/>
+    </dgm:constrLst>
+    <dgm:ruleLst/>
+    <dgm:forEach name="nodesForEach" axis="ch" ptType="node">
+      <dgm:layoutNode name="node">
+        <dgm:varLst>
+          <dgm:bulletEnabled val="1"/>
+        </dgm:varLst>
+        <dgm:alg type="tx">
+          <dgm:param type="txAnchorVertCh" val="mid"/>
+        </dgm:alg>
+        <dgm:shape xmlns:r="http://schemas.openxmlformats.org/officeDocument/2006/relationships" type="ellipse" r:blip="">
+          <dgm:adjLst/>
+        </dgm:shape>
+        <dgm:presOf axis="desOrSelf" ptType="node"/>
+        <dgm:constrLst>
+          <dgm:constr type="h" refType="w"/>
+          <dgm:constr type="tMarg" refType="primFontSz" fact="0.1"/>
+          <dgm:constr type="bMarg" refType="primFontSz" fact="0.1"/>
+          <dgm:constr type="lMarg" refType="primFontSz" fact="0.1"/>
+          <dgm:constr type="rMarg" refType="primFontSz" fact="0.1"/>
+        </dgm:constrLst>
+        <dgm:ruleLst>
+          <dgm:rule type="primFontSz" val="5" fact="NaN" max="NaN"/>
+        </dgm:ruleLst>
+      </dgm:layoutNode>
+      <dgm:forEach name="sibTransForEach" axis="followSib" ptType="sibTrans" cnt="1">
+        <dgm:layoutNode name="spacerL">
+          <dgm:alg type="sp"/>
+          <dgm:shape xmlns:r="http://schemas.openxmlformats.org/officeDocument/2006/relationships" r:blip="">
+            <dgm:adjLst/>
+          </dgm:shape>
+          <dgm:presOf/>
+          <dgm:constrLst/>
+          <dgm:ruleLst/>
+        </dgm:layoutNode>
+        <dgm:layoutNode name="sibTrans">
+          <dgm:alg type="tx"/>
+          <dgm:choose name="Name3">
+            <dgm:if name="Name4" axis="followSib" ptType="sibTrans" func="cnt" op="equ" val="0">
+              <dgm:shape xmlns:r="http://schemas.openxmlformats.org/officeDocument/2006/relationships" type="mathEqual" r:blip="">
+                <dgm:adjLst/>
+              </dgm:shape>
+            </dgm:if>
+            <dgm:else name="Name5">
+              <dgm:shape xmlns:r="http://schemas.openxmlformats.org/officeDocument/2006/relationships" type="mathPlus" r:blip="">
+                <dgm:adjLst/>
+              </dgm:shape>
+            </dgm:else>
+          </dgm:choose>
+          <dgm:presOf axis="self"/>
+          <dgm:constrLst>
+            <dgm:constr type="h" refType="w"/>
+            <dgm:constr type="lMarg"/>
+            <dgm:constr type="rMarg"/>
+            <dgm:constr type="tMarg"/>
+            <dgm:constr type="bMarg"/>
+          </dgm:constrLst>
+          <dgm:ruleLst>
+            <dgm:rule type="primFontSz" val="5" fact="NaN" max="NaN"/>
+          </dgm:ruleLst>
+        </dgm:layoutNode>
+        <dgm:layoutNode name="spacerR">
+          <dgm:alg type="sp"/>
+          <dgm:shape xmlns:r="http://schemas.openxmlformats.org/officeDocument/2006/relationships" r:blip="">
+            <dgm:adjLst/>
+          </dgm:shape>
+          <dgm:presOf/>
+          <dgm:constrLst/>
+          <dgm:ruleLst/>
+        </dgm:layoutNode>
+      </dgm:forEach>
+    </dgm:forEach>
+  </dgm:layoutNode>
+</dgm:layoutDef>
+</file>
+
+<file path=ppt/diagrams/layout3.xml><?xml version="1.0" encoding="utf-8"?>
+<dgm:layoutDef xmlns:dgm="http://schemas.openxmlformats.org/drawingml/2006/diagram" xmlns:a="http://schemas.openxmlformats.org/drawingml/2006/main" uniqueId="urn:microsoft.com/office/officeart/2005/8/layout/equation1">
+  <dgm:title val=""/>
+  <dgm:desc val=""/>
+  <dgm:catLst>
+    <dgm:cat type="relationship" pri="17000"/>
+    <dgm:cat type="process" pri="25000"/>
+  </dgm:catLst>
+  <dgm:sampData useDef="1">
+    <dgm:dataModel>
+      <dgm:ptLst/>
+      <dgm:bg/>
+      <dgm:whole/>
+    </dgm:dataModel>
+  </dgm:sampData>
+  <dgm:styleData>
+    <dgm:dataModel>
+      <dgm:ptLst>
+        <dgm:pt modelId="0" type="doc"/>
+        <dgm:pt modelId="1"/>
+        <dgm:pt modelId="2"/>
+      </dgm:ptLst>
+      <dgm:cxnLst>
+        <dgm:cxn modelId="3" srcId="0" destId="1" srcOrd="0" destOrd="0"/>
+        <dgm:cxn modelId="4" srcId="0" destId="2" srcOrd="1" destOrd="0"/>
+      </dgm:cxnLst>
+      <dgm:bg/>
+      <dgm:whole/>
+    </dgm:dataModel>
+  </dgm:styleData>
+  <dgm:clrData>
+    <dgm:dataModel>
+      <dgm:ptLst>
+        <dgm:pt modelId="0" type="doc"/>
+        <dgm:pt modelId="1"/>
+        <dgm:pt modelId="2"/>
+        <dgm:pt modelId="3"/>
+        <dgm:pt modelId="4"/>
+      </dgm:ptLst>
+      <dgm:cxnLst>
+        <dgm:cxn modelId="5" srcId="0" destId="1" srcOrd="0" destOrd="0"/>
+        <dgm:cxn modelId="6" srcId="0" destId="2" srcOrd="1" destOrd="0"/>
+        <dgm:cxn modelId="7" srcId="0" destId="3" srcOrd="2" destOrd="0"/>
+        <dgm:cxn modelId="8" srcId="0" destId="4" srcOrd="3" destOrd="0"/>
+      </dgm:cxnLst>
+      <dgm:bg/>
+      <dgm:whole/>
+    </dgm:dataModel>
+  </dgm:clrData>
+  <dgm:layoutNode name="linearFlow">
+    <dgm:varLst>
+      <dgm:dir/>
+      <dgm:resizeHandles val="exact"/>
+    </dgm:varLst>
+    <dgm:choose name="Name0">
+      <dgm:if name="Name1" func="var" arg="dir" op="equ" val="norm">
+        <dgm:alg type="lin">
+          <dgm:param type="fallback" val="2D"/>
+        </dgm:alg>
+      </dgm:if>
+      <dgm:else name="Name2">
+        <dgm:alg type="lin">
+          <dgm:param type="linDir" val="fromR"/>
+          <dgm:param type="fallback" val="2D"/>
+        </dgm:alg>
+      </dgm:else>
+    </dgm:choose>
+    <dgm:shape xmlns:r="http://schemas.openxmlformats.org/officeDocument/2006/relationships" r:blip="">
+      <dgm:adjLst/>
+    </dgm:shape>
+    <dgm:presOf/>
+    <dgm:constrLst>
+      <dgm:constr type="w" for="ch" ptType="node" refType="w"/>
+      <dgm:constr type="w" for="ch" ptType="sibTrans" refType="w" refFor="ch" refPtType="node" fact="0.58"/>
+      <dgm:constr type="primFontSz" for="ch" ptType="node" op="equ" val="65"/>
+      <dgm:constr type="primFontSz" for="ch" ptType="sibTrans" op="equ" val="55"/>
+      <dgm:constr type="primFontSz" for="ch" ptType="sibTrans" refType="primFontSz" refFor="ch" refPtType="node" op="lte" fact="0.8"/>
+      <dgm:constr type="w" for="ch" forName="spacerL" refType="w" refFor="ch" refPtType="sibTrans" fact="0.14"/>
+      <dgm:constr type="w" for="ch" forName="spacerR" refType="w" refFor="ch" refPtType="sibTrans" fact="0.14"/>
+    </dgm:constrLst>
+    <dgm:ruleLst/>
+    <dgm:forEach name="nodesForEach" axis="ch" ptType="node">
+      <dgm:layoutNode name="node">
+        <dgm:varLst>
+          <dgm:bulletEnabled val="1"/>
+        </dgm:varLst>
+        <dgm:alg type="tx">
+          <dgm:param type="txAnchorVertCh" val="mid"/>
+        </dgm:alg>
+        <dgm:shape xmlns:r="http://schemas.openxmlformats.org/officeDocument/2006/relationships" type="ellipse" r:blip="">
+          <dgm:adjLst/>
+        </dgm:shape>
+        <dgm:presOf axis="desOrSelf" ptType="node"/>
+        <dgm:constrLst>
+          <dgm:constr type="h" refType="w"/>
+          <dgm:constr type="tMarg" refType="primFontSz" fact="0.1"/>
+          <dgm:constr type="bMarg" refType="primFontSz" fact="0.1"/>
+          <dgm:constr type="lMarg" refType="primFontSz" fact="0.1"/>
+          <dgm:constr type="rMarg" refType="primFontSz" fact="0.1"/>
+        </dgm:constrLst>
+        <dgm:ruleLst>
+          <dgm:rule type="primFontSz" val="5" fact="NaN" max="NaN"/>
+        </dgm:ruleLst>
+      </dgm:layoutNode>
+      <dgm:forEach name="sibTransForEach" axis="followSib" ptType="sibTrans" cnt="1">
+        <dgm:layoutNode name="spacerL">
+          <dgm:alg type="sp"/>
+          <dgm:shape xmlns:r="http://schemas.openxmlformats.org/officeDocument/2006/relationships" r:blip="">
+            <dgm:adjLst/>
+          </dgm:shape>
+          <dgm:presOf/>
+          <dgm:constrLst/>
+          <dgm:ruleLst/>
+        </dgm:layoutNode>
+        <dgm:layoutNode name="sibTrans">
+          <dgm:alg type="tx"/>
+          <dgm:choose name="Name3">
+            <dgm:if name="Name4" axis="followSib" ptType="sibTrans" func="cnt" op="equ" val="0">
+              <dgm:shape xmlns:r="http://schemas.openxmlformats.org/officeDocument/2006/relationships" type="mathEqual" r:blip="">
+                <dgm:adjLst/>
+              </dgm:shape>
+            </dgm:if>
+            <dgm:else name="Name5">
+              <dgm:shape xmlns:r="http://schemas.openxmlformats.org/officeDocument/2006/relationships" type="mathPlus" r:blip="">
+                <dgm:adjLst/>
+              </dgm:shape>
+            </dgm:else>
+          </dgm:choose>
+          <dgm:presOf axis="self"/>
+          <dgm:constrLst>
+            <dgm:constr type="h" refType="w"/>
+            <dgm:constr type="lMarg"/>
+            <dgm:constr type="rMarg"/>
+            <dgm:constr type="tMarg"/>
+            <dgm:constr type="bMarg"/>
+          </dgm:constrLst>
+          <dgm:ruleLst>
+            <dgm:rule type="primFontSz" val="5" fact="NaN" max="NaN"/>
+          </dgm:ruleLst>
+        </dgm:layoutNode>
+        <dgm:layoutNode name="spacerR">
+          <dgm:alg type="sp"/>
+          <dgm:shape xmlns:r="http://schemas.openxmlformats.org/officeDocument/2006/relationships" r:blip="">
+            <dgm:adjLst/>
+          </dgm:shape>
+          <dgm:presOf/>
+          <dgm:constrLst/>
+          <dgm:ruleLst/>
+        </dgm:layoutNode>
+      </dgm:forEach>
+    </dgm:forEach>
+  </dgm:layoutNode>
+</dgm:layoutDef>
+</file>
+
 <file path=ppt/diagrams/quickStyle1.xml><?xml version="1.0" encoding="utf-8"?>
 <dgm:styleDef xmlns:dgm="http://schemas.openxmlformats.org/drawingml/2006/diagram" xmlns:a="http://schemas.openxmlformats.org/drawingml/2006/main" uniqueId="urn:microsoft.com/office/officeart/2005/8/quickstyle/simple5">
   <dgm:title val=""/>
@@ -3350,6 +7039,2074 @@
         <a:scrgbClr r="0" g="0" b="0"/>
       </a:fillRef>
       <a:effectRef idx="3">
+        <a:scrgbClr r="0" g="0" b="0"/>
+      </a:effectRef>
+      <a:fontRef idx="minor"/>
+    </dgm:style>
+  </dgm:styleLbl>
+  <dgm:styleLbl name="revTx">
+    <dgm:scene3d>
+      <a:camera prst="orthographicFront"/>
+      <a:lightRig rig="threePt" dir="t"/>
+    </dgm:scene3d>
+    <dgm:sp3d/>
+    <dgm:txPr/>
+    <dgm:style>
+      <a:lnRef idx="0">
+        <a:scrgbClr r="0" g="0" b="0"/>
+      </a:lnRef>
+      <a:fillRef idx="0">
+        <a:scrgbClr r="0" g="0" b="0"/>
+      </a:fillRef>
+      <a:effectRef idx="0">
+        <a:scrgbClr r="0" g="0" b="0"/>
+      </a:effectRef>
+      <a:fontRef idx="minor"/>
+    </dgm:style>
+  </dgm:styleLbl>
+</dgm:styleDef>
+</file>
+
+<file path=ppt/diagrams/quickStyle2.xml><?xml version="1.0" encoding="utf-8"?>
+<dgm:styleDef xmlns:dgm="http://schemas.openxmlformats.org/drawingml/2006/diagram" xmlns:a="http://schemas.openxmlformats.org/drawingml/2006/main" uniqueId="urn:microsoft.com/office/officeart/2005/8/quickstyle/simple4">
+  <dgm:title val=""/>
+  <dgm:desc val=""/>
+  <dgm:catLst>
+    <dgm:cat type="simple" pri="10400"/>
+  </dgm:catLst>
+  <dgm:scene3d>
+    <a:camera prst="orthographicFront"/>
+    <a:lightRig rig="threePt" dir="t"/>
+  </dgm:scene3d>
+  <dgm:styleLbl name="node0">
+    <dgm:scene3d>
+      <a:camera prst="orthographicFront"/>
+      <a:lightRig rig="threePt" dir="t"/>
+    </dgm:scene3d>
+    <dgm:sp3d/>
+    <dgm:txPr/>
+    <dgm:style>
+      <a:lnRef idx="0">
+        <a:scrgbClr r="0" g="0" b="0"/>
+      </a:lnRef>
+      <a:fillRef idx="3">
+        <a:scrgbClr r="0" g="0" b="0"/>
+      </a:fillRef>
+      <a:effectRef idx="2">
+        <a:scrgbClr r="0" g="0" b="0"/>
+      </a:effectRef>
+      <a:fontRef idx="minor">
+        <a:schemeClr val="lt1"/>
+      </a:fontRef>
+    </dgm:style>
+  </dgm:styleLbl>
+  <dgm:styleLbl name="lnNode1">
+    <dgm:scene3d>
+      <a:camera prst="orthographicFront"/>
+      <a:lightRig rig="threePt" dir="t"/>
+    </dgm:scene3d>
+    <dgm:sp3d/>
+    <dgm:txPr/>
+    <dgm:style>
+      <a:lnRef idx="1">
+        <a:scrgbClr r="0" g="0" b="0"/>
+      </a:lnRef>
+      <a:fillRef idx="3">
+        <a:scrgbClr r="0" g="0" b="0"/>
+      </a:fillRef>
+      <a:effectRef idx="2">
+        <a:scrgbClr r="0" g="0" b="0"/>
+      </a:effectRef>
+      <a:fontRef idx="minor">
+        <a:schemeClr val="lt1"/>
+      </a:fontRef>
+    </dgm:style>
+  </dgm:styleLbl>
+  <dgm:styleLbl name="vennNode1">
+    <dgm:scene3d>
+      <a:camera prst="orthographicFront"/>
+      <a:lightRig rig="threePt" dir="t"/>
+    </dgm:scene3d>
+    <dgm:sp3d/>
+    <dgm:txPr/>
+    <dgm:style>
+      <a:lnRef idx="0">
+        <a:scrgbClr r="0" g="0" b="0"/>
+      </a:lnRef>
+      <a:fillRef idx="3">
+        <a:scrgbClr r="0" g="0" b="0"/>
+      </a:fillRef>
+      <a:effectRef idx="0">
+        <a:scrgbClr r="0" g="0" b="0"/>
+      </a:effectRef>
+      <a:fontRef idx="minor">
+        <a:schemeClr val="tx1"/>
+      </a:fontRef>
+    </dgm:style>
+  </dgm:styleLbl>
+  <dgm:styleLbl name="alignNode1">
+    <dgm:scene3d>
+      <a:camera prst="orthographicFront"/>
+      <a:lightRig rig="threePt" dir="t"/>
+    </dgm:scene3d>
+    <dgm:sp3d/>
+    <dgm:txPr/>
+    <dgm:style>
+      <a:lnRef idx="1">
+        <a:scrgbClr r="0" g="0" b="0"/>
+      </a:lnRef>
+      <a:fillRef idx="3">
+        <a:scrgbClr r="0" g="0" b="0"/>
+      </a:fillRef>
+      <a:effectRef idx="2">
+        <a:scrgbClr r="0" g="0" b="0"/>
+      </a:effectRef>
+      <a:fontRef idx="minor">
+        <a:schemeClr val="lt1"/>
+      </a:fontRef>
+    </dgm:style>
+  </dgm:styleLbl>
+  <dgm:styleLbl name="node1">
+    <dgm:scene3d>
+      <a:camera prst="orthographicFront"/>
+      <a:lightRig rig="threePt" dir="t"/>
+    </dgm:scene3d>
+    <dgm:sp3d/>
+    <dgm:txPr/>
+    <dgm:style>
+      <a:lnRef idx="0">
+        <a:scrgbClr r="0" g="0" b="0"/>
+      </a:lnRef>
+      <a:fillRef idx="3">
+        <a:scrgbClr r="0" g="0" b="0"/>
+      </a:fillRef>
+      <a:effectRef idx="2">
+        <a:scrgbClr r="0" g="0" b="0"/>
+      </a:effectRef>
+      <a:fontRef idx="minor">
+        <a:schemeClr val="lt1"/>
+      </a:fontRef>
+    </dgm:style>
+  </dgm:styleLbl>
+  <dgm:styleLbl name="node2">
+    <dgm:scene3d>
+      <a:camera prst="orthographicFront"/>
+      <a:lightRig rig="threePt" dir="t"/>
+    </dgm:scene3d>
+    <dgm:sp3d/>
+    <dgm:txPr/>
+    <dgm:style>
+      <a:lnRef idx="0">
+        <a:scrgbClr r="0" g="0" b="0"/>
+      </a:lnRef>
+      <a:fillRef idx="3">
+        <a:scrgbClr r="0" g="0" b="0"/>
+      </a:fillRef>
+      <a:effectRef idx="2">
+        <a:scrgbClr r="0" g="0" b="0"/>
+      </a:effectRef>
+      <a:fontRef idx="minor">
+        <a:schemeClr val="lt1"/>
+      </a:fontRef>
+    </dgm:style>
+  </dgm:styleLbl>
+  <dgm:styleLbl name="node3">
+    <dgm:scene3d>
+      <a:camera prst="orthographicFront"/>
+      <a:lightRig rig="threePt" dir="t"/>
+    </dgm:scene3d>
+    <dgm:sp3d/>
+    <dgm:txPr/>
+    <dgm:style>
+      <a:lnRef idx="0">
+        <a:scrgbClr r="0" g="0" b="0"/>
+      </a:lnRef>
+      <a:fillRef idx="3">
+        <a:scrgbClr r="0" g="0" b="0"/>
+      </a:fillRef>
+      <a:effectRef idx="2">
+        <a:scrgbClr r="0" g="0" b="0"/>
+      </a:effectRef>
+      <a:fontRef idx="minor">
+        <a:schemeClr val="lt1"/>
+      </a:fontRef>
+    </dgm:style>
+  </dgm:styleLbl>
+  <dgm:styleLbl name="node4">
+    <dgm:scene3d>
+      <a:camera prst="orthographicFront"/>
+      <a:lightRig rig="threePt" dir="t"/>
+    </dgm:scene3d>
+    <dgm:sp3d/>
+    <dgm:txPr/>
+    <dgm:style>
+      <a:lnRef idx="0">
+        <a:scrgbClr r="0" g="0" b="0"/>
+      </a:lnRef>
+      <a:fillRef idx="3">
+        <a:scrgbClr r="0" g="0" b="0"/>
+      </a:fillRef>
+      <a:effectRef idx="2">
+        <a:scrgbClr r="0" g="0" b="0"/>
+      </a:effectRef>
+      <a:fontRef idx="minor">
+        <a:schemeClr val="lt1"/>
+      </a:fontRef>
+    </dgm:style>
+  </dgm:styleLbl>
+  <dgm:styleLbl name="fgImgPlace1">
+    <dgm:scene3d>
+      <a:camera prst="orthographicFront"/>
+      <a:lightRig rig="threePt" dir="t"/>
+    </dgm:scene3d>
+    <dgm:sp3d/>
+    <dgm:txPr/>
+    <dgm:style>
+      <a:lnRef idx="0">
+        <a:scrgbClr r="0" g="0" b="0"/>
+      </a:lnRef>
+      <a:fillRef idx="1">
+        <a:scrgbClr r="0" g="0" b="0"/>
+      </a:fillRef>
+      <a:effectRef idx="2">
+        <a:scrgbClr r="0" g="0" b="0"/>
+      </a:effectRef>
+      <a:fontRef idx="minor"/>
+    </dgm:style>
+  </dgm:styleLbl>
+  <dgm:styleLbl name="alignImgPlace1">
+    <dgm:scene3d>
+      <a:camera prst="orthographicFront"/>
+      <a:lightRig rig="threePt" dir="t"/>
+    </dgm:scene3d>
+    <dgm:sp3d/>
+    <dgm:txPr/>
+    <dgm:style>
+      <a:lnRef idx="0">
+        <a:scrgbClr r="0" g="0" b="0"/>
+      </a:lnRef>
+      <a:fillRef idx="1">
+        <a:scrgbClr r="0" g="0" b="0"/>
+      </a:fillRef>
+      <a:effectRef idx="2">
+        <a:scrgbClr r="0" g="0" b="0"/>
+      </a:effectRef>
+      <a:fontRef idx="minor"/>
+    </dgm:style>
+  </dgm:styleLbl>
+  <dgm:styleLbl name="bgImgPlace1">
+    <dgm:scene3d>
+      <a:camera prst="orthographicFront"/>
+      <a:lightRig rig="threePt" dir="t"/>
+    </dgm:scene3d>
+    <dgm:sp3d/>
+    <dgm:txPr/>
+    <dgm:style>
+      <a:lnRef idx="0">
+        <a:scrgbClr r="0" g="0" b="0"/>
+      </a:lnRef>
+      <a:fillRef idx="1">
+        <a:scrgbClr r="0" g="0" b="0"/>
+      </a:fillRef>
+      <a:effectRef idx="2">
+        <a:scrgbClr r="0" g="0" b="0"/>
+      </a:effectRef>
+      <a:fontRef idx="minor"/>
+    </dgm:style>
+  </dgm:styleLbl>
+  <dgm:styleLbl name="sibTrans2D1">
+    <dgm:scene3d>
+      <a:camera prst="orthographicFront"/>
+      <a:lightRig rig="threePt" dir="t"/>
+    </dgm:scene3d>
+    <dgm:sp3d/>
+    <dgm:txPr/>
+    <dgm:style>
+      <a:lnRef idx="0">
+        <a:scrgbClr r="0" g="0" b="0"/>
+      </a:lnRef>
+      <a:fillRef idx="3">
+        <a:scrgbClr r="0" g="0" b="0"/>
+      </a:fillRef>
+      <a:effectRef idx="2">
+        <a:scrgbClr r="0" g="0" b="0"/>
+      </a:effectRef>
+      <a:fontRef idx="minor">
+        <a:schemeClr val="lt1"/>
+      </a:fontRef>
+    </dgm:style>
+  </dgm:styleLbl>
+  <dgm:styleLbl name="fgSibTrans2D1">
+    <dgm:scene3d>
+      <a:camera prst="orthographicFront"/>
+      <a:lightRig rig="threePt" dir="t"/>
+    </dgm:scene3d>
+    <dgm:sp3d/>
+    <dgm:txPr/>
+    <dgm:style>
+      <a:lnRef idx="0">
+        <a:scrgbClr r="0" g="0" b="0"/>
+      </a:lnRef>
+      <a:fillRef idx="3">
+        <a:scrgbClr r="0" g="0" b="0"/>
+      </a:fillRef>
+      <a:effectRef idx="2">
+        <a:scrgbClr r="0" g="0" b="0"/>
+      </a:effectRef>
+      <a:fontRef idx="minor">
+        <a:schemeClr val="lt1"/>
+      </a:fontRef>
+    </dgm:style>
+  </dgm:styleLbl>
+  <dgm:styleLbl name="bgSibTrans2D1">
+    <dgm:scene3d>
+      <a:camera prst="orthographicFront"/>
+      <a:lightRig rig="threePt" dir="t"/>
+    </dgm:scene3d>
+    <dgm:sp3d/>
+    <dgm:txPr/>
+    <dgm:style>
+      <a:lnRef idx="0">
+        <a:scrgbClr r="0" g="0" b="0"/>
+      </a:lnRef>
+      <a:fillRef idx="3">
+        <a:scrgbClr r="0" g="0" b="0"/>
+      </a:fillRef>
+      <a:effectRef idx="2">
+        <a:scrgbClr r="0" g="0" b="0"/>
+      </a:effectRef>
+      <a:fontRef idx="minor">
+        <a:schemeClr val="lt1"/>
+      </a:fontRef>
+    </dgm:style>
+  </dgm:styleLbl>
+  <dgm:styleLbl name="sibTrans1D1">
+    <dgm:scene3d>
+      <a:camera prst="orthographicFront"/>
+      <a:lightRig rig="threePt" dir="t"/>
+    </dgm:scene3d>
+    <dgm:sp3d/>
+    <dgm:txPr/>
+    <dgm:style>
+      <a:lnRef idx="1">
+        <a:scrgbClr r="0" g="0" b="0"/>
+      </a:lnRef>
+      <a:fillRef idx="0">
+        <a:scrgbClr r="0" g="0" b="0"/>
+      </a:fillRef>
+      <a:effectRef idx="0">
+        <a:scrgbClr r="0" g="0" b="0"/>
+      </a:effectRef>
+      <a:fontRef idx="minor"/>
+    </dgm:style>
+  </dgm:styleLbl>
+  <dgm:styleLbl name="callout">
+    <dgm:scene3d>
+      <a:camera prst="orthographicFront"/>
+      <a:lightRig rig="threePt" dir="t"/>
+    </dgm:scene3d>
+    <dgm:sp3d/>
+    <dgm:txPr/>
+    <dgm:style>
+      <a:lnRef idx="2">
+        <a:scrgbClr r="0" g="0" b="0"/>
+      </a:lnRef>
+      <a:fillRef idx="1">
+        <a:scrgbClr r="0" g="0" b="0"/>
+      </a:fillRef>
+      <a:effectRef idx="1">
+        <a:scrgbClr r="0" g="0" b="0"/>
+      </a:effectRef>
+      <a:fontRef idx="minor"/>
+    </dgm:style>
+  </dgm:styleLbl>
+  <dgm:styleLbl name="asst0">
+    <dgm:scene3d>
+      <a:camera prst="orthographicFront"/>
+      <a:lightRig rig="threePt" dir="t"/>
+    </dgm:scene3d>
+    <dgm:sp3d/>
+    <dgm:txPr/>
+    <dgm:style>
+      <a:lnRef idx="0">
+        <a:scrgbClr r="0" g="0" b="0"/>
+      </a:lnRef>
+      <a:fillRef idx="3">
+        <a:scrgbClr r="0" g="0" b="0"/>
+      </a:fillRef>
+      <a:effectRef idx="2">
+        <a:scrgbClr r="0" g="0" b="0"/>
+      </a:effectRef>
+      <a:fontRef idx="minor">
+        <a:schemeClr val="lt1"/>
+      </a:fontRef>
+    </dgm:style>
+  </dgm:styleLbl>
+  <dgm:styleLbl name="asst1">
+    <dgm:scene3d>
+      <a:camera prst="orthographicFront"/>
+      <a:lightRig rig="threePt" dir="t"/>
+    </dgm:scene3d>
+    <dgm:sp3d/>
+    <dgm:txPr/>
+    <dgm:style>
+      <a:lnRef idx="0">
+        <a:scrgbClr r="0" g="0" b="0"/>
+      </a:lnRef>
+      <a:fillRef idx="3">
+        <a:scrgbClr r="0" g="0" b="0"/>
+      </a:fillRef>
+      <a:effectRef idx="2">
+        <a:scrgbClr r="0" g="0" b="0"/>
+      </a:effectRef>
+      <a:fontRef idx="minor">
+        <a:schemeClr val="lt1"/>
+      </a:fontRef>
+    </dgm:style>
+  </dgm:styleLbl>
+  <dgm:styleLbl name="asst2">
+    <dgm:scene3d>
+      <a:camera prst="orthographicFront"/>
+      <a:lightRig rig="threePt" dir="t"/>
+    </dgm:scene3d>
+    <dgm:sp3d/>
+    <dgm:txPr/>
+    <dgm:style>
+      <a:lnRef idx="0">
+        <a:scrgbClr r="0" g="0" b="0"/>
+      </a:lnRef>
+      <a:fillRef idx="3">
+        <a:scrgbClr r="0" g="0" b="0"/>
+      </a:fillRef>
+      <a:effectRef idx="2">
+        <a:scrgbClr r="0" g="0" b="0"/>
+      </a:effectRef>
+      <a:fontRef idx="minor">
+        <a:schemeClr val="lt1"/>
+      </a:fontRef>
+    </dgm:style>
+  </dgm:styleLbl>
+  <dgm:styleLbl name="asst3">
+    <dgm:scene3d>
+      <a:camera prst="orthographicFront"/>
+      <a:lightRig rig="threePt" dir="t"/>
+    </dgm:scene3d>
+    <dgm:sp3d/>
+    <dgm:txPr/>
+    <dgm:style>
+      <a:lnRef idx="0">
+        <a:scrgbClr r="0" g="0" b="0"/>
+      </a:lnRef>
+      <a:fillRef idx="3">
+        <a:scrgbClr r="0" g="0" b="0"/>
+      </a:fillRef>
+      <a:effectRef idx="2">
+        <a:scrgbClr r="0" g="0" b="0"/>
+      </a:effectRef>
+      <a:fontRef idx="minor">
+        <a:schemeClr val="lt1"/>
+      </a:fontRef>
+    </dgm:style>
+  </dgm:styleLbl>
+  <dgm:styleLbl name="asst4">
+    <dgm:scene3d>
+      <a:camera prst="orthographicFront"/>
+      <a:lightRig rig="threePt" dir="t"/>
+    </dgm:scene3d>
+    <dgm:sp3d/>
+    <dgm:txPr/>
+    <dgm:style>
+      <a:lnRef idx="0">
+        <a:scrgbClr r="0" g="0" b="0"/>
+      </a:lnRef>
+      <a:fillRef idx="3">
+        <a:scrgbClr r="0" g="0" b="0"/>
+      </a:fillRef>
+      <a:effectRef idx="2">
+        <a:scrgbClr r="0" g="0" b="0"/>
+      </a:effectRef>
+      <a:fontRef idx="minor">
+        <a:schemeClr val="lt1"/>
+      </a:fontRef>
+    </dgm:style>
+  </dgm:styleLbl>
+  <dgm:styleLbl name="parChTrans2D1">
+    <dgm:scene3d>
+      <a:camera prst="orthographicFront"/>
+      <a:lightRig rig="threePt" dir="t"/>
+    </dgm:scene3d>
+    <dgm:sp3d/>
+    <dgm:txPr/>
+    <dgm:style>
+      <a:lnRef idx="0">
+        <a:scrgbClr r="0" g="0" b="0"/>
+      </a:lnRef>
+      <a:fillRef idx="3">
+        <a:scrgbClr r="0" g="0" b="0"/>
+      </a:fillRef>
+      <a:effectRef idx="2">
+        <a:scrgbClr r="0" g="0" b="0"/>
+      </a:effectRef>
+      <a:fontRef idx="minor">
+        <a:schemeClr val="lt1"/>
+      </a:fontRef>
+    </dgm:style>
+  </dgm:styleLbl>
+  <dgm:styleLbl name="parChTrans2D2">
+    <dgm:scene3d>
+      <a:camera prst="orthographicFront"/>
+      <a:lightRig rig="threePt" dir="t"/>
+    </dgm:scene3d>
+    <dgm:sp3d/>
+    <dgm:txPr/>
+    <dgm:style>
+      <a:lnRef idx="0">
+        <a:scrgbClr r="0" g="0" b="0"/>
+      </a:lnRef>
+      <a:fillRef idx="3">
+        <a:scrgbClr r="0" g="0" b="0"/>
+      </a:fillRef>
+      <a:effectRef idx="2">
+        <a:scrgbClr r="0" g="0" b="0"/>
+      </a:effectRef>
+      <a:fontRef idx="minor">
+        <a:schemeClr val="lt1"/>
+      </a:fontRef>
+    </dgm:style>
+  </dgm:styleLbl>
+  <dgm:styleLbl name="parChTrans2D3">
+    <dgm:scene3d>
+      <a:camera prst="orthographicFront"/>
+      <a:lightRig rig="threePt" dir="t"/>
+    </dgm:scene3d>
+    <dgm:sp3d/>
+    <dgm:txPr/>
+    <dgm:style>
+      <a:lnRef idx="1">
+        <a:scrgbClr r="0" g="0" b="0"/>
+      </a:lnRef>
+      <a:fillRef idx="3">
+        <a:scrgbClr r="0" g="0" b="0"/>
+      </a:fillRef>
+      <a:effectRef idx="2">
+        <a:scrgbClr r="0" g="0" b="0"/>
+      </a:effectRef>
+      <a:fontRef idx="minor">
+        <a:schemeClr val="lt1"/>
+      </a:fontRef>
+    </dgm:style>
+  </dgm:styleLbl>
+  <dgm:styleLbl name="parChTrans2D4">
+    <dgm:scene3d>
+      <a:camera prst="orthographicFront"/>
+      <a:lightRig rig="threePt" dir="t"/>
+    </dgm:scene3d>
+    <dgm:sp3d/>
+    <dgm:txPr/>
+    <dgm:style>
+      <a:lnRef idx="1">
+        <a:scrgbClr r="0" g="0" b="0"/>
+      </a:lnRef>
+      <a:fillRef idx="3">
+        <a:scrgbClr r="0" g="0" b="0"/>
+      </a:fillRef>
+      <a:effectRef idx="2">
+        <a:scrgbClr r="0" g="0" b="0"/>
+      </a:effectRef>
+      <a:fontRef idx="minor">
+        <a:schemeClr val="lt1"/>
+      </a:fontRef>
+    </dgm:style>
+  </dgm:styleLbl>
+  <dgm:styleLbl name="parChTrans1D1">
+    <dgm:scene3d>
+      <a:camera prst="orthographicFront"/>
+      <a:lightRig rig="threePt" dir="t"/>
+    </dgm:scene3d>
+    <dgm:sp3d/>
+    <dgm:txPr/>
+    <dgm:style>
+      <a:lnRef idx="1">
+        <a:scrgbClr r="0" g="0" b="0"/>
+      </a:lnRef>
+      <a:fillRef idx="0">
+        <a:scrgbClr r="0" g="0" b="0"/>
+      </a:fillRef>
+      <a:effectRef idx="0">
+        <a:scrgbClr r="0" g="0" b="0"/>
+      </a:effectRef>
+      <a:fontRef idx="minor"/>
+    </dgm:style>
+  </dgm:styleLbl>
+  <dgm:styleLbl name="parChTrans1D2">
+    <dgm:scene3d>
+      <a:camera prst="orthographicFront"/>
+      <a:lightRig rig="threePt" dir="t"/>
+    </dgm:scene3d>
+    <dgm:sp3d/>
+    <dgm:txPr/>
+    <dgm:style>
+      <a:lnRef idx="1">
+        <a:scrgbClr r="0" g="0" b="0"/>
+      </a:lnRef>
+      <a:fillRef idx="0">
+        <a:scrgbClr r="0" g="0" b="0"/>
+      </a:fillRef>
+      <a:effectRef idx="0">
+        <a:scrgbClr r="0" g="0" b="0"/>
+      </a:effectRef>
+      <a:fontRef idx="minor"/>
+    </dgm:style>
+  </dgm:styleLbl>
+  <dgm:styleLbl name="parChTrans1D3">
+    <dgm:scene3d>
+      <a:camera prst="orthographicFront"/>
+      <a:lightRig rig="threePt" dir="t"/>
+    </dgm:scene3d>
+    <dgm:sp3d/>
+    <dgm:txPr/>
+    <dgm:style>
+      <a:lnRef idx="1">
+        <a:scrgbClr r="0" g="0" b="0"/>
+      </a:lnRef>
+      <a:fillRef idx="0">
+        <a:scrgbClr r="0" g="0" b="0"/>
+      </a:fillRef>
+      <a:effectRef idx="0">
+        <a:scrgbClr r="0" g="0" b="0"/>
+      </a:effectRef>
+      <a:fontRef idx="minor"/>
+    </dgm:style>
+  </dgm:styleLbl>
+  <dgm:styleLbl name="parChTrans1D4">
+    <dgm:scene3d>
+      <a:camera prst="orthographicFront"/>
+      <a:lightRig rig="threePt" dir="t"/>
+    </dgm:scene3d>
+    <dgm:sp3d/>
+    <dgm:txPr/>
+    <dgm:style>
+      <a:lnRef idx="1">
+        <a:scrgbClr r="0" g="0" b="0"/>
+      </a:lnRef>
+      <a:fillRef idx="0">
+        <a:scrgbClr r="0" g="0" b="0"/>
+      </a:fillRef>
+      <a:effectRef idx="0">
+        <a:scrgbClr r="0" g="0" b="0"/>
+      </a:effectRef>
+      <a:fontRef idx="minor"/>
+    </dgm:style>
+  </dgm:styleLbl>
+  <dgm:styleLbl name="fgAcc1">
+    <dgm:scene3d>
+      <a:camera prst="orthographicFront"/>
+      <a:lightRig rig="threePt" dir="t"/>
+    </dgm:scene3d>
+    <dgm:sp3d/>
+    <dgm:txPr/>
+    <dgm:style>
+      <a:lnRef idx="1">
+        <a:scrgbClr r="0" g="0" b="0"/>
+      </a:lnRef>
+      <a:fillRef idx="1">
+        <a:scrgbClr r="0" g="0" b="0"/>
+      </a:fillRef>
+      <a:effectRef idx="0">
+        <a:scrgbClr r="0" g="0" b="0"/>
+      </a:effectRef>
+      <a:fontRef idx="minor"/>
+    </dgm:style>
+  </dgm:styleLbl>
+  <dgm:styleLbl name="conFgAcc1">
+    <dgm:scene3d>
+      <a:camera prst="orthographicFront"/>
+      <a:lightRig rig="threePt" dir="t"/>
+    </dgm:scene3d>
+    <dgm:sp3d/>
+    <dgm:txPr/>
+    <dgm:style>
+      <a:lnRef idx="1">
+        <a:scrgbClr r="0" g="0" b="0"/>
+      </a:lnRef>
+      <a:fillRef idx="1">
+        <a:scrgbClr r="0" g="0" b="0"/>
+      </a:fillRef>
+      <a:effectRef idx="0">
+        <a:scrgbClr r="0" g="0" b="0"/>
+      </a:effectRef>
+      <a:fontRef idx="minor"/>
+    </dgm:style>
+  </dgm:styleLbl>
+  <dgm:styleLbl name="alignAcc1">
+    <dgm:scene3d>
+      <a:camera prst="orthographicFront"/>
+      <a:lightRig rig="threePt" dir="t"/>
+    </dgm:scene3d>
+    <dgm:sp3d/>
+    <dgm:txPr/>
+    <dgm:style>
+      <a:lnRef idx="1">
+        <a:scrgbClr r="0" g="0" b="0"/>
+      </a:lnRef>
+      <a:fillRef idx="1">
+        <a:scrgbClr r="0" g="0" b="0"/>
+      </a:fillRef>
+      <a:effectRef idx="0">
+        <a:scrgbClr r="0" g="0" b="0"/>
+      </a:effectRef>
+      <a:fontRef idx="minor"/>
+    </dgm:style>
+  </dgm:styleLbl>
+  <dgm:styleLbl name="trAlignAcc1">
+    <dgm:scene3d>
+      <a:camera prst="orthographicFront"/>
+      <a:lightRig rig="threePt" dir="t"/>
+    </dgm:scene3d>
+    <dgm:sp3d/>
+    <dgm:txPr/>
+    <dgm:style>
+      <a:lnRef idx="1">
+        <a:scrgbClr r="0" g="0" b="0"/>
+      </a:lnRef>
+      <a:fillRef idx="1">
+        <a:scrgbClr r="0" g="0" b="0"/>
+      </a:fillRef>
+      <a:effectRef idx="0">
+        <a:scrgbClr r="0" g="0" b="0"/>
+      </a:effectRef>
+      <a:fontRef idx="minor"/>
+    </dgm:style>
+  </dgm:styleLbl>
+  <dgm:styleLbl name="bgAcc1">
+    <dgm:scene3d>
+      <a:camera prst="orthographicFront"/>
+      <a:lightRig rig="threePt" dir="t"/>
+    </dgm:scene3d>
+    <dgm:sp3d/>
+    <dgm:txPr/>
+    <dgm:style>
+      <a:lnRef idx="1">
+        <a:scrgbClr r="0" g="0" b="0"/>
+      </a:lnRef>
+      <a:fillRef idx="1">
+        <a:scrgbClr r="0" g="0" b="0"/>
+      </a:fillRef>
+      <a:effectRef idx="0">
+        <a:scrgbClr r="0" g="0" b="0"/>
+      </a:effectRef>
+      <a:fontRef idx="minor"/>
+    </dgm:style>
+  </dgm:styleLbl>
+  <dgm:styleLbl name="solidFgAcc1">
+    <dgm:scene3d>
+      <a:camera prst="orthographicFront"/>
+      <a:lightRig rig="threePt" dir="t"/>
+    </dgm:scene3d>
+    <dgm:sp3d/>
+    <dgm:txPr/>
+    <dgm:style>
+      <a:lnRef idx="1">
+        <a:scrgbClr r="0" g="0" b="0"/>
+      </a:lnRef>
+      <a:fillRef idx="1">
+        <a:scrgbClr r="0" g="0" b="0"/>
+      </a:fillRef>
+      <a:effectRef idx="0">
+        <a:scrgbClr r="0" g="0" b="0"/>
+      </a:effectRef>
+      <a:fontRef idx="minor"/>
+    </dgm:style>
+  </dgm:styleLbl>
+  <dgm:styleLbl name="solidAlignAcc1">
+    <dgm:scene3d>
+      <a:camera prst="orthographicFront"/>
+      <a:lightRig rig="threePt" dir="t"/>
+    </dgm:scene3d>
+    <dgm:sp3d/>
+    <dgm:txPr/>
+    <dgm:style>
+      <a:lnRef idx="1">
+        <a:scrgbClr r="0" g="0" b="0"/>
+      </a:lnRef>
+      <a:fillRef idx="1">
+        <a:scrgbClr r="0" g="0" b="0"/>
+      </a:fillRef>
+      <a:effectRef idx="0">
+        <a:scrgbClr r="0" g="0" b="0"/>
+      </a:effectRef>
+      <a:fontRef idx="minor"/>
+    </dgm:style>
+  </dgm:styleLbl>
+  <dgm:styleLbl name="solidBgAcc1">
+    <dgm:scene3d>
+      <a:camera prst="orthographicFront"/>
+      <a:lightRig rig="threePt" dir="t"/>
+    </dgm:scene3d>
+    <dgm:sp3d/>
+    <dgm:txPr/>
+    <dgm:style>
+      <a:lnRef idx="1">
+        <a:scrgbClr r="0" g="0" b="0"/>
+      </a:lnRef>
+      <a:fillRef idx="1">
+        <a:scrgbClr r="0" g="0" b="0"/>
+      </a:fillRef>
+      <a:effectRef idx="0">
+        <a:scrgbClr r="0" g="0" b="0"/>
+      </a:effectRef>
+      <a:fontRef idx="minor"/>
+    </dgm:style>
+  </dgm:styleLbl>
+  <dgm:styleLbl name="fgAccFollowNode1">
+    <dgm:scene3d>
+      <a:camera prst="orthographicFront"/>
+      <a:lightRig rig="threePt" dir="t"/>
+    </dgm:scene3d>
+    <dgm:sp3d/>
+    <dgm:txPr/>
+    <dgm:style>
+      <a:lnRef idx="1">
+        <a:scrgbClr r="0" g="0" b="0"/>
+      </a:lnRef>
+      <a:fillRef idx="1">
+        <a:scrgbClr r="0" g="0" b="0"/>
+      </a:fillRef>
+      <a:effectRef idx="0">
+        <a:scrgbClr r="0" g="0" b="0"/>
+      </a:effectRef>
+      <a:fontRef idx="minor"/>
+    </dgm:style>
+  </dgm:styleLbl>
+  <dgm:styleLbl name="alignAccFollowNode1">
+    <dgm:scene3d>
+      <a:camera prst="orthographicFront"/>
+      <a:lightRig rig="threePt" dir="t"/>
+    </dgm:scene3d>
+    <dgm:sp3d/>
+    <dgm:txPr/>
+    <dgm:style>
+      <a:lnRef idx="1">
+        <a:scrgbClr r="0" g="0" b="0"/>
+      </a:lnRef>
+      <a:fillRef idx="1">
+        <a:scrgbClr r="0" g="0" b="0"/>
+      </a:fillRef>
+      <a:effectRef idx="0">
+        <a:scrgbClr r="0" g="0" b="0"/>
+      </a:effectRef>
+      <a:fontRef idx="minor"/>
+    </dgm:style>
+  </dgm:styleLbl>
+  <dgm:styleLbl name="bgAccFollowNode1">
+    <dgm:scene3d>
+      <a:camera prst="orthographicFront"/>
+      <a:lightRig rig="threePt" dir="t"/>
+    </dgm:scene3d>
+    <dgm:sp3d/>
+    <dgm:txPr/>
+    <dgm:style>
+      <a:lnRef idx="1">
+        <a:scrgbClr r="0" g="0" b="0"/>
+      </a:lnRef>
+      <a:fillRef idx="1">
+        <a:scrgbClr r="0" g="0" b="0"/>
+      </a:fillRef>
+      <a:effectRef idx="0">
+        <a:scrgbClr r="0" g="0" b="0"/>
+      </a:effectRef>
+      <a:fontRef idx="minor"/>
+    </dgm:style>
+  </dgm:styleLbl>
+  <dgm:styleLbl name="fgAcc0">
+    <dgm:scene3d>
+      <a:camera prst="orthographicFront"/>
+      <a:lightRig rig="threePt" dir="t"/>
+    </dgm:scene3d>
+    <dgm:sp3d/>
+    <dgm:txPr/>
+    <dgm:style>
+      <a:lnRef idx="1">
+        <a:scrgbClr r="0" g="0" b="0"/>
+      </a:lnRef>
+      <a:fillRef idx="1">
+        <a:scrgbClr r="0" g="0" b="0"/>
+      </a:fillRef>
+      <a:effectRef idx="0">
+        <a:scrgbClr r="0" g="0" b="0"/>
+      </a:effectRef>
+      <a:fontRef idx="minor"/>
+    </dgm:style>
+  </dgm:styleLbl>
+  <dgm:styleLbl name="fgAcc2">
+    <dgm:scene3d>
+      <a:camera prst="orthographicFront"/>
+      <a:lightRig rig="threePt" dir="t"/>
+    </dgm:scene3d>
+    <dgm:sp3d/>
+    <dgm:txPr/>
+    <dgm:style>
+      <a:lnRef idx="1">
+        <a:scrgbClr r="0" g="0" b="0"/>
+      </a:lnRef>
+      <a:fillRef idx="1">
+        <a:scrgbClr r="0" g="0" b="0"/>
+      </a:fillRef>
+      <a:effectRef idx="0">
+        <a:scrgbClr r="0" g="0" b="0"/>
+      </a:effectRef>
+      <a:fontRef idx="minor"/>
+    </dgm:style>
+  </dgm:styleLbl>
+  <dgm:styleLbl name="fgAcc3">
+    <dgm:scene3d>
+      <a:camera prst="orthographicFront"/>
+      <a:lightRig rig="threePt" dir="t"/>
+    </dgm:scene3d>
+    <dgm:sp3d/>
+    <dgm:txPr/>
+    <dgm:style>
+      <a:lnRef idx="1">
+        <a:scrgbClr r="0" g="0" b="0"/>
+      </a:lnRef>
+      <a:fillRef idx="1">
+        <a:scrgbClr r="0" g="0" b="0"/>
+      </a:fillRef>
+      <a:effectRef idx="0">
+        <a:scrgbClr r="0" g="0" b="0"/>
+      </a:effectRef>
+      <a:fontRef idx="minor"/>
+    </dgm:style>
+  </dgm:styleLbl>
+  <dgm:styleLbl name="fgAcc4">
+    <dgm:scene3d>
+      <a:camera prst="orthographicFront"/>
+      <a:lightRig rig="threePt" dir="t"/>
+    </dgm:scene3d>
+    <dgm:sp3d/>
+    <dgm:txPr/>
+    <dgm:style>
+      <a:lnRef idx="1">
+        <a:scrgbClr r="0" g="0" b="0"/>
+      </a:lnRef>
+      <a:fillRef idx="1">
+        <a:scrgbClr r="0" g="0" b="0"/>
+      </a:fillRef>
+      <a:effectRef idx="0">
+        <a:scrgbClr r="0" g="0" b="0"/>
+      </a:effectRef>
+      <a:fontRef idx="minor"/>
+    </dgm:style>
+  </dgm:styleLbl>
+  <dgm:styleLbl name="bgShp">
+    <dgm:scene3d>
+      <a:camera prst="orthographicFront"/>
+      <a:lightRig rig="threePt" dir="t"/>
+    </dgm:scene3d>
+    <dgm:sp3d/>
+    <dgm:txPr/>
+    <dgm:style>
+      <a:lnRef idx="0">
+        <a:scrgbClr r="0" g="0" b="0"/>
+      </a:lnRef>
+      <a:fillRef idx="1">
+        <a:scrgbClr r="0" g="0" b="0"/>
+      </a:fillRef>
+      <a:effectRef idx="2">
+        <a:scrgbClr r="0" g="0" b="0"/>
+      </a:effectRef>
+      <a:fontRef idx="minor"/>
+    </dgm:style>
+  </dgm:styleLbl>
+  <dgm:styleLbl name="dkBgShp">
+    <dgm:scene3d>
+      <a:camera prst="orthographicFront"/>
+      <a:lightRig rig="threePt" dir="t"/>
+    </dgm:scene3d>
+    <dgm:sp3d/>
+    <dgm:txPr/>
+    <dgm:style>
+      <a:lnRef idx="0">
+        <a:scrgbClr r="0" g="0" b="0"/>
+      </a:lnRef>
+      <a:fillRef idx="1">
+        <a:scrgbClr r="0" g="0" b="0"/>
+      </a:fillRef>
+      <a:effectRef idx="2">
+        <a:scrgbClr r="0" g="0" b="0"/>
+      </a:effectRef>
+      <a:fontRef idx="minor"/>
+    </dgm:style>
+  </dgm:styleLbl>
+  <dgm:styleLbl name="trBgShp">
+    <dgm:scene3d>
+      <a:camera prst="orthographicFront"/>
+      <a:lightRig rig="threePt" dir="t"/>
+    </dgm:scene3d>
+    <dgm:sp3d/>
+    <dgm:txPr/>
+    <dgm:style>
+      <a:lnRef idx="0">
+        <a:scrgbClr r="0" g="0" b="0"/>
+      </a:lnRef>
+      <a:fillRef idx="1">
+        <a:scrgbClr r="0" g="0" b="0"/>
+      </a:fillRef>
+      <a:effectRef idx="0">
+        <a:scrgbClr r="0" g="0" b="0"/>
+      </a:effectRef>
+      <a:fontRef idx="minor"/>
+    </dgm:style>
+  </dgm:styleLbl>
+  <dgm:styleLbl name="fgShp">
+    <dgm:scene3d>
+      <a:camera prst="orthographicFront"/>
+      <a:lightRig rig="threePt" dir="t"/>
+    </dgm:scene3d>
+    <dgm:sp3d/>
+    <dgm:txPr/>
+    <dgm:style>
+      <a:lnRef idx="0">
+        <a:scrgbClr r="0" g="0" b="0"/>
+      </a:lnRef>
+      <a:fillRef idx="3">
+        <a:scrgbClr r="0" g="0" b="0"/>
+      </a:fillRef>
+      <a:effectRef idx="2">
+        <a:scrgbClr r="0" g="0" b="0"/>
+      </a:effectRef>
+      <a:fontRef idx="minor"/>
+    </dgm:style>
+  </dgm:styleLbl>
+  <dgm:styleLbl name="revTx">
+    <dgm:scene3d>
+      <a:camera prst="orthographicFront"/>
+      <a:lightRig rig="threePt" dir="t"/>
+    </dgm:scene3d>
+    <dgm:sp3d/>
+    <dgm:txPr/>
+    <dgm:style>
+      <a:lnRef idx="0">
+        <a:scrgbClr r="0" g="0" b="0"/>
+      </a:lnRef>
+      <a:fillRef idx="0">
+        <a:scrgbClr r="0" g="0" b="0"/>
+      </a:fillRef>
+      <a:effectRef idx="0">
+        <a:scrgbClr r="0" g="0" b="0"/>
+      </a:effectRef>
+      <a:fontRef idx="minor"/>
+    </dgm:style>
+  </dgm:styleLbl>
+</dgm:styleDef>
+</file>
+
+<file path=ppt/diagrams/quickStyle3.xml><?xml version="1.0" encoding="utf-8"?>
+<dgm:styleDef xmlns:dgm="http://schemas.openxmlformats.org/drawingml/2006/diagram" xmlns:a="http://schemas.openxmlformats.org/drawingml/2006/main" uniqueId="urn:microsoft.com/office/officeart/2005/8/quickstyle/simple4">
+  <dgm:title val=""/>
+  <dgm:desc val=""/>
+  <dgm:catLst>
+    <dgm:cat type="simple" pri="10400"/>
+  </dgm:catLst>
+  <dgm:scene3d>
+    <a:camera prst="orthographicFront"/>
+    <a:lightRig rig="threePt" dir="t"/>
+  </dgm:scene3d>
+  <dgm:styleLbl name="node0">
+    <dgm:scene3d>
+      <a:camera prst="orthographicFront"/>
+      <a:lightRig rig="threePt" dir="t"/>
+    </dgm:scene3d>
+    <dgm:sp3d/>
+    <dgm:txPr/>
+    <dgm:style>
+      <a:lnRef idx="0">
+        <a:scrgbClr r="0" g="0" b="0"/>
+      </a:lnRef>
+      <a:fillRef idx="3">
+        <a:scrgbClr r="0" g="0" b="0"/>
+      </a:fillRef>
+      <a:effectRef idx="2">
+        <a:scrgbClr r="0" g="0" b="0"/>
+      </a:effectRef>
+      <a:fontRef idx="minor">
+        <a:schemeClr val="lt1"/>
+      </a:fontRef>
+    </dgm:style>
+  </dgm:styleLbl>
+  <dgm:styleLbl name="lnNode1">
+    <dgm:scene3d>
+      <a:camera prst="orthographicFront"/>
+      <a:lightRig rig="threePt" dir="t"/>
+    </dgm:scene3d>
+    <dgm:sp3d/>
+    <dgm:txPr/>
+    <dgm:style>
+      <a:lnRef idx="1">
+        <a:scrgbClr r="0" g="0" b="0"/>
+      </a:lnRef>
+      <a:fillRef idx="3">
+        <a:scrgbClr r="0" g="0" b="0"/>
+      </a:fillRef>
+      <a:effectRef idx="2">
+        <a:scrgbClr r="0" g="0" b="0"/>
+      </a:effectRef>
+      <a:fontRef idx="minor">
+        <a:schemeClr val="lt1"/>
+      </a:fontRef>
+    </dgm:style>
+  </dgm:styleLbl>
+  <dgm:styleLbl name="vennNode1">
+    <dgm:scene3d>
+      <a:camera prst="orthographicFront"/>
+      <a:lightRig rig="threePt" dir="t"/>
+    </dgm:scene3d>
+    <dgm:sp3d/>
+    <dgm:txPr/>
+    <dgm:style>
+      <a:lnRef idx="0">
+        <a:scrgbClr r="0" g="0" b="0"/>
+      </a:lnRef>
+      <a:fillRef idx="3">
+        <a:scrgbClr r="0" g="0" b="0"/>
+      </a:fillRef>
+      <a:effectRef idx="0">
+        <a:scrgbClr r="0" g="0" b="0"/>
+      </a:effectRef>
+      <a:fontRef idx="minor">
+        <a:schemeClr val="tx1"/>
+      </a:fontRef>
+    </dgm:style>
+  </dgm:styleLbl>
+  <dgm:styleLbl name="alignNode1">
+    <dgm:scene3d>
+      <a:camera prst="orthographicFront"/>
+      <a:lightRig rig="threePt" dir="t"/>
+    </dgm:scene3d>
+    <dgm:sp3d/>
+    <dgm:txPr/>
+    <dgm:style>
+      <a:lnRef idx="1">
+        <a:scrgbClr r="0" g="0" b="0"/>
+      </a:lnRef>
+      <a:fillRef idx="3">
+        <a:scrgbClr r="0" g="0" b="0"/>
+      </a:fillRef>
+      <a:effectRef idx="2">
+        <a:scrgbClr r="0" g="0" b="0"/>
+      </a:effectRef>
+      <a:fontRef idx="minor">
+        <a:schemeClr val="lt1"/>
+      </a:fontRef>
+    </dgm:style>
+  </dgm:styleLbl>
+  <dgm:styleLbl name="node1">
+    <dgm:scene3d>
+      <a:camera prst="orthographicFront"/>
+      <a:lightRig rig="threePt" dir="t"/>
+    </dgm:scene3d>
+    <dgm:sp3d/>
+    <dgm:txPr/>
+    <dgm:style>
+      <a:lnRef idx="0">
+        <a:scrgbClr r="0" g="0" b="0"/>
+      </a:lnRef>
+      <a:fillRef idx="3">
+        <a:scrgbClr r="0" g="0" b="0"/>
+      </a:fillRef>
+      <a:effectRef idx="2">
+        <a:scrgbClr r="0" g="0" b="0"/>
+      </a:effectRef>
+      <a:fontRef idx="minor">
+        <a:schemeClr val="lt1"/>
+      </a:fontRef>
+    </dgm:style>
+  </dgm:styleLbl>
+  <dgm:styleLbl name="node2">
+    <dgm:scene3d>
+      <a:camera prst="orthographicFront"/>
+      <a:lightRig rig="threePt" dir="t"/>
+    </dgm:scene3d>
+    <dgm:sp3d/>
+    <dgm:txPr/>
+    <dgm:style>
+      <a:lnRef idx="0">
+        <a:scrgbClr r="0" g="0" b="0"/>
+      </a:lnRef>
+      <a:fillRef idx="3">
+        <a:scrgbClr r="0" g="0" b="0"/>
+      </a:fillRef>
+      <a:effectRef idx="2">
+        <a:scrgbClr r="0" g="0" b="0"/>
+      </a:effectRef>
+      <a:fontRef idx="minor">
+        <a:schemeClr val="lt1"/>
+      </a:fontRef>
+    </dgm:style>
+  </dgm:styleLbl>
+  <dgm:styleLbl name="node3">
+    <dgm:scene3d>
+      <a:camera prst="orthographicFront"/>
+      <a:lightRig rig="threePt" dir="t"/>
+    </dgm:scene3d>
+    <dgm:sp3d/>
+    <dgm:txPr/>
+    <dgm:style>
+      <a:lnRef idx="0">
+        <a:scrgbClr r="0" g="0" b="0"/>
+      </a:lnRef>
+      <a:fillRef idx="3">
+        <a:scrgbClr r="0" g="0" b="0"/>
+      </a:fillRef>
+      <a:effectRef idx="2">
+        <a:scrgbClr r="0" g="0" b="0"/>
+      </a:effectRef>
+      <a:fontRef idx="minor">
+        <a:schemeClr val="lt1"/>
+      </a:fontRef>
+    </dgm:style>
+  </dgm:styleLbl>
+  <dgm:styleLbl name="node4">
+    <dgm:scene3d>
+      <a:camera prst="orthographicFront"/>
+      <a:lightRig rig="threePt" dir="t"/>
+    </dgm:scene3d>
+    <dgm:sp3d/>
+    <dgm:txPr/>
+    <dgm:style>
+      <a:lnRef idx="0">
+        <a:scrgbClr r="0" g="0" b="0"/>
+      </a:lnRef>
+      <a:fillRef idx="3">
+        <a:scrgbClr r="0" g="0" b="0"/>
+      </a:fillRef>
+      <a:effectRef idx="2">
+        <a:scrgbClr r="0" g="0" b="0"/>
+      </a:effectRef>
+      <a:fontRef idx="minor">
+        <a:schemeClr val="lt1"/>
+      </a:fontRef>
+    </dgm:style>
+  </dgm:styleLbl>
+  <dgm:styleLbl name="fgImgPlace1">
+    <dgm:scene3d>
+      <a:camera prst="orthographicFront"/>
+      <a:lightRig rig="threePt" dir="t"/>
+    </dgm:scene3d>
+    <dgm:sp3d/>
+    <dgm:txPr/>
+    <dgm:style>
+      <a:lnRef idx="0">
+        <a:scrgbClr r="0" g="0" b="0"/>
+      </a:lnRef>
+      <a:fillRef idx="1">
+        <a:scrgbClr r="0" g="0" b="0"/>
+      </a:fillRef>
+      <a:effectRef idx="2">
+        <a:scrgbClr r="0" g="0" b="0"/>
+      </a:effectRef>
+      <a:fontRef idx="minor"/>
+    </dgm:style>
+  </dgm:styleLbl>
+  <dgm:styleLbl name="alignImgPlace1">
+    <dgm:scene3d>
+      <a:camera prst="orthographicFront"/>
+      <a:lightRig rig="threePt" dir="t"/>
+    </dgm:scene3d>
+    <dgm:sp3d/>
+    <dgm:txPr/>
+    <dgm:style>
+      <a:lnRef idx="0">
+        <a:scrgbClr r="0" g="0" b="0"/>
+      </a:lnRef>
+      <a:fillRef idx="1">
+        <a:scrgbClr r="0" g="0" b="0"/>
+      </a:fillRef>
+      <a:effectRef idx="2">
+        <a:scrgbClr r="0" g="0" b="0"/>
+      </a:effectRef>
+      <a:fontRef idx="minor"/>
+    </dgm:style>
+  </dgm:styleLbl>
+  <dgm:styleLbl name="bgImgPlace1">
+    <dgm:scene3d>
+      <a:camera prst="orthographicFront"/>
+      <a:lightRig rig="threePt" dir="t"/>
+    </dgm:scene3d>
+    <dgm:sp3d/>
+    <dgm:txPr/>
+    <dgm:style>
+      <a:lnRef idx="0">
+        <a:scrgbClr r="0" g="0" b="0"/>
+      </a:lnRef>
+      <a:fillRef idx="1">
+        <a:scrgbClr r="0" g="0" b="0"/>
+      </a:fillRef>
+      <a:effectRef idx="2">
+        <a:scrgbClr r="0" g="0" b="0"/>
+      </a:effectRef>
+      <a:fontRef idx="minor"/>
+    </dgm:style>
+  </dgm:styleLbl>
+  <dgm:styleLbl name="sibTrans2D1">
+    <dgm:scene3d>
+      <a:camera prst="orthographicFront"/>
+      <a:lightRig rig="threePt" dir="t"/>
+    </dgm:scene3d>
+    <dgm:sp3d/>
+    <dgm:txPr/>
+    <dgm:style>
+      <a:lnRef idx="0">
+        <a:scrgbClr r="0" g="0" b="0"/>
+      </a:lnRef>
+      <a:fillRef idx="3">
+        <a:scrgbClr r="0" g="0" b="0"/>
+      </a:fillRef>
+      <a:effectRef idx="2">
+        <a:scrgbClr r="0" g="0" b="0"/>
+      </a:effectRef>
+      <a:fontRef idx="minor">
+        <a:schemeClr val="lt1"/>
+      </a:fontRef>
+    </dgm:style>
+  </dgm:styleLbl>
+  <dgm:styleLbl name="fgSibTrans2D1">
+    <dgm:scene3d>
+      <a:camera prst="orthographicFront"/>
+      <a:lightRig rig="threePt" dir="t"/>
+    </dgm:scene3d>
+    <dgm:sp3d/>
+    <dgm:txPr/>
+    <dgm:style>
+      <a:lnRef idx="0">
+        <a:scrgbClr r="0" g="0" b="0"/>
+      </a:lnRef>
+      <a:fillRef idx="3">
+        <a:scrgbClr r="0" g="0" b="0"/>
+      </a:fillRef>
+      <a:effectRef idx="2">
+        <a:scrgbClr r="0" g="0" b="0"/>
+      </a:effectRef>
+      <a:fontRef idx="minor">
+        <a:schemeClr val="lt1"/>
+      </a:fontRef>
+    </dgm:style>
+  </dgm:styleLbl>
+  <dgm:styleLbl name="bgSibTrans2D1">
+    <dgm:scene3d>
+      <a:camera prst="orthographicFront"/>
+      <a:lightRig rig="threePt" dir="t"/>
+    </dgm:scene3d>
+    <dgm:sp3d/>
+    <dgm:txPr/>
+    <dgm:style>
+      <a:lnRef idx="0">
+        <a:scrgbClr r="0" g="0" b="0"/>
+      </a:lnRef>
+      <a:fillRef idx="3">
+        <a:scrgbClr r="0" g="0" b="0"/>
+      </a:fillRef>
+      <a:effectRef idx="2">
+        <a:scrgbClr r="0" g="0" b="0"/>
+      </a:effectRef>
+      <a:fontRef idx="minor">
+        <a:schemeClr val="lt1"/>
+      </a:fontRef>
+    </dgm:style>
+  </dgm:styleLbl>
+  <dgm:styleLbl name="sibTrans1D1">
+    <dgm:scene3d>
+      <a:camera prst="orthographicFront"/>
+      <a:lightRig rig="threePt" dir="t"/>
+    </dgm:scene3d>
+    <dgm:sp3d/>
+    <dgm:txPr/>
+    <dgm:style>
+      <a:lnRef idx="1">
+        <a:scrgbClr r="0" g="0" b="0"/>
+      </a:lnRef>
+      <a:fillRef idx="0">
+        <a:scrgbClr r="0" g="0" b="0"/>
+      </a:fillRef>
+      <a:effectRef idx="0">
+        <a:scrgbClr r="0" g="0" b="0"/>
+      </a:effectRef>
+      <a:fontRef idx="minor"/>
+    </dgm:style>
+  </dgm:styleLbl>
+  <dgm:styleLbl name="callout">
+    <dgm:scene3d>
+      <a:camera prst="orthographicFront"/>
+      <a:lightRig rig="threePt" dir="t"/>
+    </dgm:scene3d>
+    <dgm:sp3d/>
+    <dgm:txPr/>
+    <dgm:style>
+      <a:lnRef idx="2">
+        <a:scrgbClr r="0" g="0" b="0"/>
+      </a:lnRef>
+      <a:fillRef idx="1">
+        <a:scrgbClr r="0" g="0" b="0"/>
+      </a:fillRef>
+      <a:effectRef idx="1">
+        <a:scrgbClr r="0" g="0" b="0"/>
+      </a:effectRef>
+      <a:fontRef idx="minor"/>
+    </dgm:style>
+  </dgm:styleLbl>
+  <dgm:styleLbl name="asst0">
+    <dgm:scene3d>
+      <a:camera prst="orthographicFront"/>
+      <a:lightRig rig="threePt" dir="t"/>
+    </dgm:scene3d>
+    <dgm:sp3d/>
+    <dgm:txPr/>
+    <dgm:style>
+      <a:lnRef idx="0">
+        <a:scrgbClr r="0" g="0" b="0"/>
+      </a:lnRef>
+      <a:fillRef idx="3">
+        <a:scrgbClr r="0" g="0" b="0"/>
+      </a:fillRef>
+      <a:effectRef idx="2">
+        <a:scrgbClr r="0" g="0" b="0"/>
+      </a:effectRef>
+      <a:fontRef idx="minor">
+        <a:schemeClr val="lt1"/>
+      </a:fontRef>
+    </dgm:style>
+  </dgm:styleLbl>
+  <dgm:styleLbl name="asst1">
+    <dgm:scene3d>
+      <a:camera prst="orthographicFront"/>
+      <a:lightRig rig="threePt" dir="t"/>
+    </dgm:scene3d>
+    <dgm:sp3d/>
+    <dgm:txPr/>
+    <dgm:style>
+      <a:lnRef idx="0">
+        <a:scrgbClr r="0" g="0" b="0"/>
+      </a:lnRef>
+      <a:fillRef idx="3">
+        <a:scrgbClr r="0" g="0" b="0"/>
+      </a:fillRef>
+      <a:effectRef idx="2">
+        <a:scrgbClr r="0" g="0" b="0"/>
+      </a:effectRef>
+      <a:fontRef idx="minor">
+        <a:schemeClr val="lt1"/>
+      </a:fontRef>
+    </dgm:style>
+  </dgm:styleLbl>
+  <dgm:styleLbl name="asst2">
+    <dgm:scene3d>
+      <a:camera prst="orthographicFront"/>
+      <a:lightRig rig="threePt" dir="t"/>
+    </dgm:scene3d>
+    <dgm:sp3d/>
+    <dgm:txPr/>
+    <dgm:style>
+      <a:lnRef idx="0">
+        <a:scrgbClr r="0" g="0" b="0"/>
+      </a:lnRef>
+      <a:fillRef idx="3">
+        <a:scrgbClr r="0" g="0" b="0"/>
+      </a:fillRef>
+      <a:effectRef idx="2">
+        <a:scrgbClr r="0" g="0" b="0"/>
+      </a:effectRef>
+      <a:fontRef idx="minor">
+        <a:schemeClr val="lt1"/>
+      </a:fontRef>
+    </dgm:style>
+  </dgm:styleLbl>
+  <dgm:styleLbl name="asst3">
+    <dgm:scene3d>
+      <a:camera prst="orthographicFront"/>
+      <a:lightRig rig="threePt" dir="t"/>
+    </dgm:scene3d>
+    <dgm:sp3d/>
+    <dgm:txPr/>
+    <dgm:style>
+      <a:lnRef idx="0">
+        <a:scrgbClr r="0" g="0" b="0"/>
+      </a:lnRef>
+      <a:fillRef idx="3">
+        <a:scrgbClr r="0" g="0" b="0"/>
+      </a:fillRef>
+      <a:effectRef idx="2">
+        <a:scrgbClr r="0" g="0" b="0"/>
+      </a:effectRef>
+      <a:fontRef idx="minor">
+        <a:schemeClr val="lt1"/>
+      </a:fontRef>
+    </dgm:style>
+  </dgm:styleLbl>
+  <dgm:styleLbl name="asst4">
+    <dgm:scene3d>
+      <a:camera prst="orthographicFront"/>
+      <a:lightRig rig="threePt" dir="t"/>
+    </dgm:scene3d>
+    <dgm:sp3d/>
+    <dgm:txPr/>
+    <dgm:style>
+      <a:lnRef idx="0">
+        <a:scrgbClr r="0" g="0" b="0"/>
+      </a:lnRef>
+      <a:fillRef idx="3">
+        <a:scrgbClr r="0" g="0" b="0"/>
+      </a:fillRef>
+      <a:effectRef idx="2">
+        <a:scrgbClr r="0" g="0" b="0"/>
+      </a:effectRef>
+      <a:fontRef idx="minor">
+        <a:schemeClr val="lt1"/>
+      </a:fontRef>
+    </dgm:style>
+  </dgm:styleLbl>
+  <dgm:styleLbl name="parChTrans2D1">
+    <dgm:scene3d>
+      <a:camera prst="orthographicFront"/>
+      <a:lightRig rig="threePt" dir="t"/>
+    </dgm:scene3d>
+    <dgm:sp3d/>
+    <dgm:txPr/>
+    <dgm:style>
+      <a:lnRef idx="0">
+        <a:scrgbClr r="0" g="0" b="0"/>
+      </a:lnRef>
+      <a:fillRef idx="3">
+        <a:scrgbClr r="0" g="0" b="0"/>
+      </a:fillRef>
+      <a:effectRef idx="2">
+        <a:scrgbClr r="0" g="0" b="0"/>
+      </a:effectRef>
+      <a:fontRef idx="minor">
+        <a:schemeClr val="lt1"/>
+      </a:fontRef>
+    </dgm:style>
+  </dgm:styleLbl>
+  <dgm:styleLbl name="parChTrans2D2">
+    <dgm:scene3d>
+      <a:camera prst="orthographicFront"/>
+      <a:lightRig rig="threePt" dir="t"/>
+    </dgm:scene3d>
+    <dgm:sp3d/>
+    <dgm:txPr/>
+    <dgm:style>
+      <a:lnRef idx="0">
+        <a:scrgbClr r="0" g="0" b="0"/>
+      </a:lnRef>
+      <a:fillRef idx="3">
+        <a:scrgbClr r="0" g="0" b="0"/>
+      </a:fillRef>
+      <a:effectRef idx="2">
+        <a:scrgbClr r="0" g="0" b="0"/>
+      </a:effectRef>
+      <a:fontRef idx="minor">
+        <a:schemeClr val="lt1"/>
+      </a:fontRef>
+    </dgm:style>
+  </dgm:styleLbl>
+  <dgm:styleLbl name="parChTrans2D3">
+    <dgm:scene3d>
+      <a:camera prst="orthographicFront"/>
+      <a:lightRig rig="threePt" dir="t"/>
+    </dgm:scene3d>
+    <dgm:sp3d/>
+    <dgm:txPr/>
+    <dgm:style>
+      <a:lnRef idx="1">
+        <a:scrgbClr r="0" g="0" b="0"/>
+      </a:lnRef>
+      <a:fillRef idx="3">
+        <a:scrgbClr r="0" g="0" b="0"/>
+      </a:fillRef>
+      <a:effectRef idx="2">
+        <a:scrgbClr r="0" g="0" b="0"/>
+      </a:effectRef>
+      <a:fontRef idx="minor">
+        <a:schemeClr val="lt1"/>
+      </a:fontRef>
+    </dgm:style>
+  </dgm:styleLbl>
+  <dgm:styleLbl name="parChTrans2D4">
+    <dgm:scene3d>
+      <a:camera prst="orthographicFront"/>
+      <a:lightRig rig="threePt" dir="t"/>
+    </dgm:scene3d>
+    <dgm:sp3d/>
+    <dgm:txPr/>
+    <dgm:style>
+      <a:lnRef idx="1">
+        <a:scrgbClr r="0" g="0" b="0"/>
+      </a:lnRef>
+      <a:fillRef idx="3">
+        <a:scrgbClr r="0" g="0" b="0"/>
+      </a:fillRef>
+      <a:effectRef idx="2">
+        <a:scrgbClr r="0" g="0" b="0"/>
+      </a:effectRef>
+      <a:fontRef idx="minor">
+        <a:schemeClr val="lt1"/>
+      </a:fontRef>
+    </dgm:style>
+  </dgm:styleLbl>
+  <dgm:styleLbl name="parChTrans1D1">
+    <dgm:scene3d>
+      <a:camera prst="orthographicFront"/>
+      <a:lightRig rig="threePt" dir="t"/>
+    </dgm:scene3d>
+    <dgm:sp3d/>
+    <dgm:txPr/>
+    <dgm:style>
+      <a:lnRef idx="1">
+        <a:scrgbClr r="0" g="0" b="0"/>
+      </a:lnRef>
+      <a:fillRef idx="0">
+        <a:scrgbClr r="0" g="0" b="0"/>
+      </a:fillRef>
+      <a:effectRef idx="0">
+        <a:scrgbClr r="0" g="0" b="0"/>
+      </a:effectRef>
+      <a:fontRef idx="minor"/>
+    </dgm:style>
+  </dgm:styleLbl>
+  <dgm:styleLbl name="parChTrans1D2">
+    <dgm:scene3d>
+      <a:camera prst="orthographicFront"/>
+      <a:lightRig rig="threePt" dir="t"/>
+    </dgm:scene3d>
+    <dgm:sp3d/>
+    <dgm:txPr/>
+    <dgm:style>
+      <a:lnRef idx="1">
+        <a:scrgbClr r="0" g="0" b="0"/>
+      </a:lnRef>
+      <a:fillRef idx="0">
+        <a:scrgbClr r="0" g="0" b="0"/>
+      </a:fillRef>
+      <a:effectRef idx="0">
+        <a:scrgbClr r="0" g="0" b="0"/>
+      </a:effectRef>
+      <a:fontRef idx="minor"/>
+    </dgm:style>
+  </dgm:styleLbl>
+  <dgm:styleLbl name="parChTrans1D3">
+    <dgm:scene3d>
+      <a:camera prst="orthographicFront"/>
+      <a:lightRig rig="threePt" dir="t"/>
+    </dgm:scene3d>
+    <dgm:sp3d/>
+    <dgm:txPr/>
+    <dgm:style>
+      <a:lnRef idx="1">
+        <a:scrgbClr r="0" g="0" b="0"/>
+      </a:lnRef>
+      <a:fillRef idx="0">
+        <a:scrgbClr r="0" g="0" b="0"/>
+      </a:fillRef>
+      <a:effectRef idx="0">
+        <a:scrgbClr r="0" g="0" b="0"/>
+      </a:effectRef>
+      <a:fontRef idx="minor"/>
+    </dgm:style>
+  </dgm:styleLbl>
+  <dgm:styleLbl name="parChTrans1D4">
+    <dgm:scene3d>
+      <a:camera prst="orthographicFront"/>
+      <a:lightRig rig="threePt" dir="t"/>
+    </dgm:scene3d>
+    <dgm:sp3d/>
+    <dgm:txPr/>
+    <dgm:style>
+      <a:lnRef idx="1">
+        <a:scrgbClr r="0" g="0" b="0"/>
+      </a:lnRef>
+      <a:fillRef idx="0">
+        <a:scrgbClr r="0" g="0" b="0"/>
+      </a:fillRef>
+      <a:effectRef idx="0">
+        <a:scrgbClr r="0" g="0" b="0"/>
+      </a:effectRef>
+      <a:fontRef idx="minor"/>
+    </dgm:style>
+  </dgm:styleLbl>
+  <dgm:styleLbl name="fgAcc1">
+    <dgm:scene3d>
+      <a:camera prst="orthographicFront"/>
+      <a:lightRig rig="threePt" dir="t"/>
+    </dgm:scene3d>
+    <dgm:sp3d/>
+    <dgm:txPr/>
+    <dgm:style>
+      <a:lnRef idx="1">
+        <a:scrgbClr r="0" g="0" b="0"/>
+      </a:lnRef>
+      <a:fillRef idx="1">
+        <a:scrgbClr r="0" g="0" b="0"/>
+      </a:fillRef>
+      <a:effectRef idx="0">
+        <a:scrgbClr r="0" g="0" b="0"/>
+      </a:effectRef>
+      <a:fontRef idx="minor"/>
+    </dgm:style>
+  </dgm:styleLbl>
+  <dgm:styleLbl name="conFgAcc1">
+    <dgm:scene3d>
+      <a:camera prst="orthographicFront"/>
+      <a:lightRig rig="threePt" dir="t"/>
+    </dgm:scene3d>
+    <dgm:sp3d/>
+    <dgm:txPr/>
+    <dgm:style>
+      <a:lnRef idx="1">
+        <a:scrgbClr r="0" g="0" b="0"/>
+      </a:lnRef>
+      <a:fillRef idx="1">
+        <a:scrgbClr r="0" g="0" b="0"/>
+      </a:fillRef>
+      <a:effectRef idx="0">
+        <a:scrgbClr r="0" g="0" b="0"/>
+      </a:effectRef>
+      <a:fontRef idx="minor"/>
+    </dgm:style>
+  </dgm:styleLbl>
+  <dgm:styleLbl name="alignAcc1">
+    <dgm:scene3d>
+      <a:camera prst="orthographicFront"/>
+      <a:lightRig rig="threePt" dir="t"/>
+    </dgm:scene3d>
+    <dgm:sp3d/>
+    <dgm:txPr/>
+    <dgm:style>
+      <a:lnRef idx="1">
+        <a:scrgbClr r="0" g="0" b="0"/>
+      </a:lnRef>
+      <a:fillRef idx="1">
+        <a:scrgbClr r="0" g="0" b="0"/>
+      </a:fillRef>
+      <a:effectRef idx="0">
+        <a:scrgbClr r="0" g="0" b="0"/>
+      </a:effectRef>
+      <a:fontRef idx="minor"/>
+    </dgm:style>
+  </dgm:styleLbl>
+  <dgm:styleLbl name="trAlignAcc1">
+    <dgm:scene3d>
+      <a:camera prst="orthographicFront"/>
+      <a:lightRig rig="threePt" dir="t"/>
+    </dgm:scene3d>
+    <dgm:sp3d/>
+    <dgm:txPr/>
+    <dgm:style>
+      <a:lnRef idx="1">
+        <a:scrgbClr r="0" g="0" b="0"/>
+      </a:lnRef>
+      <a:fillRef idx="1">
+        <a:scrgbClr r="0" g="0" b="0"/>
+      </a:fillRef>
+      <a:effectRef idx="0">
+        <a:scrgbClr r="0" g="0" b="0"/>
+      </a:effectRef>
+      <a:fontRef idx="minor"/>
+    </dgm:style>
+  </dgm:styleLbl>
+  <dgm:styleLbl name="bgAcc1">
+    <dgm:scene3d>
+      <a:camera prst="orthographicFront"/>
+      <a:lightRig rig="threePt" dir="t"/>
+    </dgm:scene3d>
+    <dgm:sp3d/>
+    <dgm:txPr/>
+    <dgm:style>
+      <a:lnRef idx="1">
+        <a:scrgbClr r="0" g="0" b="0"/>
+      </a:lnRef>
+      <a:fillRef idx="1">
+        <a:scrgbClr r="0" g="0" b="0"/>
+      </a:fillRef>
+      <a:effectRef idx="0">
+        <a:scrgbClr r="0" g="0" b="0"/>
+      </a:effectRef>
+      <a:fontRef idx="minor"/>
+    </dgm:style>
+  </dgm:styleLbl>
+  <dgm:styleLbl name="solidFgAcc1">
+    <dgm:scene3d>
+      <a:camera prst="orthographicFront"/>
+      <a:lightRig rig="threePt" dir="t"/>
+    </dgm:scene3d>
+    <dgm:sp3d/>
+    <dgm:txPr/>
+    <dgm:style>
+      <a:lnRef idx="1">
+        <a:scrgbClr r="0" g="0" b="0"/>
+      </a:lnRef>
+      <a:fillRef idx="1">
+        <a:scrgbClr r="0" g="0" b="0"/>
+      </a:fillRef>
+      <a:effectRef idx="0">
+        <a:scrgbClr r="0" g="0" b="0"/>
+      </a:effectRef>
+      <a:fontRef idx="minor"/>
+    </dgm:style>
+  </dgm:styleLbl>
+  <dgm:styleLbl name="solidAlignAcc1">
+    <dgm:scene3d>
+      <a:camera prst="orthographicFront"/>
+      <a:lightRig rig="threePt" dir="t"/>
+    </dgm:scene3d>
+    <dgm:sp3d/>
+    <dgm:txPr/>
+    <dgm:style>
+      <a:lnRef idx="1">
+        <a:scrgbClr r="0" g="0" b="0"/>
+      </a:lnRef>
+      <a:fillRef idx="1">
+        <a:scrgbClr r="0" g="0" b="0"/>
+      </a:fillRef>
+      <a:effectRef idx="0">
+        <a:scrgbClr r="0" g="0" b="0"/>
+      </a:effectRef>
+      <a:fontRef idx="minor"/>
+    </dgm:style>
+  </dgm:styleLbl>
+  <dgm:styleLbl name="solidBgAcc1">
+    <dgm:scene3d>
+      <a:camera prst="orthographicFront"/>
+      <a:lightRig rig="threePt" dir="t"/>
+    </dgm:scene3d>
+    <dgm:sp3d/>
+    <dgm:txPr/>
+    <dgm:style>
+      <a:lnRef idx="1">
+        <a:scrgbClr r="0" g="0" b="0"/>
+      </a:lnRef>
+      <a:fillRef idx="1">
+        <a:scrgbClr r="0" g="0" b="0"/>
+      </a:fillRef>
+      <a:effectRef idx="0">
+        <a:scrgbClr r="0" g="0" b="0"/>
+      </a:effectRef>
+      <a:fontRef idx="minor"/>
+    </dgm:style>
+  </dgm:styleLbl>
+  <dgm:styleLbl name="fgAccFollowNode1">
+    <dgm:scene3d>
+      <a:camera prst="orthographicFront"/>
+      <a:lightRig rig="threePt" dir="t"/>
+    </dgm:scene3d>
+    <dgm:sp3d/>
+    <dgm:txPr/>
+    <dgm:style>
+      <a:lnRef idx="1">
+        <a:scrgbClr r="0" g="0" b="0"/>
+      </a:lnRef>
+      <a:fillRef idx="1">
+        <a:scrgbClr r="0" g="0" b="0"/>
+      </a:fillRef>
+      <a:effectRef idx="0">
+        <a:scrgbClr r="0" g="0" b="0"/>
+      </a:effectRef>
+      <a:fontRef idx="minor"/>
+    </dgm:style>
+  </dgm:styleLbl>
+  <dgm:styleLbl name="alignAccFollowNode1">
+    <dgm:scene3d>
+      <a:camera prst="orthographicFront"/>
+      <a:lightRig rig="threePt" dir="t"/>
+    </dgm:scene3d>
+    <dgm:sp3d/>
+    <dgm:txPr/>
+    <dgm:style>
+      <a:lnRef idx="1">
+        <a:scrgbClr r="0" g="0" b="0"/>
+      </a:lnRef>
+      <a:fillRef idx="1">
+        <a:scrgbClr r="0" g="0" b="0"/>
+      </a:fillRef>
+      <a:effectRef idx="0">
+        <a:scrgbClr r="0" g="0" b="0"/>
+      </a:effectRef>
+      <a:fontRef idx="minor"/>
+    </dgm:style>
+  </dgm:styleLbl>
+  <dgm:styleLbl name="bgAccFollowNode1">
+    <dgm:scene3d>
+      <a:camera prst="orthographicFront"/>
+      <a:lightRig rig="threePt" dir="t"/>
+    </dgm:scene3d>
+    <dgm:sp3d/>
+    <dgm:txPr/>
+    <dgm:style>
+      <a:lnRef idx="1">
+        <a:scrgbClr r="0" g="0" b="0"/>
+      </a:lnRef>
+      <a:fillRef idx="1">
+        <a:scrgbClr r="0" g="0" b="0"/>
+      </a:fillRef>
+      <a:effectRef idx="0">
+        <a:scrgbClr r="0" g="0" b="0"/>
+      </a:effectRef>
+      <a:fontRef idx="minor"/>
+    </dgm:style>
+  </dgm:styleLbl>
+  <dgm:styleLbl name="fgAcc0">
+    <dgm:scene3d>
+      <a:camera prst="orthographicFront"/>
+      <a:lightRig rig="threePt" dir="t"/>
+    </dgm:scene3d>
+    <dgm:sp3d/>
+    <dgm:txPr/>
+    <dgm:style>
+      <a:lnRef idx="1">
+        <a:scrgbClr r="0" g="0" b="0"/>
+      </a:lnRef>
+      <a:fillRef idx="1">
+        <a:scrgbClr r="0" g="0" b="0"/>
+      </a:fillRef>
+      <a:effectRef idx="0">
+        <a:scrgbClr r="0" g="0" b="0"/>
+      </a:effectRef>
+      <a:fontRef idx="minor"/>
+    </dgm:style>
+  </dgm:styleLbl>
+  <dgm:styleLbl name="fgAcc2">
+    <dgm:scene3d>
+      <a:camera prst="orthographicFront"/>
+      <a:lightRig rig="threePt" dir="t"/>
+    </dgm:scene3d>
+    <dgm:sp3d/>
+    <dgm:txPr/>
+    <dgm:style>
+      <a:lnRef idx="1">
+        <a:scrgbClr r="0" g="0" b="0"/>
+      </a:lnRef>
+      <a:fillRef idx="1">
+        <a:scrgbClr r="0" g="0" b="0"/>
+      </a:fillRef>
+      <a:effectRef idx="0">
+        <a:scrgbClr r="0" g="0" b="0"/>
+      </a:effectRef>
+      <a:fontRef idx="minor"/>
+    </dgm:style>
+  </dgm:styleLbl>
+  <dgm:styleLbl name="fgAcc3">
+    <dgm:scene3d>
+      <a:camera prst="orthographicFront"/>
+      <a:lightRig rig="threePt" dir="t"/>
+    </dgm:scene3d>
+    <dgm:sp3d/>
+    <dgm:txPr/>
+    <dgm:style>
+      <a:lnRef idx="1">
+        <a:scrgbClr r="0" g="0" b="0"/>
+      </a:lnRef>
+      <a:fillRef idx="1">
+        <a:scrgbClr r="0" g="0" b="0"/>
+      </a:fillRef>
+      <a:effectRef idx="0">
+        <a:scrgbClr r="0" g="0" b="0"/>
+      </a:effectRef>
+      <a:fontRef idx="minor"/>
+    </dgm:style>
+  </dgm:styleLbl>
+  <dgm:styleLbl name="fgAcc4">
+    <dgm:scene3d>
+      <a:camera prst="orthographicFront"/>
+      <a:lightRig rig="threePt" dir="t"/>
+    </dgm:scene3d>
+    <dgm:sp3d/>
+    <dgm:txPr/>
+    <dgm:style>
+      <a:lnRef idx="1">
+        <a:scrgbClr r="0" g="0" b="0"/>
+      </a:lnRef>
+      <a:fillRef idx="1">
+        <a:scrgbClr r="0" g="0" b="0"/>
+      </a:fillRef>
+      <a:effectRef idx="0">
+        <a:scrgbClr r="0" g="0" b="0"/>
+      </a:effectRef>
+      <a:fontRef idx="minor"/>
+    </dgm:style>
+  </dgm:styleLbl>
+  <dgm:styleLbl name="bgShp">
+    <dgm:scene3d>
+      <a:camera prst="orthographicFront"/>
+      <a:lightRig rig="threePt" dir="t"/>
+    </dgm:scene3d>
+    <dgm:sp3d/>
+    <dgm:txPr/>
+    <dgm:style>
+      <a:lnRef idx="0">
+        <a:scrgbClr r="0" g="0" b="0"/>
+      </a:lnRef>
+      <a:fillRef idx="1">
+        <a:scrgbClr r="0" g="0" b="0"/>
+      </a:fillRef>
+      <a:effectRef idx="2">
+        <a:scrgbClr r="0" g="0" b="0"/>
+      </a:effectRef>
+      <a:fontRef idx="minor"/>
+    </dgm:style>
+  </dgm:styleLbl>
+  <dgm:styleLbl name="dkBgShp">
+    <dgm:scene3d>
+      <a:camera prst="orthographicFront"/>
+      <a:lightRig rig="threePt" dir="t"/>
+    </dgm:scene3d>
+    <dgm:sp3d/>
+    <dgm:txPr/>
+    <dgm:style>
+      <a:lnRef idx="0">
+        <a:scrgbClr r="0" g="0" b="0"/>
+      </a:lnRef>
+      <a:fillRef idx="1">
+        <a:scrgbClr r="0" g="0" b="0"/>
+      </a:fillRef>
+      <a:effectRef idx="2">
+        <a:scrgbClr r="0" g="0" b="0"/>
+      </a:effectRef>
+      <a:fontRef idx="minor"/>
+    </dgm:style>
+  </dgm:styleLbl>
+  <dgm:styleLbl name="trBgShp">
+    <dgm:scene3d>
+      <a:camera prst="orthographicFront"/>
+      <a:lightRig rig="threePt" dir="t"/>
+    </dgm:scene3d>
+    <dgm:sp3d/>
+    <dgm:txPr/>
+    <dgm:style>
+      <a:lnRef idx="0">
+        <a:scrgbClr r="0" g="0" b="0"/>
+      </a:lnRef>
+      <a:fillRef idx="1">
+        <a:scrgbClr r="0" g="0" b="0"/>
+      </a:fillRef>
+      <a:effectRef idx="0">
+        <a:scrgbClr r="0" g="0" b="0"/>
+      </a:effectRef>
+      <a:fontRef idx="minor"/>
+    </dgm:style>
+  </dgm:styleLbl>
+  <dgm:styleLbl name="fgShp">
+    <dgm:scene3d>
+      <a:camera prst="orthographicFront"/>
+      <a:lightRig rig="threePt" dir="t"/>
+    </dgm:scene3d>
+    <dgm:sp3d/>
+    <dgm:txPr/>
+    <dgm:style>
+      <a:lnRef idx="0">
+        <a:scrgbClr r="0" g="0" b="0"/>
+      </a:lnRef>
+      <a:fillRef idx="3">
+        <a:scrgbClr r="0" g="0" b="0"/>
+      </a:fillRef>
+      <a:effectRef idx="2">
         <a:scrgbClr r="0" g="0" b="0"/>
       </a:effectRef>
       <a:fontRef idx="minor"/>
@@ -3460,7 +9217,7 @@
           <a:p>
             <a:fld id="{00209D9C-0F80-4B18-9111-18548047FFB3}" type="datetimeFigureOut">
               <a:rPr lang="zh-CN" altLang="en-US" smtClean="0"/>
-              <a:t>2018/11/20</a:t>
+              <a:t>2018/12/26</a:t>
             </a:fld>
             <a:endParaRPr lang="zh-CN" altLang="en-US"/>
           </a:p>
@@ -3625,7 +9382,7 @@
           <a:p>
             <a:fld id="{FE858351-3EB1-4F39-A2D0-CA5768308CE6}" type="datetimeFigureOut">
               <a:rPr lang="zh-CN" altLang="en-US" smtClean="0"/>
-              <a:t>2018/11/20</a:t>
+              <a:t>2018/12/26</a:t>
             </a:fld>
             <a:endParaRPr lang="zh-CN" altLang="en-US"/>
           </a:p>
@@ -16614,31 +22371,7 @@
                   <a:schemeClr val="tx1"/>
                 </a:solidFill>
               </a:rPr>
-              <a:t>The schedule job and security control functions are built in </a:t>
-            </a:r>
-            <a:r>
-              <a:rPr lang="en-US" altLang="zh-CN" sz="1200" dirty="0" smtClean="0">
-                <a:solidFill>
-                  <a:schemeClr val="tx1"/>
-                </a:solidFill>
-              </a:rPr>
-              <a:t>integration</a:t>
-            </a:r>
-            <a:r>
-              <a:rPr lang="en-US" altLang="zh-CN" sz="1200" dirty="0" smtClean="0">
-                <a:solidFill>
-                  <a:schemeClr val="tx1"/>
-                </a:solidFill>
-              </a:rPr>
-              <a:t> </a:t>
-            </a:r>
-            <a:r>
-              <a:rPr lang="en-US" altLang="zh-CN" sz="1200" dirty="0" smtClean="0">
-                <a:solidFill>
-                  <a:schemeClr val="tx1"/>
-                </a:solidFill>
-              </a:rPr>
-              <a:t>server to support the flat file catching scenario.</a:t>
+              <a:t>The schedule job and security control functions are built in integration server to support the flat file catching scenario.</a:t>
             </a:r>
             <a:endParaRPr lang="zh-CN" altLang="en-US" sz="1200" dirty="0">
               <a:solidFill>
@@ -19795,23 +25528,7 @@
                   <a:schemeClr val="tx1"/>
                 </a:solidFill>
               </a:rPr>
-              <a:t>Security control, data cache and logs management are built in </a:t>
-            </a:r>
-            <a:r>
-              <a:rPr lang="en-US" altLang="zh-CN" sz="1200" dirty="0" smtClean="0">
-                <a:solidFill>
-                  <a:schemeClr val="tx1"/>
-                </a:solidFill>
-              </a:rPr>
-              <a:t>integration </a:t>
-            </a:r>
-            <a:r>
-              <a:rPr lang="en-US" altLang="zh-CN" sz="1200" dirty="0" smtClean="0">
-                <a:solidFill>
-                  <a:schemeClr val="tx1"/>
-                </a:solidFill>
-              </a:rPr>
-              <a:t>server.</a:t>
+              <a:t>Security control, data cache and logs management are built in integration server.</a:t>
             </a:r>
           </a:p>
           <a:p>
@@ -23391,6 +29108,885 @@
 </p:sld>
 </file>
 
+<file path=ppt/slides/slide20.xml><?xml version="1.0" encoding="utf-8"?>
+<p:sld xmlns:a="http://schemas.openxmlformats.org/drawingml/2006/main" xmlns:r="http://schemas.openxmlformats.org/officeDocument/2006/relationships" xmlns:p="http://schemas.openxmlformats.org/presentationml/2006/main">
+  <p:cSld>
+    <p:spTree>
+      <p:nvGrpSpPr>
+        <p:cNvPr id="1" name=""/>
+        <p:cNvGrpSpPr/>
+        <p:nvPr/>
+      </p:nvGrpSpPr>
+      <p:grpSpPr>
+        <a:xfrm>
+          <a:off x="0" y="0"/>
+          <a:ext cx="0" cy="0"/>
+          <a:chOff x="0" y="0"/>
+          <a:chExt cx="0" cy="0"/>
+        </a:xfrm>
+      </p:grpSpPr>
+      <p:sp>
+        <p:nvSpPr>
+          <p:cNvPr id="2" name="标题 1"/>
+          <p:cNvSpPr>
+            <a:spLocks noGrp="1"/>
+          </p:cNvSpPr>
+          <p:nvPr>
+            <p:ph type="title"/>
+          </p:nvPr>
+        </p:nvSpPr>
+        <p:spPr/>
+        <p:txBody>
+          <a:bodyPr/>
+          <a:lstStyle/>
+          <a:p>
+            <a:r>
+              <a:rPr lang="en-US" altLang="zh-CN" dirty="0" smtClean="0"/>
+              <a:t>Cost of SAP PI – </a:t>
+            </a:r>
+            <a:r>
+              <a:rPr lang="en-US" altLang="zh-CN" sz="2000" b="0" dirty="0" smtClean="0">
+                <a:solidFill>
+                  <a:srgbClr val="FF0000"/>
+                </a:solidFill>
+              </a:rPr>
+              <a:t>(FOR REFERENCE </a:t>
+            </a:r>
+            <a:r>
+              <a:rPr lang="en-US" altLang="zh-CN" sz="2000" b="0" dirty="0">
+                <a:solidFill>
+                  <a:srgbClr val="FF0000"/>
+                </a:solidFill>
+              </a:rPr>
+              <a:t>ONLY </a:t>
+            </a:r>
+            <a:r>
+              <a:rPr lang="en-US" altLang="zh-CN" sz="2000" b="0" dirty="0" smtClean="0">
+                <a:solidFill>
+                  <a:srgbClr val="FF0000"/>
+                </a:solidFill>
+              </a:rPr>
+              <a:t>)</a:t>
+            </a:r>
+            <a:endParaRPr lang="zh-CN" altLang="en-US" sz="2000" b="0" dirty="0">
+              <a:solidFill>
+                <a:srgbClr val="FF0000"/>
+              </a:solidFill>
+            </a:endParaRPr>
+          </a:p>
+        </p:txBody>
+      </p:sp>
+      <p:graphicFrame>
+        <p:nvGraphicFramePr>
+          <p:cNvPr id="6" name="内容占位符 5"/>
+          <p:cNvGraphicFramePr>
+            <a:graphicFrameLocks noGrp="1"/>
+          </p:cNvGraphicFramePr>
+          <p:nvPr>
+            <p:ph idx="1"/>
+          </p:nvPr>
+        </p:nvGraphicFramePr>
+        <p:xfrm>
+          <a:off x="1043608" y="976744"/>
+          <a:ext cx="6624736" cy="1368152"/>
+        </p:xfrm>
+        <a:graphic>
+          <a:graphicData uri="http://schemas.openxmlformats.org/drawingml/2006/diagram">
+            <dgm:relIds xmlns:dgm="http://schemas.openxmlformats.org/drawingml/2006/diagram" xmlns:r="http://schemas.openxmlformats.org/officeDocument/2006/relationships" r:dm="rId2" r:lo="rId3" r:qs="rId4" r:cs="rId5"/>
+          </a:graphicData>
+        </a:graphic>
+      </p:graphicFrame>
+      <p:sp>
+        <p:nvSpPr>
+          <p:cNvPr id="4" name="页脚占位符 3"/>
+          <p:cNvSpPr>
+            <a:spLocks noGrp="1"/>
+          </p:cNvSpPr>
+          <p:nvPr>
+            <p:ph type="ftr" sz="quarter" idx="11"/>
+          </p:nvPr>
+        </p:nvSpPr>
+        <p:spPr/>
+        <p:txBody>
+          <a:bodyPr/>
+          <a:lstStyle/>
+          <a:p>
+            <a:endParaRPr lang="zh-CN" altLang="en-US" dirty="0"/>
+          </a:p>
+        </p:txBody>
+      </p:sp>
+      <p:sp>
+        <p:nvSpPr>
+          <p:cNvPr id="5" name="灯片编号占位符 4"/>
+          <p:cNvSpPr>
+            <a:spLocks noGrp="1"/>
+          </p:cNvSpPr>
+          <p:nvPr>
+            <p:ph type="sldNum" sz="quarter" idx="12"/>
+          </p:nvPr>
+        </p:nvSpPr>
+        <p:spPr/>
+        <p:txBody>
+          <a:bodyPr/>
+          <a:lstStyle/>
+          <a:p>
+            <a:fld id="{0C913308-F349-4B6D-A68A-DD1791B4A57B}" type="slidenum">
+              <a:rPr lang="zh-CN" altLang="en-US" smtClean="0"/>
+              <a:pPr/>
+              <a:t>20</a:t>
+            </a:fld>
+            <a:endParaRPr lang="zh-CN" altLang="en-US"/>
+          </a:p>
+        </p:txBody>
+      </p:sp>
+      <p:sp>
+        <p:nvSpPr>
+          <p:cNvPr id="7" name="矩形 6"/>
+          <p:cNvSpPr/>
+          <p:nvPr/>
+        </p:nvSpPr>
+        <p:spPr>
+          <a:xfrm>
+            <a:off x="0" y="2427734"/>
+            <a:ext cx="9144000" cy="2565470"/>
+          </a:xfrm>
+          <a:prstGeom prst="rect">
+            <a:avLst/>
+          </a:prstGeom>
+          <a:solidFill>
+            <a:srgbClr val="FFC000">
+              <a:alpha val="69804"/>
+            </a:srgbClr>
+          </a:solidFill>
+          <a:ln>
+            <a:noFill/>
+          </a:ln>
+        </p:spPr>
+        <p:style>
+          <a:lnRef idx="2">
+            <a:schemeClr val="accent1">
+              <a:shade val="50000"/>
+            </a:schemeClr>
+          </a:lnRef>
+          <a:fillRef idx="1">
+            <a:schemeClr val="accent1"/>
+          </a:fillRef>
+          <a:effectRef idx="0">
+            <a:schemeClr val="accent1"/>
+          </a:effectRef>
+          <a:fontRef idx="minor">
+            <a:schemeClr val="lt1"/>
+          </a:fontRef>
+        </p:style>
+        <p:txBody>
+          <a:bodyPr rtlCol="0" anchor="ctr"/>
+          <a:lstStyle/>
+          <a:p>
+            <a:pPr algn="ctr">
+              <a:lnSpc>
+                <a:spcPct val="150000"/>
+              </a:lnSpc>
+            </a:pPr>
+            <a:endParaRPr lang="zh-CN" altLang="en-US" dirty="0"/>
+          </a:p>
+        </p:txBody>
+      </p:sp>
+      <p:sp>
+        <p:nvSpPr>
+          <p:cNvPr id="8" name="文本框 7"/>
+          <p:cNvSpPr txBox="1"/>
+          <p:nvPr/>
+        </p:nvSpPr>
+        <p:spPr>
+          <a:xfrm>
+            <a:off x="349804" y="2533421"/>
+            <a:ext cx="8444392" cy="2539157"/>
+          </a:xfrm>
+          <a:prstGeom prst="rect">
+            <a:avLst/>
+          </a:prstGeom>
+          <a:noFill/>
+        </p:spPr>
+        <p:txBody>
+          <a:bodyPr wrap="square" rtlCol="0">
+            <a:spAutoFit/>
+          </a:bodyPr>
+          <a:lstStyle/>
+          <a:p>
+            <a:pPr marL="285750" indent="-285750">
+              <a:spcBef>
+                <a:spcPts val="600"/>
+              </a:spcBef>
+              <a:buFont typeface="Wingdings" panose="05000000000000000000" pitchFamily="2" charset="2"/>
+              <a:buChar char="Ø"/>
+            </a:pPr>
+            <a:r>
+              <a:rPr lang="en-US" altLang="zh-CN" sz="1600" dirty="0" smtClean="0"/>
+              <a:t>For single PI product,  SAP PI License Fee depends on the cores that the customer phased. Normally, 75k €.</a:t>
+            </a:r>
+          </a:p>
+          <a:p>
+            <a:pPr marL="285750" indent="-285750">
+              <a:spcBef>
+                <a:spcPts val="600"/>
+              </a:spcBef>
+              <a:buFont typeface="Wingdings" panose="05000000000000000000" pitchFamily="2" charset="2"/>
+              <a:buChar char="Ø"/>
+            </a:pPr>
+            <a:r>
+              <a:rPr lang="en-US" altLang="zh-CN" sz="1600" dirty="0" smtClean="0"/>
+              <a:t>If customer want to buy a suite of SAP products(like ECC, PI, CRM), the cost of PI could be 7% of total cost.</a:t>
+            </a:r>
+          </a:p>
+          <a:p>
+            <a:pPr marL="285750" indent="-285750">
+              <a:spcBef>
+                <a:spcPts val="600"/>
+              </a:spcBef>
+              <a:buFont typeface="Wingdings" panose="05000000000000000000" pitchFamily="2" charset="2"/>
+              <a:buChar char="Ø"/>
+            </a:pPr>
+            <a:r>
+              <a:rPr lang="en-US" altLang="zh-CN" sz="1600" dirty="0" smtClean="0"/>
+              <a:t>Cost of Implementation: for each customized integration, there should be additional development effort required. The final cost will depends on the effort of estimation of each customization. (for SAP experts, the cost of man-day ≈ 1k€ per man day)</a:t>
+            </a:r>
+          </a:p>
+          <a:p>
+            <a:pPr marL="285750" indent="-285750">
+              <a:spcBef>
+                <a:spcPts val="600"/>
+              </a:spcBef>
+              <a:buFont typeface="Wingdings" panose="05000000000000000000" pitchFamily="2" charset="2"/>
+              <a:buChar char="Ø"/>
+            </a:pPr>
+            <a:r>
+              <a:rPr lang="en-US" altLang="zh-CN" sz="1600" dirty="0" smtClean="0"/>
+              <a:t>It is quite complex to integrate with third party system using PI. (More Data transform and mapping efforts </a:t>
+            </a:r>
+            <a:r>
+              <a:rPr lang="en-US" altLang="zh-CN" sz="1600" smtClean="0"/>
+              <a:t>is required.)</a:t>
+            </a:r>
+            <a:endParaRPr lang="en-US" altLang="zh-CN" sz="1600" dirty="0" smtClean="0"/>
+          </a:p>
+        </p:txBody>
+      </p:sp>
+    </p:spTree>
+    <p:extLst>
+      <p:ext uri="{BB962C8B-B14F-4D97-AF65-F5344CB8AC3E}">
+        <p14:creationId xmlns:p14="http://schemas.microsoft.com/office/powerpoint/2010/main" val="3465888023"/>
+      </p:ext>
+    </p:extLst>
+  </p:cSld>
+  <p:clrMapOvr>
+    <a:masterClrMapping/>
+  </p:clrMapOvr>
+  <p:timing>
+    <p:tnLst>
+      <p:par>
+        <p:cTn id="1" dur="indefinite" restart="never" nodeType="tmRoot"/>
+      </p:par>
+    </p:tnLst>
+  </p:timing>
+</p:sld>
+</file>
+
+<file path=ppt/slides/slide21.xml><?xml version="1.0" encoding="utf-8"?>
+<p:sld xmlns:a="http://schemas.openxmlformats.org/drawingml/2006/main" xmlns:r="http://schemas.openxmlformats.org/officeDocument/2006/relationships" xmlns:p="http://schemas.openxmlformats.org/presentationml/2006/main">
+  <p:cSld>
+    <p:spTree>
+      <p:nvGrpSpPr>
+        <p:cNvPr id="1" name=""/>
+        <p:cNvGrpSpPr/>
+        <p:nvPr/>
+      </p:nvGrpSpPr>
+      <p:grpSpPr>
+        <a:xfrm>
+          <a:off x="0" y="0"/>
+          <a:ext cx="0" cy="0"/>
+          <a:chOff x="0" y="0"/>
+          <a:chExt cx="0" cy="0"/>
+        </a:xfrm>
+      </p:grpSpPr>
+      <p:sp>
+        <p:nvSpPr>
+          <p:cNvPr id="2" name="标题 1"/>
+          <p:cNvSpPr>
+            <a:spLocks noGrp="1"/>
+          </p:cNvSpPr>
+          <p:nvPr>
+            <p:ph type="title"/>
+          </p:nvPr>
+        </p:nvSpPr>
+        <p:spPr/>
+        <p:txBody>
+          <a:bodyPr/>
+          <a:lstStyle/>
+          <a:p>
+            <a:r>
+              <a:rPr lang="en-US" altLang="zh-CN" dirty="0" smtClean="0"/>
+              <a:t>Cost of SAP HCI – </a:t>
+            </a:r>
+            <a:r>
+              <a:rPr lang="en-US" altLang="zh-CN" sz="2000" b="0" dirty="0">
+                <a:solidFill>
+                  <a:srgbClr val="FF0000"/>
+                </a:solidFill>
+              </a:rPr>
+              <a:t>(FOR REFERENCE ONLY )</a:t>
+            </a:r>
+            <a:endParaRPr lang="zh-CN" altLang="en-US" sz="2000" b="0" dirty="0">
+              <a:solidFill>
+                <a:srgbClr val="FF0000"/>
+              </a:solidFill>
+            </a:endParaRPr>
+          </a:p>
+        </p:txBody>
+      </p:sp>
+      <p:graphicFrame>
+        <p:nvGraphicFramePr>
+          <p:cNvPr id="6" name="内容占位符 5"/>
+          <p:cNvGraphicFramePr>
+            <a:graphicFrameLocks noGrp="1"/>
+          </p:cNvGraphicFramePr>
+          <p:nvPr>
+            <p:ph idx="1"/>
+            <p:extLst>
+              <p:ext uri="{D42A27DB-BD31-4B8C-83A1-F6EECF244321}">
+                <p14:modId xmlns:p14="http://schemas.microsoft.com/office/powerpoint/2010/main" val="4217997842"/>
+              </p:ext>
+            </p:extLst>
+          </p:nvPr>
+        </p:nvGraphicFramePr>
+        <p:xfrm>
+          <a:off x="1043608" y="976744"/>
+          <a:ext cx="6624736" cy="1368152"/>
+        </p:xfrm>
+        <a:graphic>
+          <a:graphicData uri="http://schemas.openxmlformats.org/drawingml/2006/diagram">
+            <dgm:relIds xmlns:dgm="http://schemas.openxmlformats.org/drawingml/2006/diagram" xmlns:r="http://schemas.openxmlformats.org/officeDocument/2006/relationships" r:dm="rId2" r:lo="rId3" r:qs="rId4" r:cs="rId5"/>
+          </a:graphicData>
+        </a:graphic>
+      </p:graphicFrame>
+      <p:sp>
+        <p:nvSpPr>
+          <p:cNvPr id="4" name="页脚占位符 3"/>
+          <p:cNvSpPr>
+            <a:spLocks noGrp="1"/>
+          </p:cNvSpPr>
+          <p:nvPr>
+            <p:ph type="ftr" sz="quarter" idx="11"/>
+          </p:nvPr>
+        </p:nvSpPr>
+        <p:spPr/>
+        <p:txBody>
+          <a:bodyPr/>
+          <a:lstStyle/>
+          <a:p>
+            <a:endParaRPr lang="zh-CN" altLang="en-US" dirty="0"/>
+          </a:p>
+        </p:txBody>
+      </p:sp>
+      <p:sp>
+        <p:nvSpPr>
+          <p:cNvPr id="5" name="灯片编号占位符 4"/>
+          <p:cNvSpPr>
+            <a:spLocks noGrp="1"/>
+          </p:cNvSpPr>
+          <p:nvPr>
+            <p:ph type="sldNum" sz="quarter" idx="12"/>
+          </p:nvPr>
+        </p:nvSpPr>
+        <p:spPr/>
+        <p:txBody>
+          <a:bodyPr/>
+          <a:lstStyle/>
+          <a:p>
+            <a:fld id="{0C913308-F349-4B6D-A68A-DD1791B4A57B}" type="slidenum">
+              <a:rPr lang="zh-CN" altLang="en-US" smtClean="0"/>
+              <a:pPr/>
+              <a:t>21</a:t>
+            </a:fld>
+            <a:endParaRPr lang="zh-CN" altLang="en-US"/>
+          </a:p>
+        </p:txBody>
+      </p:sp>
+      <p:sp>
+        <p:nvSpPr>
+          <p:cNvPr id="7" name="矩形 6"/>
+          <p:cNvSpPr/>
+          <p:nvPr/>
+        </p:nvSpPr>
+        <p:spPr>
+          <a:xfrm>
+            <a:off x="0" y="2427734"/>
+            <a:ext cx="9144000" cy="2565470"/>
+          </a:xfrm>
+          <a:prstGeom prst="rect">
+            <a:avLst/>
+          </a:prstGeom>
+          <a:solidFill>
+            <a:srgbClr val="FFC000">
+              <a:alpha val="69804"/>
+            </a:srgbClr>
+          </a:solidFill>
+          <a:ln>
+            <a:noFill/>
+          </a:ln>
+        </p:spPr>
+        <p:style>
+          <a:lnRef idx="2">
+            <a:schemeClr val="accent1">
+              <a:shade val="50000"/>
+            </a:schemeClr>
+          </a:lnRef>
+          <a:fillRef idx="1">
+            <a:schemeClr val="accent1"/>
+          </a:fillRef>
+          <a:effectRef idx="0">
+            <a:schemeClr val="accent1"/>
+          </a:effectRef>
+          <a:fontRef idx="minor">
+            <a:schemeClr val="lt1"/>
+          </a:fontRef>
+        </p:style>
+        <p:txBody>
+          <a:bodyPr rtlCol="0" anchor="ctr"/>
+          <a:lstStyle/>
+          <a:p>
+            <a:pPr algn="ctr"/>
+            <a:endParaRPr lang="zh-CN" altLang="en-US"/>
+          </a:p>
+        </p:txBody>
+      </p:sp>
+      <p:sp>
+        <p:nvSpPr>
+          <p:cNvPr id="8" name="文本框 7"/>
+          <p:cNvSpPr txBox="1"/>
+          <p:nvPr/>
+        </p:nvSpPr>
+        <p:spPr>
+          <a:xfrm>
+            <a:off x="376080" y="2619288"/>
+            <a:ext cx="8444392" cy="1969770"/>
+          </a:xfrm>
+          <a:prstGeom prst="rect">
+            <a:avLst/>
+          </a:prstGeom>
+          <a:noFill/>
+        </p:spPr>
+        <p:txBody>
+          <a:bodyPr wrap="square" rtlCol="0">
+            <a:spAutoFit/>
+          </a:bodyPr>
+          <a:lstStyle>
+            <a:defPPr>
+              <a:defRPr lang="zh-CN"/>
+            </a:defPPr>
+            <a:lvl1pPr marL="285750" indent="-285750">
+              <a:spcBef>
+                <a:spcPts val="600"/>
+              </a:spcBef>
+              <a:buFont typeface="Wingdings" panose="05000000000000000000" pitchFamily="2" charset="2"/>
+              <a:buChar char="Ø"/>
+              <a:defRPr sz="1600"/>
+            </a:lvl1pPr>
+          </a:lstStyle>
+          <a:p>
+            <a:r>
+              <a:rPr lang="en-US" altLang="zh-CN" dirty="0" smtClean="0"/>
+              <a:t>As HCI is a cloud based product, so customer should pay the cloud service fee, it will depends on the particular services.</a:t>
+            </a:r>
+            <a:endParaRPr lang="en-US" altLang="zh-CN" dirty="0"/>
+          </a:p>
+          <a:p>
+            <a:r>
+              <a:rPr lang="en-US" altLang="zh-CN" dirty="0" smtClean="0"/>
+              <a:t>For HCI, the cost of HCI will depend on the connections that user want to use. Normally, one connection will cost 300¥ per month.</a:t>
+            </a:r>
+            <a:endParaRPr lang="en-US" altLang="zh-CN" dirty="0"/>
+          </a:p>
+          <a:p>
+            <a:r>
+              <a:rPr lang="en-US" altLang="zh-CN" dirty="0" smtClean="0"/>
+              <a:t>HCI will always be more easier to implement the integration customization within the SAP products environment. (it means that if all the systems need to be integrated are SAP products, the implementation should be easier than third party systems.)</a:t>
+            </a:r>
+            <a:endParaRPr lang="zh-CN" altLang="en-US" dirty="0"/>
+          </a:p>
+        </p:txBody>
+      </p:sp>
+    </p:spTree>
+    <p:extLst>
+      <p:ext uri="{BB962C8B-B14F-4D97-AF65-F5344CB8AC3E}">
+        <p14:creationId xmlns:p14="http://schemas.microsoft.com/office/powerpoint/2010/main" val="3875164466"/>
+      </p:ext>
+    </p:extLst>
+  </p:cSld>
+  <p:clrMapOvr>
+    <a:masterClrMapping/>
+  </p:clrMapOvr>
+  <p:timing>
+    <p:tnLst>
+      <p:par>
+        <p:cTn id="1" dur="indefinite" restart="never" nodeType="tmRoot"/>
+      </p:par>
+    </p:tnLst>
+  </p:timing>
+</p:sld>
+</file>
+
+<file path=ppt/slides/slide22.xml><?xml version="1.0" encoding="utf-8"?>
+<p:sld xmlns:a="http://schemas.openxmlformats.org/drawingml/2006/main" xmlns:r="http://schemas.openxmlformats.org/officeDocument/2006/relationships" xmlns:p="http://schemas.openxmlformats.org/presentationml/2006/main">
+  <p:cSld>
+    <p:spTree>
+      <p:nvGrpSpPr>
+        <p:cNvPr id="1" name=""/>
+        <p:cNvGrpSpPr/>
+        <p:nvPr/>
+      </p:nvGrpSpPr>
+      <p:grpSpPr>
+        <a:xfrm>
+          <a:off x="0" y="0"/>
+          <a:ext cx="0" cy="0"/>
+          <a:chOff x="0" y="0"/>
+          <a:chExt cx="0" cy="0"/>
+        </a:xfrm>
+      </p:grpSpPr>
+      <p:sp>
+        <p:nvSpPr>
+          <p:cNvPr id="2" name="标题 1"/>
+          <p:cNvSpPr>
+            <a:spLocks noGrp="1"/>
+          </p:cNvSpPr>
+          <p:nvPr>
+            <p:ph type="title"/>
+          </p:nvPr>
+        </p:nvSpPr>
+        <p:spPr/>
+        <p:txBody>
+          <a:bodyPr/>
+          <a:lstStyle/>
+          <a:p>
+            <a:r>
+              <a:rPr lang="en-US" altLang="zh-CN" dirty="0" smtClean="0"/>
+              <a:t>Cost of </a:t>
+            </a:r>
+            <a:r>
+              <a:rPr lang="en-US" altLang="zh-CN" dirty="0" err="1" smtClean="0"/>
+              <a:t>Omnex</a:t>
+            </a:r>
+            <a:r>
+              <a:rPr lang="en-US" altLang="zh-CN" dirty="0" smtClean="0"/>
+              <a:t> Integration Server – </a:t>
+            </a:r>
+            <a:r>
+              <a:rPr lang="en-US" altLang="zh-CN" sz="2000" b="0" dirty="0">
+                <a:solidFill>
+                  <a:srgbClr val="FF0000"/>
+                </a:solidFill>
+              </a:rPr>
+              <a:t>(FOR REFERENCE ONLY )</a:t>
+            </a:r>
+            <a:endParaRPr lang="zh-CN" altLang="en-US" sz="2000" b="0" dirty="0">
+              <a:solidFill>
+                <a:srgbClr val="FF0000"/>
+              </a:solidFill>
+            </a:endParaRPr>
+          </a:p>
+        </p:txBody>
+      </p:sp>
+      <p:sp>
+        <p:nvSpPr>
+          <p:cNvPr id="4" name="页脚占位符 3"/>
+          <p:cNvSpPr>
+            <a:spLocks noGrp="1"/>
+          </p:cNvSpPr>
+          <p:nvPr>
+            <p:ph type="ftr" sz="quarter" idx="11"/>
+          </p:nvPr>
+        </p:nvSpPr>
+        <p:spPr/>
+        <p:txBody>
+          <a:bodyPr/>
+          <a:lstStyle/>
+          <a:p>
+            <a:endParaRPr lang="zh-CN" altLang="en-US" dirty="0"/>
+          </a:p>
+        </p:txBody>
+      </p:sp>
+      <p:sp>
+        <p:nvSpPr>
+          <p:cNvPr id="5" name="灯片编号占位符 4"/>
+          <p:cNvSpPr>
+            <a:spLocks noGrp="1"/>
+          </p:cNvSpPr>
+          <p:nvPr>
+            <p:ph type="sldNum" sz="quarter" idx="12"/>
+          </p:nvPr>
+        </p:nvSpPr>
+        <p:spPr/>
+        <p:txBody>
+          <a:bodyPr/>
+          <a:lstStyle/>
+          <a:p>
+            <a:fld id="{0C913308-F349-4B6D-A68A-DD1791B4A57B}" type="slidenum">
+              <a:rPr lang="zh-CN" altLang="en-US" smtClean="0"/>
+              <a:pPr/>
+              <a:t>22</a:t>
+            </a:fld>
+            <a:endParaRPr lang="zh-CN" altLang="en-US"/>
+          </a:p>
+        </p:txBody>
+      </p:sp>
+      <p:sp>
+        <p:nvSpPr>
+          <p:cNvPr id="7" name="矩形 6"/>
+          <p:cNvSpPr/>
+          <p:nvPr/>
+        </p:nvSpPr>
+        <p:spPr>
+          <a:xfrm>
+            <a:off x="0" y="2427734"/>
+            <a:ext cx="9144000" cy="2565470"/>
+          </a:xfrm>
+          <a:prstGeom prst="rect">
+            <a:avLst/>
+          </a:prstGeom>
+          <a:solidFill>
+            <a:srgbClr val="FFC000">
+              <a:alpha val="69804"/>
+            </a:srgbClr>
+          </a:solidFill>
+          <a:ln>
+            <a:noFill/>
+          </a:ln>
+        </p:spPr>
+        <p:style>
+          <a:lnRef idx="2">
+            <a:schemeClr val="accent1">
+              <a:shade val="50000"/>
+            </a:schemeClr>
+          </a:lnRef>
+          <a:fillRef idx="1">
+            <a:schemeClr val="accent1"/>
+          </a:fillRef>
+          <a:effectRef idx="0">
+            <a:schemeClr val="accent1"/>
+          </a:effectRef>
+          <a:fontRef idx="minor">
+            <a:schemeClr val="lt1"/>
+          </a:fontRef>
+        </p:style>
+        <p:txBody>
+          <a:bodyPr rtlCol="0" anchor="ctr"/>
+          <a:lstStyle/>
+          <a:p>
+            <a:pPr algn="ctr"/>
+            <a:endParaRPr lang="zh-CN" altLang="en-US"/>
+          </a:p>
+        </p:txBody>
+      </p:sp>
+      <p:sp>
+        <p:nvSpPr>
+          <p:cNvPr id="8" name="文本框 7"/>
+          <p:cNvSpPr txBox="1"/>
+          <p:nvPr/>
+        </p:nvSpPr>
+        <p:spPr>
+          <a:xfrm>
+            <a:off x="376080" y="2511063"/>
+            <a:ext cx="8444392" cy="2292935"/>
+          </a:xfrm>
+          <a:prstGeom prst="rect">
+            <a:avLst/>
+          </a:prstGeom>
+          <a:noFill/>
+        </p:spPr>
+        <p:txBody>
+          <a:bodyPr wrap="square" rtlCol="0">
+            <a:spAutoFit/>
+          </a:bodyPr>
+          <a:lstStyle>
+            <a:defPPr>
+              <a:defRPr lang="zh-CN"/>
+            </a:defPPr>
+            <a:lvl1pPr marL="285750" indent="-285750">
+              <a:spcBef>
+                <a:spcPts val="600"/>
+              </a:spcBef>
+              <a:buFont typeface="Wingdings" panose="05000000000000000000" pitchFamily="2" charset="2"/>
+              <a:buChar char="Ø"/>
+              <a:defRPr sz="1600"/>
+            </a:lvl1pPr>
+          </a:lstStyle>
+          <a:p>
+            <a:r>
+              <a:rPr lang="en-US" altLang="zh-CN" dirty="0" smtClean="0"/>
+              <a:t>Integration Server is an </a:t>
+            </a:r>
+            <a:r>
+              <a:rPr lang="en-US" altLang="zh-CN" dirty="0" err="1" smtClean="0"/>
+              <a:t>Omnex</a:t>
+            </a:r>
+            <a:r>
+              <a:rPr lang="en-US" altLang="zh-CN" dirty="0" smtClean="0"/>
+              <a:t> product which can be used in any of the integration scenarios.</a:t>
+            </a:r>
+          </a:p>
+          <a:p>
+            <a:r>
+              <a:rPr lang="en-US" altLang="zh-CN" dirty="0" smtClean="0"/>
+              <a:t>Although the customization is still required during the project, however, the implementation fee could be reduce to the lowest level according to the OOTB functionalities of integration server product.</a:t>
+            </a:r>
+          </a:p>
+          <a:p>
+            <a:r>
+              <a:rPr lang="en-US" altLang="zh-CN" dirty="0" smtClean="0"/>
+              <a:t>The integration server is developed based on JAVA technology, the complexity of the product is well controlled, and the product is also well designed to integrate with third party system easier.</a:t>
+            </a:r>
+          </a:p>
+          <a:p>
+            <a:r>
+              <a:rPr lang="en-US" altLang="zh-CN" dirty="0" smtClean="0"/>
+              <a:t>On the other hand, the implementation cost also could be merged to the total project implementation cost.</a:t>
+            </a:r>
+          </a:p>
+        </p:txBody>
+      </p:sp>
+      <p:grpSp>
+        <p:nvGrpSpPr>
+          <p:cNvPr id="9" name="组合 8"/>
+          <p:cNvGrpSpPr/>
+          <p:nvPr/>
+        </p:nvGrpSpPr>
+        <p:grpSpPr>
+          <a:xfrm>
+            <a:off x="3707904" y="934969"/>
+            <a:ext cx="1366675" cy="1366675"/>
+            <a:chOff x="5010325" y="738"/>
+            <a:chExt cx="1366675" cy="1366675"/>
+          </a:xfrm>
+        </p:grpSpPr>
+        <p:sp>
+          <p:nvSpPr>
+            <p:cNvPr id="10" name="椭圆 9"/>
+            <p:cNvSpPr/>
+            <p:nvPr/>
+          </p:nvSpPr>
+          <p:spPr>
+            <a:xfrm>
+              <a:off x="5010325" y="738"/>
+              <a:ext cx="1366675" cy="1366675"/>
+            </a:xfrm>
+            <a:prstGeom prst="ellipse">
+              <a:avLst/>
+            </a:prstGeom>
+          </p:spPr>
+          <p:style>
+            <a:lnRef idx="0">
+              <a:schemeClr val="lt1">
+                <a:hueOff val="0"/>
+                <a:satOff val="0"/>
+                <a:lumOff val="0"/>
+                <a:alphaOff val="0"/>
+              </a:schemeClr>
+            </a:lnRef>
+            <a:fillRef idx="3">
+              <a:schemeClr val="accent4">
+                <a:hueOff val="0"/>
+                <a:satOff val="0"/>
+                <a:lumOff val="0"/>
+                <a:alphaOff val="0"/>
+              </a:schemeClr>
+            </a:fillRef>
+            <a:effectRef idx="2">
+              <a:schemeClr val="accent4">
+                <a:hueOff val="0"/>
+                <a:satOff val="0"/>
+                <a:lumOff val="0"/>
+                <a:alphaOff val="0"/>
+              </a:schemeClr>
+            </a:effectRef>
+            <a:fontRef idx="minor">
+              <a:schemeClr val="lt1"/>
+            </a:fontRef>
+          </p:style>
+        </p:sp>
+        <p:sp>
+          <p:nvSpPr>
+            <p:cNvPr id="11" name="椭圆 4"/>
+            <p:cNvSpPr txBox="1"/>
+            <p:nvPr/>
+          </p:nvSpPr>
+          <p:spPr>
+            <a:xfrm>
+              <a:off x="5210470" y="200883"/>
+              <a:ext cx="966385" cy="966385"/>
+            </a:xfrm>
+            <a:prstGeom prst="rect">
+              <a:avLst/>
+            </a:prstGeom>
+          </p:spPr>
+          <p:style>
+            <a:lnRef idx="0">
+              <a:scrgbClr r="0" g="0" b="0"/>
+            </a:lnRef>
+            <a:fillRef idx="0">
+              <a:scrgbClr r="0" g="0" b="0"/>
+            </a:fillRef>
+            <a:effectRef idx="0">
+              <a:scrgbClr r="0" g="0" b="0"/>
+            </a:effectRef>
+            <a:fontRef idx="minor">
+              <a:schemeClr val="lt1"/>
+            </a:fontRef>
+          </p:style>
+          <p:txBody>
+            <a:bodyPr spcFirstLastPara="0" vert="horz" wrap="square" lIns="13970" tIns="13970" rIns="13970" bIns="13970" numCol="1" spcCol="1270" anchor="ctr" anchorCtr="0">
+              <a:noAutofit/>
+            </a:bodyPr>
+            <a:lstStyle/>
+            <a:p>
+              <a:pPr lvl="0" algn="ctr" defTabSz="488950">
+                <a:lnSpc>
+                  <a:spcPct val="90000"/>
+                </a:lnSpc>
+                <a:spcBef>
+                  <a:spcPct val="0"/>
+                </a:spcBef>
+                <a:spcAft>
+                  <a:spcPct val="35000"/>
+                </a:spcAft>
+              </a:pPr>
+              <a:r>
+                <a:rPr lang="en-US" altLang="zh-CN" sz="1100" kern="1200" dirty="0" smtClean="0"/>
+                <a:t>Implementation  Fee Only</a:t>
+              </a:r>
+              <a:endParaRPr lang="zh-CN" altLang="en-US" sz="1100" kern="1200" dirty="0"/>
+            </a:p>
+          </p:txBody>
+        </p:sp>
+      </p:grpSp>
+    </p:spTree>
+    <p:extLst>
+      <p:ext uri="{BB962C8B-B14F-4D97-AF65-F5344CB8AC3E}">
+        <p14:creationId xmlns:p14="http://schemas.microsoft.com/office/powerpoint/2010/main" val="3422243977"/>
+      </p:ext>
+    </p:extLst>
+  </p:cSld>
+  <p:clrMapOvr>
+    <a:masterClrMapping/>
+  </p:clrMapOvr>
+  <p:timing>
+    <p:tnLst>
+      <p:par>
+        <p:cTn id="1" dur="indefinite" restart="never" nodeType="tmRoot"/>
+      </p:par>
+    </p:tnLst>
+  </p:timing>
+</p:sld>
+</file>
+
 <file path=ppt/slides/slide3.xml><?xml version="1.0" encoding="utf-8"?>
 <p:sld xmlns:a="http://schemas.openxmlformats.org/drawingml/2006/main" xmlns:r="http://schemas.openxmlformats.org/officeDocument/2006/relationships" xmlns:p="http://schemas.openxmlformats.org/presentationml/2006/main">
   <p:cSld>
